--- a/Presentation DAPM.pptx
+++ b/Presentation DAPM.pptx
@@ -1,27 +1,27 @@
 
 <file path=ppt/presentation.xml><?xml version="1.0" encoding="utf-8"?>
-<p:presentation xmlns:a="http://schemas.openxmlformats.org/drawingml/2006/main" xmlns:r="http://schemas.openxmlformats.org/officeDocument/2006/relationships" xmlns:mc="http://schemas.openxmlformats.org/markup-compatibility/2006" xmlns:mv="urn:schemas-microsoft-com:mac:vml" xmlns:p="http://schemas.openxmlformats.org/presentationml/2006/main" xmlns:c="http://schemas.openxmlformats.org/drawingml/2006/chart" xmlns:dgm="http://schemas.openxmlformats.org/drawingml/2006/diagram" xmlns:o="urn:schemas-microsoft-com:office:office" xmlns:v="urn:schemas-microsoft-com:vml" xmlns:pvml="urn:schemas-microsoft-com:office:powerpoint" xmlns:com="http://schemas.openxmlformats.org/drawingml/2006/compatibility" xmlns:p14="http://schemas.microsoft.com/office/powerpoint/2010/main" saveSubsetFonts="1" autoCompressPictures="0" strictFirstAndLastChars="0">
+<p:presentation xmlns:a="http://schemas.openxmlformats.org/drawingml/2006/main" xmlns:r="http://schemas.openxmlformats.org/officeDocument/2006/relationships" xmlns:p="http://schemas.openxmlformats.org/presentationml/2006/main" strictFirstAndLastChars="0" saveSubsetFonts="1" autoCompressPictures="0">
   <p:sldMasterIdLst>
-    <p:sldMasterId id="2147483654" r:id="rId4"/>
+    <p:sldMasterId id="2147483654" r:id="rId1"/>
   </p:sldMasterIdLst>
   <p:notesMasterIdLst>
-    <p:notesMasterId r:id="rId5"/>
+    <p:notesMasterId r:id="rId11"/>
   </p:notesMasterIdLst>
   <p:sldIdLst>
-    <p:sldId id="256" r:id="rId6"/>
-    <p:sldId id="257" r:id="rId7"/>
-    <p:sldId id="258" r:id="rId8"/>
-    <p:sldId id="259" r:id="rId9"/>
-    <p:sldId id="260" r:id="rId10"/>
-    <p:sldId id="261" r:id="rId11"/>
-    <p:sldId id="262" r:id="rId12"/>
-    <p:sldId id="263" r:id="rId13"/>
-    <p:sldId id="264" r:id="rId14"/>
+    <p:sldId id="256" r:id="rId2"/>
+    <p:sldId id="257" r:id="rId3"/>
+    <p:sldId id="258" r:id="rId4"/>
+    <p:sldId id="259" r:id="rId5"/>
+    <p:sldId id="260" r:id="rId6"/>
+    <p:sldId id="261" r:id="rId7"/>
+    <p:sldId id="262" r:id="rId8"/>
+    <p:sldId id="263" r:id="rId9"/>
+    <p:sldId id="264" r:id="rId10"/>
   </p:sldIdLst>
-  <p:sldSz cy="5143500" cx="9144000"/>
-  <p:notesSz cy="9144000" cx="6858000"/>
+  <p:sldSz cx="9144000" cy="5143500" type="screen16x9"/>
+  <p:notesSz cx="6858000" cy="9144000"/>
   <p:defaultTextStyle>
-    <a:defPPr algn="l" rtl="0" marR="0">
+    <a:defPPr marR="0" algn="l" rtl="0">
       <a:lnSpc>
         <a:spcPct val="100000"/>
       </a:lnSpc>
@@ -32,7 +32,7 @@
         <a:spcPts val="0"/>
       </a:spcAft>
     </a:defPPr>
-    <a:lvl1pPr algn="l" rtl="0" marR="0">
+    <a:lvl1pPr marR="0" algn="l" rtl="0">
       <a:lnSpc>
         <a:spcPct val="100000"/>
       </a:lnSpc>
@@ -43,7 +43,7 @@
         <a:spcPts val="0"/>
       </a:spcAft>
       <a:buNone/>
-      <a:defRPr strike="noStrike" u="none" b="0" cap="none" baseline="0" sz="1400" i="0">
+      <a:defRPr sz="1400" b="0" i="0" u="none" strike="noStrike" cap="none" baseline="0">
         <a:solidFill>
           <a:srgbClr val="000000"/>
         </a:solidFill>
@@ -54,7 +54,7 @@
         <a:rtl val="0"/>
       </a:defRPr>
     </a:lvl1pPr>
-    <a:lvl2pPr algn="l" rtl="0" marR="0">
+    <a:lvl2pPr marR="0" algn="l" rtl="0">
       <a:lnSpc>
         <a:spcPct val="100000"/>
       </a:lnSpc>
@@ -65,7 +65,7 @@
         <a:spcPts val="0"/>
       </a:spcAft>
       <a:buNone/>
-      <a:defRPr strike="noStrike" u="none" b="0" cap="none" baseline="0" sz="1400" i="0">
+      <a:defRPr sz="1400" b="0" i="0" u="none" strike="noStrike" cap="none" baseline="0">
         <a:solidFill>
           <a:srgbClr val="000000"/>
         </a:solidFill>
@@ -76,7 +76,7 @@
         <a:rtl val="0"/>
       </a:defRPr>
     </a:lvl2pPr>
-    <a:lvl3pPr algn="l" rtl="0" marR="0">
+    <a:lvl3pPr marR="0" algn="l" rtl="0">
       <a:lnSpc>
         <a:spcPct val="100000"/>
       </a:lnSpc>
@@ -87,7 +87,7 @@
         <a:spcPts val="0"/>
       </a:spcAft>
       <a:buNone/>
-      <a:defRPr strike="noStrike" u="none" b="0" cap="none" baseline="0" sz="1400" i="0">
+      <a:defRPr sz="1400" b="0" i="0" u="none" strike="noStrike" cap="none" baseline="0">
         <a:solidFill>
           <a:srgbClr val="000000"/>
         </a:solidFill>
@@ -98,7 +98,7 @@
         <a:rtl val="0"/>
       </a:defRPr>
     </a:lvl3pPr>
-    <a:lvl4pPr algn="l" rtl="0" marR="0">
+    <a:lvl4pPr marR="0" algn="l" rtl="0">
       <a:lnSpc>
         <a:spcPct val="100000"/>
       </a:lnSpc>
@@ -109,7 +109,7 @@
         <a:spcPts val="0"/>
       </a:spcAft>
       <a:buNone/>
-      <a:defRPr strike="noStrike" u="none" b="0" cap="none" baseline="0" sz="1400" i="0">
+      <a:defRPr sz="1400" b="0" i="0" u="none" strike="noStrike" cap="none" baseline="0">
         <a:solidFill>
           <a:srgbClr val="000000"/>
         </a:solidFill>
@@ -120,7 +120,7 @@
         <a:rtl val="0"/>
       </a:defRPr>
     </a:lvl4pPr>
-    <a:lvl5pPr algn="l" rtl="0" marR="0">
+    <a:lvl5pPr marR="0" algn="l" rtl="0">
       <a:lnSpc>
         <a:spcPct val="100000"/>
       </a:lnSpc>
@@ -131,7 +131,7 @@
         <a:spcPts val="0"/>
       </a:spcAft>
       <a:buNone/>
-      <a:defRPr strike="noStrike" u="none" b="0" cap="none" baseline="0" sz="1400" i="0">
+      <a:defRPr sz="1400" b="0" i="0" u="none" strike="noStrike" cap="none" baseline="0">
         <a:solidFill>
           <a:srgbClr val="000000"/>
         </a:solidFill>
@@ -142,7 +142,7 @@
         <a:rtl val="0"/>
       </a:defRPr>
     </a:lvl5pPr>
-    <a:lvl6pPr algn="l" rtl="0" marR="0">
+    <a:lvl6pPr marR="0" algn="l" rtl="0">
       <a:lnSpc>
         <a:spcPct val="100000"/>
       </a:lnSpc>
@@ -153,7 +153,7 @@
         <a:spcPts val="0"/>
       </a:spcAft>
       <a:buNone/>
-      <a:defRPr strike="noStrike" u="none" b="0" cap="none" baseline="0" sz="1400" i="0">
+      <a:defRPr sz="1400" b="0" i="0" u="none" strike="noStrike" cap="none" baseline="0">
         <a:solidFill>
           <a:srgbClr val="000000"/>
         </a:solidFill>
@@ -164,7 +164,7 @@
         <a:rtl val="0"/>
       </a:defRPr>
     </a:lvl6pPr>
-    <a:lvl7pPr algn="l" rtl="0" marR="0">
+    <a:lvl7pPr marR="0" algn="l" rtl="0">
       <a:lnSpc>
         <a:spcPct val="100000"/>
       </a:lnSpc>
@@ -175,7 +175,7 @@
         <a:spcPts val="0"/>
       </a:spcAft>
       <a:buNone/>
-      <a:defRPr strike="noStrike" u="none" b="0" cap="none" baseline="0" sz="1400" i="0">
+      <a:defRPr sz="1400" b="0" i="0" u="none" strike="noStrike" cap="none" baseline="0">
         <a:solidFill>
           <a:srgbClr val="000000"/>
         </a:solidFill>
@@ -186,7 +186,7 @@
         <a:rtl val="0"/>
       </a:defRPr>
     </a:lvl7pPr>
-    <a:lvl8pPr algn="l" rtl="0" marR="0">
+    <a:lvl8pPr marR="0" algn="l" rtl="0">
       <a:lnSpc>
         <a:spcPct val="100000"/>
       </a:lnSpc>
@@ -197,7 +197,7 @@
         <a:spcPts val="0"/>
       </a:spcAft>
       <a:buNone/>
-      <a:defRPr strike="noStrike" u="none" b="0" cap="none" baseline="0" sz="1400" i="0">
+      <a:defRPr sz="1400" b="0" i="0" u="none" strike="noStrike" cap="none" baseline="0">
         <a:solidFill>
           <a:srgbClr val="000000"/>
         </a:solidFill>
@@ -208,7 +208,7 @@
         <a:rtl val="0"/>
       </a:defRPr>
     </a:lvl8pPr>
-    <a:lvl9pPr algn="l" rtl="0" marR="0">
+    <a:lvl9pPr marR="0" algn="l" rtl="0">
       <a:lnSpc>
         <a:spcPct val="100000"/>
       </a:lnSpc>
@@ -219,7 +219,7 @@
         <a:spcPts val="0"/>
       </a:spcAft>
       <a:buNone/>
-      <a:defRPr strike="noStrike" u="none" b="0" cap="none" baseline="0" sz="1400" i="0">
+      <a:defRPr sz="1400" b="0" i="0" u="none" strike="noStrike" cap="none" baseline="0">
         <a:solidFill>
           <a:srgbClr val="000000"/>
         </a:solidFill>
@@ -235,8 +235,13 @@
 </file>
 
 <file path=ppt/notesMasters/notesMaster1.xml><?xml version="1.0" encoding="utf-8"?>
-<p:notesMaster xmlns:a="http://schemas.openxmlformats.org/drawingml/2006/main" xmlns:r="http://schemas.openxmlformats.org/officeDocument/2006/relationships" xmlns:mc="http://schemas.openxmlformats.org/markup-compatibility/2006" xmlns:mv="urn:schemas-microsoft-com:mac:vml" xmlns:p="http://schemas.openxmlformats.org/presentationml/2006/main" xmlns:c="http://schemas.openxmlformats.org/drawingml/2006/chart" xmlns:dgm="http://schemas.openxmlformats.org/drawingml/2006/diagram" xmlns:o="urn:schemas-microsoft-com:office:office" xmlns:v="urn:schemas-microsoft-com:vml" xmlns:pvml="urn:schemas-microsoft-com:office:powerpoint" xmlns:com="http://schemas.openxmlformats.org/drawingml/2006/compatibility" xmlns:p14="http://schemas.microsoft.com/office/powerpoint/2010/main">
+<p:notesMaster xmlns:a="http://schemas.openxmlformats.org/drawingml/2006/main" xmlns:r="http://schemas.openxmlformats.org/officeDocument/2006/relationships" xmlns:p="http://schemas.openxmlformats.org/presentationml/2006/main">
   <p:cSld>
+    <p:bg>
+      <p:bgRef idx="1001">
+        <a:schemeClr val="bg1"/>
+      </p:bgRef>
+    </p:bg>
     <p:spTree>
       <p:nvGrpSpPr>
         <p:cNvPr id="1" name="Shape 1"/>
@@ -245,39 +250,46 @@
       </p:nvGrpSpPr>
       <p:grpSpPr>
         <a:xfrm>
-          <a:off y="0" x="0"/>
-          <a:ext cy="0" cx="0"/>
-          <a:chOff y="0" x="0"/>
-          <a:chExt cy="0" cx="0"/>
+          <a:off x="0" y="0"/>
+          <a:ext cx="0" cy="0"/>
+          <a:chOff x="0" y="0"/>
+          <a:chExt cx="0" cy="0"/>
         </a:xfrm>
       </p:grpSpPr>
       <p:sp>
         <p:nvSpPr>
           <p:cNvPr id="2" name="Shape 2"/>
-          <p:cNvSpPr/>
+          <p:cNvSpPr>
+            <a:spLocks noGrp="1" noRot="1" noChangeAspect="1"/>
+          </p:cNvSpPr>
           <p:nvPr>
-            <p:ph idx="2" type="sldImg"/>
+            <p:ph type="sldImg" idx="2"/>
           </p:nvPr>
         </p:nvSpPr>
         <p:spPr>
           <a:xfrm>
-            <a:off y="685800" x="381187"/>
-            <a:ext cy="3429000" cx="6096299"/>
+            <a:off x="381187" y="685800"/>
+            <a:ext cx="6096299" cy="3429000"/>
           </a:xfrm>
           <a:custGeom>
+            <a:avLst/>
+            <a:gdLst/>
+            <a:ahLst/>
+            <a:cxnLst/>
+            <a:rect l="0" t="0" r="0" b="0"/>
             <a:pathLst>
-              <a:path w="120000" extrusionOk="0" h="120000">
+              <a:path w="120000" h="120000" extrusionOk="0">
                 <a:moveTo>
-                  <a:pt y="0" x="0"/>
+                  <a:pt x="0" y="0"/>
                 </a:moveTo>
                 <a:lnTo>
-                  <a:pt y="0" x="120000"/>
+                  <a:pt x="120000" y="0"/>
                 </a:lnTo>
                 <a:lnTo>
-                  <a:pt y="120000" x="120000"/>
+                  <a:pt x="120000" y="120000"/>
                 </a:lnTo>
                 <a:lnTo>
-                  <a:pt y="120000" x="0"/>
+                  <a:pt x="0" y="120000"/>
                 </a:lnTo>
                 <a:close/>
               </a:path>
@@ -290,23 +302,25 @@
             </a:solidFill>
             <a:prstDash val="solid"/>
             <a:round/>
-            <a:headEnd w="med" len="med" type="none"/>
-            <a:tailEnd w="med" len="med" type="none"/>
+            <a:headEnd type="none" w="med" len="med"/>
+            <a:tailEnd type="none" w="med" len="med"/>
           </a:ln>
         </p:spPr>
       </p:sp>
       <p:sp>
         <p:nvSpPr>
           <p:cNvPr id="3" name="Shape 3"/>
-          <p:cNvSpPr txBox="1"/>
+          <p:cNvSpPr txBox="1">
+            <a:spLocks noGrp="1"/>
+          </p:cNvSpPr>
           <p:nvPr>
-            <p:ph idx="1" type="body"/>
+            <p:ph type="body" idx="1"/>
           </p:nvPr>
         </p:nvSpPr>
         <p:spPr>
           <a:xfrm>
-            <a:off y="4343400" x="685800"/>
-            <a:ext cy="4114800" cx="5486399"/>
+            <a:off x="685800" y="4343400"/>
+            <a:ext cx="5486399" cy="4114800"/>
           </a:xfrm>
           <a:prstGeom prst="rect">
             <a:avLst/>
@@ -317,7 +331,7 @@
           </a:ln>
         </p:spPr>
         <p:txBody>
-          <a:bodyPr bIns="91425" rIns="91425" lIns="91425" tIns="91425" anchor="t" anchorCtr="0"/>
+          <a:bodyPr lIns="91425" tIns="91425" rIns="91425" bIns="91425" anchor="t" anchorCtr="0"/>
           <a:lstStyle>
             <a:lvl1pPr>
               <a:spcBef>
@@ -374,59 +388,165 @@
               <a:defRPr sz="1100"/>
             </a:lvl9pPr>
           </a:lstStyle>
-          <a:p/>
+          <a:p>
+            <a:endParaRPr/>
+          </a:p>
         </p:txBody>
       </p:sp>
     </p:spTree>
+    <p:extLst>
+      <p:ext uri="{BB962C8B-B14F-4D97-AF65-F5344CB8AC3E}">
+        <p14:creationId xmlns:p14="http://schemas.microsoft.com/office/powerpoint/2010/main" val="3413892444"/>
+      </p:ext>
+    </p:extLst>
   </p:cSld>
-  <p:clrMap accent2="accent2" accent3="accent3" accent4="accent4" accent5="accent5" accent6="accent6" hlink="hlink" tx2="lt2" tx1="dk1" bg2="dk2" bg1="lt1" folHlink="folHlink" accent1="accent1"/>
+  <p:clrMap bg1="lt1" tx1="dk1" bg2="dk2" tx2="lt2" accent1="accent1" accent2="accent2" accent3="accent3" accent4="accent4" accent5="accent5" accent6="accent6" hlink="hlink" folHlink="folHlink"/>
+  <p:notesStyle>
+    <a:lvl1pPr marL="0" algn="l" defTabSz="914400" rtl="0" eaLnBrk="1" latinLnBrk="0" hangingPunct="1">
+      <a:defRPr sz="1200" kern="1200">
+        <a:solidFill>
+          <a:schemeClr val="tx1"/>
+        </a:solidFill>
+        <a:latin typeface="+mn-lt"/>
+        <a:ea typeface="+mn-ea"/>
+        <a:cs typeface="+mn-cs"/>
+      </a:defRPr>
+    </a:lvl1pPr>
+    <a:lvl2pPr marL="457200" algn="l" defTabSz="914400" rtl="0" eaLnBrk="1" latinLnBrk="0" hangingPunct="1">
+      <a:defRPr sz="1200" kern="1200">
+        <a:solidFill>
+          <a:schemeClr val="tx1"/>
+        </a:solidFill>
+        <a:latin typeface="+mn-lt"/>
+        <a:ea typeface="+mn-ea"/>
+        <a:cs typeface="+mn-cs"/>
+      </a:defRPr>
+    </a:lvl2pPr>
+    <a:lvl3pPr marL="914400" algn="l" defTabSz="914400" rtl="0" eaLnBrk="1" latinLnBrk="0" hangingPunct="1">
+      <a:defRPr sz="1200" kern="1200">
+        <a:solidFill>
+          <a:schemeClr val="tx1"/>
+        </a:solidFill>
+        <a:latin typeface="+mn-lt"/>
+        <a:ea typeface="+mn-ea"/>
+        <a:cs typeface="+mn-cs"/>
+      </a:defRPr>
+    </a:lvl3pPr>
+    <a:lvl4pPr marL="1371600" algn="l" defTabSz="914400" rtl="0" eaLnBrk="1" latinLnBrk="0" hangingPunct="1">
+      <a:defRPr sz="1200" kern="1200">
+        <a:solidFill>
+          <a:schemeClr val="tx1"/>
+        </a:solidFill>
+        <a:latin typeface="+mn-lt"/>
+        <a:ea typeface="+mn-ea"/>
+        <a:cs typeface="+mn-cs"/>
+      </a:defRPr>
+    </a:lvl4pPr>
+    <a:lvl5pPr marL="1828800" algn="l" defTabSz="914400" rtl="0" eaLnBrk="1" latinLnBrk="0" hangingPunct="1">
+      <a:defRPr sz="1200" kern="1200">
+        <a:solidFill>
+          <a:schemeClr val="tx1"/>
+        </a:solidFill>
+        <a:latin typeface="+mn-lt"/>
+        <a:ea typeface="+mn-ea"/>
+        <a:cs typeface="+mn-cs"/>
+      </a:defRPr>
+    </a:lvl5pPr>
+    <a:lvl6pPr marL="2286000" algn="l" defTabSz="914400" rtl="0" eaLnBrk="1" latinLnBrk="0" hangingPunct="1">
+      <a:defRPr sz="1200" kern="1200">
+        <a:solidFill>
+          <a:schemeClr val="tx1"/>
+        </a:solidFill>
+        <a:latin typeface="+mn-lt"/>
+        <a:ea typeface="+mn-ea"/>
+        <a:cs typeface="+mn-cs"/>
+      </a:defRPr>
+    </a:lvl6pPr>
+    <a:lvl7pPr marL="2743200" algn="l" defTabSz="914400" rtl="0" eaLnBrk="1" latinLnBrk="0" hangingPunct="1">
+      <a:defRPr sz="1200" kern="1200">
+        <a:solidFill>
+          <a:schemeClr val="tx1"/>
+        </a:solidFill>
+        <a:latin typeface="+mn-lt"/>
+        <a:ea typeface="+mn-ea"/>
+        <a:cs typeface="+mn-cs"/>
+      </a:defRPr>
+    </a:lvl7pPr>
+    <a:lvl8pPr marL="3200400" algn="l" defTabSz="914400" rtl="0" eaLnBrk="1" latinLnBrk="0" hangingPunct="1">
+      <a:defRPr sz="1200" kern="1200">
+        <a:solidFill>
+          <a:schemeClr val="tx1"/>
+        </a:solidFill>
+        <a:latin typeface="+mn-lt"/>
+        <a:ea typeface="+mn-ea"/>
+        <a:cs typeface="+mn-cs"/>
+      </a:defRPr>
+    </a:lvl8pPr>
+    <a:lvl9pPr marL="3657600" algn="l" defTabSz="914400" rtl="0" eaLnBrk="1" latinLnBrk="0" hangingPunct="1">
+      <a:defRPr sz="1200" kern="1200">
+        <a:solidFill>
+          <a:schemeClr val="tx1"/>
+        </a:solidFill>
+        <a:latin typeface="+mn-lt"/>
+        <a:ea typeface="+mn-ea"/>
+        <a:cs typeface="+mn-cs"/>
+      </a:defRPr>
+    </a:lvl9pPr>
+  </p:notesStyle>
 </p:notesMaster>
 </file>
 
 <file path=ppt/notesSlides/notesSlide1.xml><?xml version="1.0" encoding="utf-8"?>
-<p:notes xmlns:a="http://schemas.openxmlformats.org/drawingml/2006/main" xmlns:r="http://schemas.openxmlformats.org/officeDocument/2006/relationships" xmlns:mc="http://schemas.openxmlformats.org/markup-compatibility/2006" xmlns:mv="urn:schemas-microsoft-com:mac:vml" xmlns:p="http://schemas.openxmlformats.org/presentationml/2006/main" xmlns:c="http://schemas.openxmlformats.org/drawingml/2006/chart" xmlns:dgm="http://schemas.openxmlformats.org/drawingml/2006/diagram" xmlns:o="urn:schemas-microsoft-com:office:office" xmlns:v="urn:schemas-microsoft-com:vml" xmlns:pvml="urn:schemas-microsoft-com:office:powerpoint" xmlns:com="http://schemas.openxmlformats.org/drawingml/2006/compatibility" xmlns:p14="http://schemas.microsoft.com/office/powerpoint/2010/main" showMasterSp="0" showMasterPhAnim="0">
+<p:notes xmlns:a="http://schemas.openxmlformats.org/drawingml/2006/main" xmlns:r="http://schemas.openxmlformats.org/officeDocument/2006/relationships" xmlns:p="http://schemas.openxmlformats.org/presentationml/2006/main" showMasterSp="0" showMasterPhAnim="0">
   <p:cSld>
     <p:spTree>
       <p:nvGrpSpPr>
-        <p:cNvPr id="32" name="Shape 32"/>
+        <p:cNvPr id="1" name="Shape 32"/>
         <p:cNvGrpSpPr/>
         <p:nvPr/>
       </p:nvGrpSpPr>
       <p:grpSpPr>
         <a:xfrm>
-          <a:off y="0" x="0"/>
-          <a:ext cy="0" cx="0"/>
-          <a:chOff y="0" x="0"/>
-          <a:chExt cy="0" cx="0"/>
+          <a:off x="0" y="0"/>
+          <a:ext cx="0" cy="0"/>
+          <a:chOff x="0" y="0"/>
+          <a:chExt cx="0" cy="0"/>
         </a:xfrm>
       </p:grpSpPr>
       <p:sp>
         <p:nvSpPr>
           <p:cNvPr id="33" name="Shape 33"/>
-          <p:cNvSpPr/>
+          <p:cNvSpPr>
+            <a:spLocks noGrp="1" noRot="1" noChangeAspect="1"/>
+          </p:cNvSpPr>
           <p:nvPr>
-            <p:ph idx="2" type="sldImg"/>
+            <p:ph type="sldImg" idx="2"/>
           </p:nvPr>
         </p:nvSpPr>
         <p:spPr>
           <a:xfrm>
-            <a:off y="685800" x="381187"/>
-            <a:ext cy="3429000" cx="6096299"/>
+            <a:off x="381187" y="685800"/>
+            <a:ext cx="6096299" cy="3429000"/>
           </a:xfrm>
           <a:custGeom>
+            <a:avLst/>
+            <a:gdLst/>
+            <a:ahLst/>
+            <a:cxnLst/>
+            <a:rect l="0" t="0" r="0" b="0"/>
             <a:pathLst>
-              <a:path w="120000" extrusionOk="0" h="120000">
+              <a:path w="120000" h="120000" extrusionOk="0">
                 <a:moveTo>
-                  <a:pt y="0" x="0"/>
+                  <a:pt x="0" y="0"/>
                 </a:moveTo>
                 <a:lnTo>
-                  <a:pt y="0" x="120000"/>
+                  <a:pt x="120000" y="0"/>
                 </a:lnTo>
                 <a:lnTo>
-                  <a:pt y="120000" x="120000"/>
+                  <a:pt x="120000" y="120000"/>
                 </a:lnTo>
                 <a:lnTo>
-                  <a:pt y="120000" x="0"/>
+                  <a:pt x="0" y="120000"/>
                 </a:lnTo>
                 <a:close/>
               </a:path>
@@ -439,30 +559,32 @@
             </a:solidFill>
             <a:prstDash val="solid"/>
             <a:round/>
-            <a:headEnd w="med" len="med" type="none"/>
-            <a:tailEnd w="med" len="med" type="none"/>
+            <a:headEnd type="none" w="med" len="med"/>
+            <a:tailEnd type="none" w="med" len="med"/>
           </a:ln>
         </p:spPr>
       </p:sp>
       <p:sp>
         <p:nvSpPr>
           <p:cNvPr id="34" name="Shape 34"/>
-          <p:cNvSpPr txBox="1"/>
+          <p:cNvSpPr txBox="1">
+            <a:spLocks noGrp="1"/>
+          </p:cNvSpPr>
           <p:nvPr>
-            <p:ph idx="1" type="body"/>
+            <p:ph type="body" idx="1"/>
           </p:nvPr>
         </p:nvSpPr>
         <p:spPr>
           <a:xfrm>
-            <a:off y="4343400" x="685800"/>
-            <a:ext cy="4114800" cx="5486399"/>
+            <a:off x="685800" y="4343400"/>
+            <a:ext cx="5486399" cy="4114800"/>
           </a:xfrm>
           <a:prstGeom prst="rect">
             <a:avLst/>
           </a:prstGeom>
         </p:spPr>
         <p:txBody>
-          <a:bodyPr bIns="91425" rIns="91425" lIns="91425" tIns="91425" anchor="t" anchorCtr="0">
+          <a:bodyPr lIns="91425" tIns="91425" rIns="91425" bIns="91425" anchor="t" anchorCtr="0">
             <a:noAutofit/>
           </a:bodyPr>
           <a:lstStyle/>
@@ -473,9 +595,6 @@
               </a:spcBef>
               <a:buNone/>
             </a:pPr>
-            <a:r>
-              <a:t/>
-            </a:r>
             <a:endParaRPr/>
           </a:p>
         </p:txBody>
@@ -489,49 +608,56 @@
 </file>
 
 <file path=ppt/notesSlides/notesSlide2.xml><?xml version="1.0" encoding="utf-8"?>
-<p:notes xmlns:a="http://schemas.openxmlformats.org/drawingml/2006/main" xmlns:r="http://schemas.openxmlformats.org/officeDocument/2006/relationships" xmlns:mc="http://schemas.openxmlformats.org/markup-compatibility/2006" xmlns:mv="urn:schemas-microsoft-com:mac:vml" xmlns:p="http://schemas.openxmlformats.org/presentationml/2006/main" xmlns:c="http://schemas.openxmlformats.org/drawingml/2006/chart" xmlns:dgm="http://schemas.openxmlformats.org/drawingml/2006/diagram" xmlns:o="urn:schemas-microsoft-com:office:office" xmlns:v="urn:schemas-microsoft-com:vml" xmlns:pvml="urn:schemas-microsoft-com:office:powerpoint" xmlns:com="http://schemas.openxmlformats.org/drawingml/2006/compatibility" xmlns:p14="http://schemas.microsoft.com/office/powerpoint/2010/main" showMasterSp="0" showMasterPhAnim="0">
+<p:notes xmlns:a="http://schemas.openxmlformats.org/drawingml/2006/main" xmlns:r="http://schemas.openxmlformats.org/officeDocument/2006/relationships" xmlns:p="http://schemas.openxmlformats.org/presentationml/2006/main" showMasterSp="0" showMasterPhAnim="0">
   <p:cSld>
     <p:spTree>
       <p:nvGrpSpPr>
-        <p:cNvPr id="38" name="Shape 38"/>
+        <p:cNvPr id="1" name="Shape 38"/>
         <p:cNvGrpSpPr/>
         <p:nvPr/>
       </p:nvGrpSpPr>
       <p:grpSpPr>
         <a:xfrm>
-          <a:off y="0" x="0"/>
-          <a:ext cy="0" cx="0"/>
-          <a:chOff y="0" x="0"/>
-          <a:chExt cy="0" cx="0"/>
+          <a:off x="0" y="0"/>
+          <a:ext cx="0" cy="0"/>
+          <a:chOff x="0" y="0"/>
+          <a:chExt cx="0" cy="0"/>
         </a:xfrm>
       </p:grpSpPr>
       <p:sp>
         <p:nvSpPr>
           <p:cNvPr id="39" name="Shape 39"/>
-          <p:cNvSpPr/>
+          <p:cNvSpPr>
+            <a:spLocks noGrp="1" noRot="1" noChangeAspect="1"/>
+          </p:cNvSpPr>
           <p:nvPr>
-            <p:ph idx="2" type="sldImg"/>
+            <p:ph type="sldImg" idx="2"/>
           </p:nvPr>
         </p:nvSpPr>
         <p:spPr>
           <a:xfrm>
-            <a:off y="685800" x="381187"/>
-            <a:ext cy="3429000" cx="6096299"/>
+            <a:off x="381187" y="685800"/>
+            <a:ext cx="6096299" cy="3429000"/>
           </a:xfrm>
           <a:custGeom>
+            <a:avLst/>
+            <a:gdLst/>
+            <a:ahLst/>
+            <a:cxnLst/>
+            <a:rect l="0" t="0" r="0" b="0"/>
             <a:pathLst>
-              <a:path w="120000" extrusionOk="0" h="120000">
+              <a:path w="120000" h="120000" extrusionOk="0">
                 <a:moveTo>
-                  <a:pt y="0" x="0"/>
+                  <a:pt x="0" y="0"/>
                 </a:moveTo>
                 <a:lnTo>
-                  <a:pt y="0" x="120000"/>
+                  <a:pt x="120000" y="0"/>
                 </a:lnTo>
                 <a:lnTo>
-                  <a:pt y="120000" x="120000"/>
+                  <a:pt x="120000" y="120000"/>
                 </a:lnTo>
                 <a:lnTo>
-                  <a:pt y="120000" x="0"/>
+                  <a:pt x="0" y="120000"/>
                 </a:lnTo>
                 <a:close/>
               </a:path>
@@ -544,30 +670,32 @@
             </a:solidFill>
             <a:prstDash val="solid"/>
             <a:round/>
-            <a:headEnd w="med" len="med" type="none"/>
-            <a:tailEnd w="med" len="med" type="none"/>
+            <a:headEnd type="none" w="med" len="med"/>
+            <a:tailEnd type="none" w="med" len="med"/>
           </a:ln>
         </p:spPr>
       </p:sp>
       <p:sp>
         <p:nvSpPr>
           <p:cNvPr id="40" name="Shape 40"/>
-          <p:cNvSpPr txBox="1"/>
+          <p:cNvSpPr txBox="1">
+            <a:spLocks noGrp="1"/>
+          </p:cNvSpPr>
           <p:nvPr>
-            <p:ph idx="1" type="body"/>
+            <p:ph type="body" idx="1"/>
           </p:nvPr>
         </p:nvSpPr>
         <p:spPr>
           <a:xfrm>
-            <a:off y="4343400" x="685800"/>
-            <a:ext cy="4114800" cx="5486399"/>
+            <a:off x="685800" y="4343400"/>
+            <a:ext cx="5486399" cy="4114800"/>
           </a:xfrm>
           <a:prstGeom prst="rect">
             <a:avLst/>
           </a:prstGeom>
         </p:spPr>
         <p:txBody>
-          <a:bodyPr bIns="91425" rIns="91425" lIns="91425" tIns="91425" anchor="t" anchorCtr="0">
+          <a:bodyPr lIns="91425" tIns="91425" rIns="91425" bIns="91425" anchor="t" anchorCtr="0">
             <a:noAutofit/>
           </a:bodyPr>
           <a:lstStyle/>
@@ -578,9 +706,6 @@
               </a:spcBef>
               <a:buNone/>
             </a:pPr>
-            <a:r>
-              <a:t/>
-            </a:r>
             <a:endParaRPr/>
           </a:p>
         </p:txBody>
@@ -594,49 +719,56 @@
 </file>
 
 <file path=ppt/notesSlides/notesSlide3.xml><?xml version="1.0" encoding="utf-8"?>
-<p:notes xmlns:a="http://schemas.openxmlformats.org/drawingml/2006/main" xmlns:r="http://schemas.openxmlformats.org/officeDocument/2006/relationships" xmlns:mc="http://schemas.openxmlformats.org/markup-compatibility/2006" xmlns:mv="urn:schemas-microsoft-com:mac:vml" xmlns:p="http://schemas.openxmlformats.org/presentationml/2006/main" xmlns:c="http://schemas.openxmlformats.org/drawingml/2006/chart" xmlns:dgm="http://schemas.openxmlformats.org/drawingml/2006/diagram" xmlns:o="urn:schemas-microsoft-com:office:office" xmlns:v="urn:schemas-microsoft-com:vml" xmlns:pvml="urn:schemas-microsoft-com:office:powerpoint" xmlns:com="http://schemas.openxmlformats.org/drawingml/2006/compatibility" xmlns:p14="http://schemas.microsoft.com/office/powerpoint/2010/main" showMasterSp="0" showMasterPhAnim="0">
+<p:notes xmlns:a="http://schemas.openxmlformats.org/drawingml/2006/main" xmlns:r="http://schemas.openxmlformats.org/officeDocument/2006/relationships" xmlns:p="http://schemas.openxmlformats.org/presentationml/2006/main" showMasterSp="0" showMasterPhAnim="0">
   <p:cSld>
     <p:spTree>
       <p:nvGrpSpPr>
-        <p:cNvPr id="46" name="Shape 46"/>
+        <p:cNvPr id="1" name="Shape 46"/>
         <p:cNvGrpSpPr/>
         <p:nvPr/>
       </p:nvGrpSpPr>
       <p:grpSpPr>
         <a:xfrm>
-          <a:off y="0" x="0"/>
-          <a:ext cy="0" cx="0"/>
-          <a:chOff y="0" x="0"/>
-          <a:chExt cy="0" cx="0"/>
+          <a:off x="0" y="0"/>
+          <a:ext cx="0" cy="0"/>
+          <a:chOff x="0" y="0"/>
+          <a:chExt cx="0" cy="0"/>
         </a:xfrm>
       </p:grpSpPr>
       <p:sp>
         <p:nvSpPr>
           <p:cNvPr id="47" name="Shape 47"/>
-          <p:cNvSpPr/>
+          <p:cNvSpPr>
+            <a:spLocks noGrp="1" noRot="1" noChangeAspect="1"/>
+          </p:cNvSpPr>
           <p:nvPr>
-            <p:ph idx="2" type="sldImg"/>
+            <p:ph type="sldImg" idx="2"/>
           </p:nvPr>
         </p:nvSpPr>
         <p:spPr>
           <a:xfrm>
-            <a:off y="685800" x="381187"/>
-            <a:ext cy="3429000" cx="6096299"/>
+            <a:off x="381187" y="685800"/>
+            <a:ext cx="6096299" cy="3429000"/>
           </a:xfrm>
           <a:custGeom>
+            <a:avLst/>
+            <a:gdLst/>
+            <a:ahLst/>
+            <a:cxnLst/>
+            <a:rect l="0" t="0" r="0" b="0"/>
             <a:pathLst>
-              <a:path w="120000" extrusionOk="0" h="120000">
+              <a:path w="120000" h="120000" extrusionOk="0">
                 <a:moveTo>
-                  <a:pt y="0" x="0"/>
+                  <a:pt x="0" y="0"/>
                 </a:moveTo>
                 <a:lnTo>
-                  <a:pt y="0" x="120000"/>
+                  <a:pt x="120000" y="0"/>
                 </a:lnTo>
                 <a:lnTo>
-                  <a:pt y="120000" x="120000"/>
+                  <a:pt x="120000" y="120000"/>
                 </a:lnTo>
                 <a:lnTo>
-                  <a:pt y="120000" x="0"/>
+                  <a:pt x="0" y="120000"/>
                 </a:lnTo>
                 <a:close/>
               </a:path>
@@ -649,30 +781,32 @@
             </a:solidFill>
             <a:prstDash val="solid"/>
             <a:round/>
-            <a:headEnd w="med" len="med" type="none"/>
-            <a:tailEnd w="med" len="med" type="none"/>
+            <a:headEnd type="none" w="med" len="med"/>
+            <a:tailEnd type="none" w="med" len="med"/>
           </a:ln>
         </p:spPr>
       </p:sp>
       <p:sp>
         <p:nvSpPr>
           <p:cNvPr id="48" name="Shape 48"/>
-          <p:cNvSpPr txBox="1"/>
+          <p:cNvSpPr txBox="1">
+            <a:spLocks noGrp="1"/>
+          </p:cNvSpPr>
           <p:nvPr>
-            <p:ph idx="1" type="body"/>
+            <p:ph type="body" idx="1"/>
           </p:nvPr>
         </p:nvSpPr>
         <p:spPr>
           <a:xfrm>
-            <a:off y="4343400" x="685800"/>
-            <a:ext cy="4114800" cx="5486399"/>
+            <a:off x="685800" y="4343400"/>
+            <a:ext cx="5486399" cy="4114800"/>
           </a:xfrm>
           <a:prstGeom prst="rect">
             <a:avLst/>
           </a:prstGeom>
         </p:spPr>
         <p:txBody>
-          <a:bodyPr bIns="91425" rIns="91425" lIns="91425" tIns="91425" anchor="t" anchorCtr="0">
+          <a:bodyPr lIns="91425" tIns="91425" rIns="91425" bIns="91425" anchor="t" anchorCtr="0">
             <a:noAutofit/>
           </a:bodyPr>
           <a:lstStyle/>
@@ -683,9 +817,6 @@
               </a:spcBef>
               <a:buNone/>
             </a:pPr>
-            <a:r>
-              <a:t/>
-            </a:r>
             <a:endParaRPr/>
           </a:p>
         </p:txBody>
@@ -699,49 +830,56 @@
 </file>
 
 <file path=ppt/notesSlides/notesSlide4.xml><?xml version="1.0" encoding="utf-8"?>
-<p:notes xmlns:a="http://schemas.openxmlformats.org/drawingml/2006/main" xmlns:r="http://schemas.openxmlformats.org/officeDocument/2006/relationships" xmlns:mc="http://schemas.openxmlformats.org/markup-compatibility/2006" xmlns:mv="urn:schemas-microsoft-com:mac:vml" xmlns:p="http://schemas.openxmlformats.org/presentationml/2006/main" xmlns:c="http://schemas.openxmlformats.org/drawingml/2006/chart" xmlns:dgm="http://schemas.openxmlformats.org/drawingml/2006/diagram" xmlns:o="urn:schemas-microsoft-com:office:office" xmlns:v="urn:schemas-microsoft-com:vml" xmlns:pvml="urn:schemas-microsoft-com:office:powerpoint" xmlns:com="http://schemas.openxmlformats.org/drawingml/2006/compatibility" xmlns:p14="http://schemas.microsoft.com/office/powerpoint/2010/main" showMasterSp="0" showMasterPhAnim="0">
+<p:notes xmlns:a="http://schemas.openxmlformats.org/drawingml/2006/main" xmlns:r="http://schemas.openxmlformats.org/officeDocument/2006/relationships" xmlns:p="http://schemas.openxmlformats.org/presentationml/2006/main" showMasterSp="0" showMasterPhAnim="0">
   <p:cSld>
     <p:spTree>
       <p:nvGrpSpPr>
-        <p:cNvPr id="54" name="Shape 54"/>
+        <p:cNvPr id="1" name="Shape 54"/>
         <p:cNvGrpSpPr/>
         <p:nvPr/>
       </p:nvGrpSpPr>
       <p:grpSpPr>
         <a:xfrm>
-          <a:off y="0" x="0"/>
-          <a:ext cy="0" cx="0"/>
-          <a:chOff y="0" x="0"/>
-          <a:chExt cy="0" cx="0"/>
+          <a:off x="0" y="0"/>
+          <a:ext cx="0" cy="0"/>
+          <a:chOff x="0" y="0"/>
+          <a:chExt cx="0" cy="0"/>
         </a:xfrm>
       </p:grpSpPr>
       <p:sp>
         <p:nvSpPr>
           <p:cNvPr id="55" name="Shape 55"/>
-          <p:cNvSpPr/>
+          <p:cNvSpPr>
+            <a:spLocks noGrp="1" noRot="1" noChangeAspect="1"/>
+          </p:cNvSpPr>
           <p:nvPr>
-            <p:ph idx="2" type="sldImg"/>
+            <p:ph type="sldImg" idx="2"/>
           </p:nvPr>
         </p:nvSpPr>
         <p:spPr>
           <a:xfrm>
-            <a:off y="685800" x="381187"/>
-            <a:ext cy="3429000" cx="6096299"/>
+            <a:off x="381187" y="685800"/>
+            <a:ext cx="6096299" cy="3429000"/>
           </a:xfrm>
           <a:custGeom>
+            <a:avLst/>
+            <a:gdLst/>
+            <a:ahLst/>
+            <a:cxnLst/>
+            <a:rect l="0" t="0" r="0" b="0"/>
             <a:pathLst>
-              <a:path w="120000" extrusionOk="0" h="120000">
+              <a:path w="120000" h="120000" extrusionOk="0">
                 <a:moveTo>
-                  <a:pt y="0" x="0"/>
+                  <a:pt x="0" y="0"/>
                 </a:moveTo>
                 <a:lnTo>
-                  <a:pt y="0" x="120000"/>
+                  <a:pt x="120000" y="0"/>
                 </a:lnTo>
                 <a:lnTo>
-                  <a:pt y="120000" x="120000"/>
+                  <a:pt x="120000" y="120000"/>
                 </a:lnTo>
                 <a:lnTo>
-                  <a:pt y="120000" x="0"/>
+                  <a:pt x="0" y="120000"/>
                 </a:lnTo>
                 <a:close/>
               </a:path>
@@ -754,30 +892,32 @@
             </a:solidFill>
             <a:prstDash val="solid"/>
             <a:round/>
-            <a:headEnd w="med" len="med" type="none"/>
-            <a:tailEnd w="med" len="med" type="none"/>
+            <a:headEnd type="none" w="med" len="med"/>
+            <a:tailEnd type="none" w="med" len="med"/>
           </a:ln>
         </p:spPr>
       </p:sp>
       <p:sp>
         <p:nvSpPr>
           <p:cNvPr id="56" name="Shape 56"/>
-          <p:cNvSpPr txBox="1"/>
+          <p:cNvSpPr txBox="1">
+            <a:spLocks noGrp="1"/>
+          </p:cNvSpPr>
           <p:nvPr>
-            <p:ph idx="1" type="body"/>
+            <p:ph type="body" idx="1"/>
           </p:nvPr>
         </p:nvSpPr>
         <p:spPr>
           <a:xfrm>
-            <a:off y="4343400" x="685800"/>
-            <a:ext cy="4114800" cx="5486399"/>
+            <a:off x="685800" y="4343400"/>
+            <a:ext cx="5486399" cy="4114800"/>
           </a:xfrm>
           <a:prstGeom prst="rect">
             <a:avLst/>
           </a:prstGeom>
         </p:spPr>
         <p:txBody>
-          <a:bodyPr bIns="91425" rIns="91425" lIns="91425" tIns="91425" anchor="t" anchorCtr="0">
+          <a:bodyPr lIns="91425" tIns="91425" rIns="91425" bIns="91425" anchor="t" anchorCtr="0">
             <a:noAutofit/>
           </a:bodyPr>
           <a:lstStyle/>
@@ -788,9 +928,6 @@
               </a:spcBef>
               <a:buNone/>
             </a:pPr>
-            <a:r>
-              <a:t/>
-            </a:r>
             <a:endParaRPr/>
           </a:p>
         </p:txBody>
@@ -804,49 +941,56 @@
 </file>
 
 <file path=ppt/notesSlides/notesSlide5.xml><?xml version="1.0" encoding="utf-8"?>
-<p:notes xmlns:a="http://schemas.openxmlformats.org/drawingml/2006/main" xmlns:r="http://schemas.openxmlformats.org/officeDocument/2006/relationships" xmlns:mc="http://schemas.openxmlformats.org/markup-compatibility/2006" xmlns:mv="urn:schemas-microsoft-com:mac:vml" xmlns:p="http://schemas.openxmlformats.org/presentationml/2006/main" xmlns:c="http://schemas.openxmlformats.org/drawingml/2006/chart" xmlns:dgm="http://schemas.openxmlformats.org/drawingml/2006/diagram" xmlns:o="urn:schemas-microsoft-com:office:office" xmlns:v="urn:schemas-microsoft-com:vml" xmlns:pvml="urn:schemas-microsoft-com:office:powerpoint" xmlns:com="http://schemas.openxmlformats.org/drawingml/2006/compatibility" xmlns:p14="http://schemas.microsoft.com/office/powerpoint/2010/main" showMasterSp="0" showMasterPhAnim="0">
+<p:notes xmlns:a="http://schemas.openxmlformats.org/drawingml/2006/main" xmlns:r="http://schemas.openxmlformats.org/officeDocument/2006/relationships" xmlns:p="http://schemas.openxmlformats.org/presentationml/2006/main" showMasterSp="0" showMasterPhAnim="0">
   <p:cSld>
     <p:spTree>
       <p:nvGrpSpPr>
-        <p:cNvPr id="61" name="Shape 61"/>
+        <p:cNvPr id="1" name="Shape 61"/>
         <p:cNvGrpSpPr/>
         <p:nvPr/>
       </p:nvGrpSpPr>
       <p:grpSpPr>
         <a:xfrm>
-          <a:off y="0" x="0"/>
-          <a:ext cy="0" cx="0"/>
-          <a:chOff y="0" x="0"/>
-          <a:chExt cy="0" cx="0"/>
+          <a:off x="0" y="0"/>
+          <a:ext cx="0" cy="0"/>
+          <a:chOff x="0" y="0"/>
+          <a:chExt cx="0" cy="0"/>
         </a:xfrm>
       </p:grpSpPr>
       <p:sp>
         <p:nvSpPr>
           <p:cNvPr id="62" name="Shape 62"/>
-          <p:cNvSpPr/>
+          <p:cNvSpPr>
+            <a:spLocks noGrp="1" noRot="1" noChangeAspect="1"/>
+          </p:cNvSpPr>
           <p:nvPr>
-            <p:ph idx="2" type="sldImg"/>
+            <p:ph type="sldImg" idx="2"/>
           </p:nvPr>
         </p:nvSpPr>
         <p:spPr>
           <a:xfrm>
-            <a:off y="685800" x="381187"/>
-            <a:ext cy="3429000" cx="6096299"/>
+            <a:off x="381187" y="685800"/>
+            <a:ext cx="6096299" cy="3429000"/>
           </a:xfrm>
           <a:custGeom>
+            <a:avLst/>
+            <a:gdLst/>
+            <a:ahLst/>
+            <a:cxnLst/>
+            <a:rect l="0" t="0" r="0" b="0"/>
             <a:pathLst>
-              <a:path w="120000" extrusionOk="0" h="120000">
+              <a:path w="120000" h="120000" extrusionOk="0">
                 <a:moveTo>
-                  <a:pt y="0" x="0"/>
+                  <a:pt x="0" y="0"/>
                 </a:moveTo>
                 <a:lnTo>
-                  <a:pt y="0" x="120000"/>
+                  <a:pt x="120000" y="0"/>
                 </a:lnTo>
                 <a:lnTo>
-                  <a:pt y="120000" x="120000"/>
+                  <a:pt x="120000" y="120000"/>
                 </a:lnTo>
                 <a:lnTo>
-                  <a:pt y="120000" x="0"/>
+                  <a:pt x="0" y="120000"/>
                 </a:lnTo>
                 <a:close/>
               </a:path>
@@ -859,30 +1003,32 @@
             </a:solidFill>
             <a:prstDash val="solid"/>
             <a:round/>
-            <a:headEnd w="med" len="med" type="none"/>
-            <a:tailEnd w="med" len="med" type="none"/>
+            <a:headEnd type="none" w="med" len="med"/>
+            <a:tailEnd type="none" w="med" len="med"/>
           </a:ln>
         </p:spPr>
       </p:sp>
       <p:sp>
         <p:nvSpPr>
           <p:cNvPr id="63" name="Shape 63"/>
-          <p:cNvSpPr txBox="1"/>
+          <p:cNvSpPr txBox="1">
+            <a:spLocks noGrp="1"/>
+          </p:cNvSpPr>
           <p:nvPr>
-            <p:ph idx="1" type="body"/>
+            <p:ph type="body" idx="1"/>
           </p:nvPr>
         </p:nvSpPr>
         <p:spPr>
           <a:xfrm>
-            <a:off y="4343400" x="685800"/>
-            <a:ext cy="4114800" cx="5486399"/>
+            <a:off x="685800" y="4343400"/>
+            <a:ext cx="5486399" cy="4114800"/>
           </a:xfrm>
           <a:prstGeom prst="rect">
             <a:avLst/>
           </a:prstGeom>
         </p:spPr>
         <p:txBody>
-          <a:bodyPr bIns="91425" rIns="91425" lIns="91425" tIns="91425" anchor="t" anchorCtr="0">
+          <a:bodyPr lIns="91425" tIns="91425" rIns="91425" bIns="91425" anchor="t" anchorCtr="0">
             <a:noAutofit/>
           </a:bodyPr>
           <a:lstStyle/>
@@ -893,9 +1039,6 @@
               </a:spcBef>
               <a:buNone/>
             </a:pPr>
-            <a:r>
-              <a:t/>
-            </a:r>
             <a:endParaRPr/>
           </a:p>
         </p:txBody>
@@ -909,49 +1052,56 @@
 </file>
 
 <file path=ppt/notesSlides/notesSlide6.xml><?xml version="1.0" encoding="utf-8"?>
-<p:notes xmlns:a="http://schemas.openxmlformats.org/drawingml/2006/main" xmlns:r="http://schemas.openxmlformats.org/officeDocument/2006/relationships" xmlns:mc="http://schemas.openxmlformats.org/markup-compatibility/2006" xmlns:mv="urn:schemas-microsoft-com:mac:vml" xmlns:p="http://schemas.openxmlformats.org/presentationml/2006/main" xmlns:c="http://schemas.openxmlformats.org/drawingml/2006/chart" xmlns:dgm="http://schemas.openxmlformats.org/drawingml/2006/diagram" xmlns:o="urn:schemas-microsoft-com:office:office" xmlns:v="urn:schemas-microsoft-com:vml" xmlns:pvml="urn:schemas-microsoft-com:office:powerpoint" xmlns:com="http://schemas.openxmlformats.org/drawingml/2006/compatibility" xmlns:p14="http://schemas.microsoft.com/office/powerpoint/2010/main" showMasterSp="0" showMasterPhAnim="0">
+<p:notes xmlns:a="http://schemas.openxmlformats.org/drawingml/2006/main" xmlns:r="http://schemas.openxmlformats.org/officeDocument/2006/relationships" xmlns:p="http://schemas.openxmlformats.org/presentationml/2006/main" showMasterSp="0" showMasterPhAnim="0">
   <p:cSld>
     <p:spTree>
       <p:nvGrpSpPr>
-        <p:cNvPr id="68" name="Shape 68"/>
+        <p:cNvPr id="1" name="Shape 68"/>
         <p:cNvGrpSpPr/>
         <p:nvPr/>
       </p:nvGrpSpPr>
       <p:grpSpPr>
         <a:xfrm>
-          <a:off y="0" x="0"/>
-          <a:ext cy="0" cx="0"/>
-          <a:chOff y="0" x="0"/>
-          <a:chExt cy="0" cx="0"/>
+          <a:off x="0" y="0"/>
+          <a:ext cx="0" cy="0"/>
+          <a:chOff x="0" y="0"/>
+          <a:chExt cx="0" cy="0"/>
         </a:xfrm>
       </p:grpSpPr>
       <p:sp>
         <p:nvSpPr>
           <p:cNvPr id="69" name="Shape 69"/>
-          <p:cNvSpPr/>
+          <p:cNvSpPr>
+            <a:spLocks noGrp="1" noRot="1" noChangeAspect="1"/>
+          </p:cNvSpPr>
           <p:nvPr>
-            <p:ph idx="2" type="sldImg"/>
+            <p:ph type="sldImg" idx="2"/>
           </p:nvPr>
         </p:nvSpPr>
         <p:spPr>
           <a:xfrm>
-            <a:off y="685800" x="381187"/>
-            <a:ext cy="3429000" cx="6096299"/>
+            <a:off x="381187" y="685800"/>
+            <a:ext cx="6096299" cy="3429000"/>
           </a:xfrm>
           <a:custGeom>
+            <a:avLst/>
+            <a:gdLst/>
+            <a:ahLst/>
+            <a:cxnLst/>
+            <a:rect l="0" t="0" r="0" b="0"/>
             <a:pathLst>
-              <a:path w="120000" extrusionOk="0" h="120000">
+              <a:path w="120000" h="120000" extrusionOk="0">
                 <a:moveTo>
-                  <a:pt y="0" x="0"/>
+                  <a:pt x="0" y="0"/>
                 </a:moveTo>
                 <a:lnTo>
-                  <a:pt y="0" x="120000"/>
+                  <a:pt x="120000" y="0"/>
                 </a:lnTo>
                 <a:lnTo>
-                  <a:pt y="120000" x="120000"/>
+                  <a:pt x="120000" y="120000"/>
                 </a:lnTo>
                 <a:lnTo>
-                  <a:pt y="120000" x="0"/>
+                  <a:pt x="0" y="120000"/>
                 </a:lnTo>
                 <a:close/>
               </a:path>
@@ -964,30 +1114,32 @@
             </a:solidFill>
             <a:prstDash val="solid"/>
             <a:round/>
-            <a:headEnd w="med" len="med" type="none"/>
-            <a:tailEnd w="med" len="med" type="none"/>
+            <a:headEnd type="none" w="med" len="med"/>
+            <a:tailEnd type="none" w="med" len="med"/>
           </a:ln>
         </p:spPr>
       </p:sp>
       <p:sp>
         <p:nvSpPr>
           <p:cNvPr id="70" name="Shape 70"/>
-          <p:cNvSpPr txBox="1"/>
+          <p:cNvSpPr txBox="1">
+            <a:spLocks noGrp="1"/>
+          </p:cNvSpPr>
           <p:nvPr>
-            <p:ph idx="1" type="body"/>
+            <p:ph type="body" idx="1"/>
           </p:nvPr>
         </p:nvSpPr>
         <p:spPr>
           <a:xfrm>
-            <a:off y="4343400" x="685800"/>
-            <a:ext cy="4114800" cx="5486399"/>
+            <a:off x="685800" y="4343400"/>
+            <a:ext cx="5486399" cy="4114800"/>
           </a:xfrm>
           <a:prstGeom prst="rect">
             <a:avLst/>
           </a:prstGeom>
         </p:spPr>
         <p:txBody>
-          <a:bodyPr bIns="91425" rIns="91425" lIns="91425" tIns="91425" anchor="t" anchorCtr="0">
+          <a:bodyPr lIns="91425" tIns="91425" rIns="91425" bIns="91425" anchor="t" anchorCtr="0">
             <a:noAutofit/>
           </a:bodyPr>
           <a:lstStyle/>
@@ -998,9 +1150,6 @@
               </a:spcBef>
               <a:buNone/>
             </a:pPr>
-            <a:r>
-              <a:t/>
-            </a:r>
             <a:endParaRPr/>
           </a:p>
         </p:txBody>
@@ -1014,49 +1163,56 @@
 </file>
 
 <file path=ppt/notesSlides/notesSlide7.xml><?xml version="1.0" encoding="utf-8"?>
-<p:notes xmlns:a="http://schemas.openxmlformats.org/drawingml/2006/main" xmlns:r="http://schemas.openxmlformats.org/officeDocument/2006/relationships" xmlns:mc="http://schemas.openxmlformats.org/markup-compatibility/2006" xmlns:mv="urn:schemas-microsoft-com:mac:vml" xmlns:p="http://schemas.openxmlformats.org/presentationml/2006/main" xmlns:c="http://schemas.openxmlformats.org/drawingml/2006/chart" xmlns:dgm="http://schemas.openxmlformats.org/drawingml/2006/diagram" xmlns:o="urn:schemas-microsoft-com:office:office" xmlns:v="urn:schemas-microsoft-com:vml" xmlns:pvml="urn:schemas-microsoft-com:office:powerpoint" xmlns:com="http://schemas.openxmlformats.org/drawingml/2006/compatibility" xmlns:p14="http://schemas.microsoft.com/office/powerpoint/2010/main" showMasterSp="0" showMasterPhAnim="0">
+<p:notes xmlns:a="http://schemas.openxmlformats.org/drawingml/2006/main" xmlns:r="http://schemas.openxmlformats.org/officeDocument/2006/relationships" xmlns:p="http://schemas.openxmlformats.org/presentationml/2006/main" showMasterSp="0" showMasterPhAnim="0">
   <p:cSld>
     <p:spTree>
       <p:nvGrpSpPr>
-        <p:cNvPr id="75" name="Shape 75"/>
+        <p:cNvPr id="1" name="Shape 75"/>
         <p:cNvGrpSpPr/>
         <p:nvPr/>
       </p:nvGrpSpPr>
       <p:grpSpPr>
         <a:xfrm>
-          <a:off y="0" x="0"/>
-          <a:ext cy="0" cx="0"/>
-          <a:chOff y="0" x="0"/>
-          <a:chExt cy="0" cx="0"/>
+          <a:off x="0" y="0"/>
+          <a:ext cx="0" cy="0"/>
+          <a:chOff x="0" y="0"/>
+          <a:chExt cx="0" cy="0"/>
         </a:xfrm>
       </p:grpSpPr>
       <p:sp>
         <p:nvSpPr>
           <p:cNvPr id="76" name="Shape 76"/>
-          <p:cNvSpPr/>
+          <p:cNvSpPr>
+            <a:spLocks noGrp="1" noRot="1" noChangeAspect="1"/>
+          </p:cNvSpPr>
           <p:nvPr>
-            <p:ph idx="2" type="sldImg"/>
+            <p:ph type="sldImg" idx="2"/>
           </p:nvPr>
         </p:nvSpPr>
         <p:spPr>
           <a:xfrm>
-            <a:off y="685800" x="381187"/>
-            <a:ext cy="3429000" cx="6096299"/>
+            <a:off x="381000" y="685800"/>
+            <a:ext cx="6096000" cy="3429000"/>
           </a:xfrm>
           <a:custGeom>
+            <a:avLst/>
+            <a:gdLst/>
+            <a:ahLst/>
+            <a:cxnLst/>
+            <a:rect l="0" t="0" r="0" b="0"/>
             <a:pathLst>
-              <a:path w="120000" extrusionOk="0" h="120000">
+              <a:path w="120000" h="120000" extrusionOk="0">
                 <a:moveTo>
-                  <a:pt y="0" x="0"/>
+                  <a:pt x="0" y="0"/>
                 </a:moveTo>
                 <a:lnTo>
-                  <a:pt y="0" x="120000"/>
+                  <a:pt x="120000" y="0"/>
                 </a:lnTo>
                 <a:lnTo>
-                  <a:pt y="120000" x="120000"/>
+                  <a:pt x="120000" y="120000"/>
                 </a:lnTo>
                 <a:lnTo>
-                  <a:pt y="120000" x="0"/>
+                  <a:pt x="0" y="120000"/>
                 </a:lnTo>
                 <a:close/>
               </a:path>
@@ -1069,30 +1225,32 @@
             </a:solidFill>
             <a:prstDash val="solid"/>
             <a:round/>
-            <a:headEnd w="med" len="med" type="none"/>
-            <a:tailEnd w="med" len="med" type="none"/>
+            <a:headEnd type="none" w="med" len="med"/>
+            <a:tailEnd type="none" w="med" len="med"/>
           </a:ln>
         </p:spPr>
       </p:sp>
       <p:sp>
         <p:nvSpPr>
           <p:cNvPr id="77" name="Shape 77"/>
-          <p:cNvSpPr txBox="1"/>
+          <p:cNvSpPr txBox="1">
+            <a:spLocks noGrp="1"/>
+          </p:cNvSpPr>
           <p:nvPr>
-            <p:ph idx="1" type="body"/>
+            <p:ph type="body" idx="1"/>
           </p:nvPr>
         </p:nvSpPr>
         <p:spPr>
           <a:xfrm>
-            <a:off y="4343400" x="685800"/>
-            <a:ext cy="4114800" cx="5486399"/>
+            <a:off x="685800" y="4343400"/>
+            <a:ext cx="5486399" cy="4114800"/>
           </a:xfrm>
           <a:prstGeom prst="rect">
             <a:avLst/>
           </a:prstGeom>
         </p:spPr>
         <p:txBody>
-          <a:bodyPr bIns="91425" rIns="91425" lIns="91425" tIns="91425" anchor="t" anchorCtr="0">
+          <a:bodyPr lIns="91425" tIns="91425" rIns="91425" bIns="91425" anchor="t" anchorCtr="0">
             <a:noAutofit/>
           </a:bodyPr>
           <a:lstStyle/>
@@ -1103,9 +1261,6 @@
               </a:spcBef>
               <a:buNone/>
             </a:pPr>
-            <a:r>
-              <a:t/>
-            </a:r>
             <a:endParaRPr/>
           </a:p>
         </p:txBody>
@@ -1119,49 +1274,56 @@
 </file>
 
 <file path=ppt/notesSlides/notesSlide8.xml><?xml version="1.0" encoding="utf-8"?>
-<p:notes xmlns:a="http://schemas.openxmlformats.org/drawingml/2006/main" xmlns:r="http://schemas.openxmlformats.org/officeDocument/2006/relationships" xmlns:mc="http://schemas.openxmlformats.org/markup-compatibility/2006" xmlns:mv="urn:schemas-microsoft-com:mac:vml" xmlns:p="http://schemas.openxmlformats.org/presentationml/2006/main" xmlns:c="http://schemas.openxmlformats.org/drawingml/2006/chart" xmlns:dgm="http://schemas.openxmlformats.org/drawingml/2006/diagram" xmlns:o="urn:schemas-microsoft-com:office:office" xmlns:v="urn:schemas-microsoft-com:vml" xmlns:pvml="urn:schemas-microsoft-com:office:powerpoint" xmlns:com="http://schemas.openxmlformats.org/drawingml/2006/compatibility" xmlns:p14="http://schemas.microsoft.com/office/powerpoint/2010/main" showMasterSp="0" showMasterPhAnim="0">
+<p:notes xmlns:a="http://schemas.openxmlformats.org/drawingml/2006/main" xmlns:r="http://schemas.openxmlformats.org/officeDocument/2006/relationships" xmlns:p="http://schemas.openxmlformats.org/presentationml/2006/main" showMasterSp="0" showMasterPhAnim="0">
   <p:cSld>
     <p:spTree>
       <p:nvGrpSpPr>
-        <p:cNvPr id="82" name="Shape 82"/>
+        <p:cNvPr id="1" name="Shape 82"/>
         <p:cNvGrpSpPr/>
         <p:nvPr/>
       </p:nvGrpSpPr>
       <p:grpSpPr>
         <a:xfrm>
-          <a:off y="0" x="0"/>
-          <a:ext cy="0" cx="0"/>
-          <a:chOff y="0" x="0"/>
-          <a:chExt cy="0" cx="0"/>
+          <a:off x="0" y="0"/>
+          <a:ext cx="0" cy="0"/>
+          <a:chOff x="0" y="0"/>
+          <a:chExt cx="0" cy="0"/>
         </a:xfrm>
       </p:grpSpPr>
       <p:sp>
         <p:nvSpPr>
           <p:cNvPr id="83" name="Shape 83"/>
-          <p:cNvSpPr/>
+          <p:cNvSpPr>
+            <a:spLocks noGrp="1" noRot="1" noChangeAspect="1"/>
+          </p:cNvSpPr>
           <p:nvPr>
-            <p:ph idx="2" type="sldImg"/>
+            <p:ph type="sldImg" idx="2"/>
           </p:nvPr>
         </p:nvSpPr>
         <p:spPr>
           <a:xfrm>
-            <a:off y="685800" x="381187"/>
-            <a:ext cy="3429000" cx="6096299"/>
+            <a:off x="381187" y="685800"/>
+            <a:ext cx="6096299" cy="3429000"/>
           </a:xfrm>
           <a:custGeom>
+            <a:avLst/>
+            <a:gdLst/>
+            <a:ahLst/>
+            <a:cxnLst/>
+            <a:rect l="0" t="0" r="0" b="0"/>
             <a:pathLst>
-              <a:path w="120000" extrusionOk="0" h="120000">
+              <a:path w="120000" h="120000" extrusionOk="0">
                 <a:moveTo>
-                  <a:pt y="0" x="0"/>
+                  <a:pt x="0" y="0"/>
                 </a:moveTo>
                 <a:lnTo>
-                  <a:pt y="0" x="120000"/>
+                  <a:pt x="120000" y="0"/>
                 </a:lnTo>
                 <a:lnTo>
-                  <a:pt y="120000" x="120000"/>
+                  <a:pt x="120000" y="120000"/>
                 </a:lnTo>
                 <a:lnTo>
-                  <a:pt y="120000" x="0"/>
+                  <a:pt x="0" y="120000"/>
                 </a:lnTo>
                 <a:close/>
               </a:path>
@@ -1174,30 +1336,32 @@
             </a:solidFill>
             <a:prstDash val="solid"/>
             <a:round/>
-            <a:headEnd w="med" len="med" type="none"/>
-            <a:tailEnd w="med" len="med" type="none"/>
+            <a:headEnd type="none" w="med" len="med"/>
+            <a:tailEnd type="none" w="med" len="med"/>
           </a:ln>
         </p:spPr>
       </p:sp>
       <p:sp>
         <p:nvSpPr>
           <p:cNvPr id="84" name="Shape 84"/>
-          <p:cNvSpPr txBox="1"/>
+          <p:cNvSpPr txBox="1">
+            <a:spLocks noGrp="1"/>
+          </p:cNvSpPr>
           <p:nvPr>
-            <p:ph idx="1" type="body"/>
+            <p:ph type="body" idx="1"/>
           </p:nvPr>
         </p:nvSpPr>
         <p:spPr>
           <a:xfrm>
-            <a:off y="4343400" x="685800"/>
-            <a:ext cy="4114800" cx="5486399"/>
+            <a:off x="685800" y="4343400"/>
+            <a:ext cx="5486399" cy="4114800"/>
           </a:xfrm>
           <a:prstGeom prst="rect">
             <a:avLst/>
           </a:prstGeom>
         </p:spPr>
         <p:txBody>
-          <a:bodyPr bIns="91425" rIns="91425" lIns="91425" tIns="91425" anchor="t" anchorCtr="0">
+          <a:bodyPr lIns="91425" tIns="91425" rIns="91425" bIns="91425" anchor="t" anchorCtr="0">
             <a:noAutofit/>
           </a:bodyPr>
           <a:lstStyle/>
@@ -1208,9 +1372,6 @@
               </a:spcBef>
               <a:buNone/>
             </a:pPr>
-            <a:r>
-              <a:t/>
-            </a:r>
             <a:endParaRPr/>
           </a:p>
         </p:txBody>
@@ -1224,49 +1385,56 @@
 </file>
 
 <file path=ppt/notesSlides/notesSlide9.xml><?xml version="1.0" encoding="utf-8"?>
-<p:notes xmlns:a="http://schemas.openxmlformats.org/drawingml/2006/main" xmlns:r="http://schemas.openxmlformats.org/officeDocument/2006/relationships" xmlns:mc="http://schemas.openxmlformats.org/markup-compatibility/2006" xmlns:mv="urn:schemas-microsoft-com:mac:vml" xmlns:p="http://schemas.openxmlformats.org/presentationml/2006/main" xmlns:c="http://schemas.openxmlformats.org/drawingml/2006/chart" xmlns:dgm="http://schemas.openxmlformats.org/drawingml/2006/diagram" xmlns:o="urn:schemas-microsoft-com:office:office" xmlns:v="urn:schemas-microsoft-com:vml" xmlns:pvml="urn:schemas-microsoft-com:office:powerpoint" xmlns:com="http://schemas.openxmlformats.org/drawingml/2006/compatibility" xmlns:p14="http://schemas.microsoft.com/office/powerpoint/2010/main" showMasterSp="0" showMasterPhAnim="0">
+<p:notes xmlns:a="http://schemas.openxmlformats.org/drawingml/2006/main" xmlns:r="http://schemas.openxmlformats.org/officeDocument/2006/relationships" xmlns:p="http://schemas.openxmlformats.org/presentationml/2006/main" showMasterSp="0" showMasterPhAnim="0">
   <p:cSld>
     <p:spTree>
       <p:nvGrpSpPr>
-        <p:cNvPr id="87" name="Shape 87"/>
+        <p:cNvPr id="1" name="Shape 87"/>
         <p:cNvGrpSpPr/>
         <p:nvPr/>
       </p:nvGrpSpPr>
       <p:grpSpPr>
         <a:xfrm>
-          <a:off y="0" x="0"/>
-          <a:ext cy="0" cx="0"/>
-          <a:chOff y="0" x="0"/>
-          <a:chExt cy="0" cx="0"/>
+          <a:off x="0" y="0"/>
+          <a:ext cx="0" cy="0"/>
+          <a:chOff x="0" y="0"/>
+          <a:chExt cx="0" cy="0"/>
         </a:xfrm>
       </p:grpSpPr>
       <p:sp>
         <p:nvSpPr>
           <p:cNvPr id="88" name="Shape 88"/>
-          <p:cNvSpPr/>
+          <p:cNvSpPr>
+            <a:spLocks noGrp="1" noRot="1" noChangeAspect="1"/>
+          </p:cNvSpPr>
           <p:nvPr>
-            <p:ph idx="2" type="sldImg"/>
+            <p:ph type="sldImg" idx="2"/>
           </p:nvPr>
         </p:nvSpPr>
         <p:spPr>
           <a:xfrm>
-            <a:off y="685800" x="381187"/>
-            <a:ext cy="3429000" cx="6096299"/>
+            <a:off x="381187" y="685800"/>
+            <a:ext cx="6096299" cy="3429000"/>
           </a:xfrm>
           <a:custGeom>
+            <a:avLst/>
+            <a:gdLst/>
+            <a:ahLst/>
+            <a:cxnLst/>
+            <a:rect l="0" t="0" r="0" b="0"/>
             <a:pathLst>
-              <a:path w="120000" extrusionOk="0" h="120000">
+              <a:path w="120000" h="120000" extrusionOk="0">
                 <a:moveTo>
-                  <a:pt y="0" x="0"/>
+                  <a:pt x="0" y="0"/>
                 </a:moveTo>
                 <a:lnTo>
-                  <a:pt y="0" x="120000"/>
+                  <a:pt x="120000" y="0"/>
                 </a:lnTo>
                 <a:lnTo>
-                  <a:pt y="120000" x="120000"/>
+                  <a:pt x="120000" y="120000"/>
                 </a:lnTo>
                 <a:lnTo>
-                  <a:pt y="120000" x="0"/>
+                  <a:pt x="0" y="120000"/>
                 </a:lnTo>
                 <a:close/>
               </a:path>
@@ -1279,30 +1447,32 @@
             </a:solidFill>
             <a:prstDash val="solid"/>
             <a:round/>
-            <a:headEnd w="med" len="med" type="none"/>
-            <a:tailEnd w="med" len="med" type="none"/>
+            <a:headEnd type="none" w="med" len="med"/>
+            <a:tailEnd type="none" w="med" len="med"/>
           </a:ln>
         </p:spPr>
       </p:sp>
       <p:sp>
         <p:nvSpPr>
           <p:cNvPr id="89" name="Shape 89"/>
-          <p:cNvSpPr txBox="1"/>
+          <p:cNvSpPr txBox="1">
+            <a:spLocks noGrp="1"/>
+          </p:cNvSpPr>
           <p:nvPr>
-            <p:ph idx="1" type="body"/>
+            <p:ph type="body" idx="1"/>
           </p:nvPr>
         </p:nvSpPr>
         <p:spPr>
           <a:xfrm>
-            <a:off y="4343400" x="685800"/>
-            <a:ext cy="4114800" cx="5486399"/>
+            <a:off x="685800" y="4343400"/>
+            <a:ext cx="5486399" cy="4114800"/>
           </a:xfrm>
           <a:prstGeom prst="rect">
             <a:avLst/>
           </a:prstGeom>
         </p:spPr>
         <p:txBody>
-          <a:bodyPr bIns="91425" rIns="91425" lIns="91425" tIns="91425" anchor="t" anchorCtr="0">
+          <a:bodyPr lIns="91425" tIns="91425" rIns="91425" bIns="91425" anchor="t" anchorCtr="0">
             <a:noAutofit/>
           </a:bodyPr>
           <a:lstStyle/>
@@ -1313,9 +1483,6 @@
               </a:spcBef>
               <a:buNone/>
             </a:pPr>
-            <a:r>
-              <a:t/>
-            </a:r>
             <a:endParaRPr/>
           </a:p>
         </p:txBody>
@@ -1329,41 +1496,43 @@
 </file>
 
 <file path=ppt/slideLayouts/slideLayout1.xml><?xml version="1.0" encoding="utf-8"?>
-<p:sldLayout xmlns:a="http://schemas.openxmlformats.org/drawingml/2006/main" xmlns:r="http://schemas.openxmlformats.org/officeDocument/2006/relationships" xmlns:mc="http://schemas.openxmlformats.org/markup-compatibility/2006" xmlns:mv="urn:schemas-microsoft-com:mac:vml" xmlns:p="http://schemas.openxmlformats.org/presentationml/2006/main" xmlns:c="http://schemas.openxmlformats.org/drawingml/2006/chart" xmlns:dgm="http://schemas.openxmlformats.org/drawingml/2006/diagram" xmlns:o="urn:schemas-microsoft-com:office:office" xmlns:v="urn:schemas-microsoft-com:vml" xmlns:pvml="urn:schemas-microsoft-com:office:powerpoint" xmlns:com="http://schemas.openxmlformats.org/drawingml/2006/compatibility" xmlns:p14="http://schemas.microsoft.com/office/powerpoint/2010/main" type="title">
+<p:sldLayout xmlns:a="http://schemas.openxmlformats.org/drawingml/2006/main" xmlns:r="http://schemas.openxmlformats.org/officeDocument/2006/relationships" xmlns:p="http://schemas.openxmlformats.org/presentationml/2006/main" type="title">
   <p:cSld name="Title Slide">
     <p:spTree>
       <p:nvGrpSpPr>
-        <p:cNvPr id="8" name="Shape 8"/>
+        <p:cNvPr id="1" name="Shape 8"/>
         <p:cNvGrpSpPr/>
         <p:nvPr/>
       </p:nvGrpSpPr>
       <p:grpSpPr>
         <a:xfrm>
-          <a:off y="0" x="0"/>
-          <a:ext cy="0" cx="0"/>
-          <a:chOff y="0" x="0"/>
-          <a:chExt cy="0" cx="0"/>
+          <a:off x="0" y="0"/>
+          <a:ext cx="0" cy="0"/>
+          <a:chOff x="0" y="0"/>
+          <a:chExt cx="0" cy="0"/>
         </a:xfrm>
       </p:grpSpPr>
       <p:sp>
         <p:nvSpPr>
           <p:cNvPr id="9" name="Shape 9"/>
-          <p:cNvSpPr txBox="1"/>
+          <p:cNvSpPr txBox="1">
+            <a:spLocks noGrp="1"/>
+          </p:cNvSpPr>
           <p:nvPr>
-            <p:ph idx="1" type="subTitle"/>
+            <p:ph type="subTitle" idx="1"/>
           </p:nvPr>
         </p:nvSpPr>
         <p:spPr>
           <a:xfrm>
-            <a:off y="2840053" x="685800"/>
-            <a:ext cy="784799" cx="7772400"/>
+            <a:off x="685800" y="2840053"/>
+            <a:ext cx="7772400" cy="784799"/>
           </a:xfrm>
           <a:prstGeom prst="rect">
             <a:avLst/>
           </a:prstGeom>
         </p:spPr>
         <p:txBody>
-          <a:bodyPr bIns="91425" rIns="91425" lIns="91425" tIns="91425" anchor="t" anchorCtr="0"/>
+          <a:bodyPr lIns="91425" tIns="91425" rIns="91425" bIns="91425" anchor="t" anchorCtr="0"/>
           <a:lstStyle>
             <a:lvl1pPr algn="ctr">
               <a:spcBef>
@@ -1500,28 +1669,32 @@
               </a:defRPr>
             </a:lvl9pPr>
           </a:lstStyle>
-          <a:p/>
+          <a:p>
+            <a:endParaRPr/>
+          </a:p>
         </p:txBody>
       </p:sp>
       <p:sp>
         <p:nvSpPr>
           <p:cNvPr id="10" name="Shape 10"/>
-          <p:cNvSpPr txBox="1"/>
+          <p:cNvSpPr txBox="1">
+            <a:spLocks noGrp="1"/>
+          </p:cNvSpPr>
           <p:nvPr>
             <p:ph type="ctrTitle"/>
           </p:nvPr>
         </p:nvSpPr>
         <p:spPr>
           <a:xfrm>
-            <a:off y="1583342" x="685800"/>
-            <a:ext cy="1159799" cx="7772400"/>
+            <a:off x="685800" y="1583342"/>
+            <a:ext cx="7772400" cy="1159799"/>
           </a:xfrm>
           <a:prstGeom prst="rect">
             <a:avLst/>
           </a:prstGeom>
         </p:spPr>
         <p:txBody>
-          <a:bodyPr bIns="91425" rIns="91425" lIns="91425" tIns="91425" anchor="b" anchorCtr="0"/>
+          <a:bodyPr lIns="91425" tIns="91425" rIns="91425" bIns="91425" anchor="b" anchorCtr="0"/>
           <a:lstStyle>
             <a:lvl1pPr algn="ctr">
               <a:spcBef>
@@ -1587,28 +1760,32 @@
               <a:defRPr sz="4800"/>
             </a:lvl9pPr>
           </a:lstStyle>
-          <a:p/>
+          <a:p>
+            <a:endParaRPr/>
+          </a:p>
         </p:txBody>
       </p:sp>
       <p:sp>
         <p:nvSpPr>
           <p:cNvPr id="11" name="Shape 11"/>
-          <p:cNvSpPr txBox="1"/>
+          <p:cNvSpPr txBox="1">
+            <a:spLocks noGrp="1"/>
+          </p:cNvSpPr>
           <p:nvPr>
-            <p:ph idx="12" type="sldNum"/>
+            <p:ph type="sldNum" idx="12"/>
           </p:nvPr>
         </p:nvSpPr>
         <p:spPr>
           <a:xfrm>
-            <a:off y="4749850" x="8556791"/>
-            <a:ext cy="393600" cx="548699"/>
+            <a:off x="8556791" y="4749850"/>
+            <a:ext cx="548699" cy="393600"/>
           </a:xfrm>
           <a:prstGeom prst="rect">
             <a:avLst/>
           </a:prstGeom>
         </p:spPr>
         <p:txBody>
-          <a:bodyPr bIns="91425" rIns="91425" lIns="91425" tIns="91425" anchor="ctr" anchorCtr="0">
+          <a:bodyPr lIns="91425" tIns="91425" rIns="91425" bIns="91425" anchor="ctr" anchorCtr="0">
             <a:noAutofit/>
           </a:bodyPr>
           <a:lstStyle>
@@ -1631,6 +1808,7 @@
               <a:rPr lang="ro"/>
               <a:t>‹#›</a:t>
             </a:fld>
+            <a:endParaRPr lang="ro"/>
           </a:p>
         </p:txBody>
       </p:sp>
@@ -1643,41 +1821,43 @@
 </file>
 
 <file path=ppt/slideLayouts/slideLayout2.xml><?xml version="1.0" encoding="utf-8"?>
-<p:sldLayout xmlns:a="http://schemas.openxmlformats.org/drawingml/2006/main" xmlns:r="http://schemas.openxmlformats.org/officeDocument/2006/relationships" xmlns:mc="http://schemas.openxmlformats.org/markup-compatibility/2006" xmlns:mv="urn:schemas-microsoft-com:mac:vml" xmlns:p="http://schemas.openxmlformats.org/presentationml/2006/main" xmlns:c="http://schemas.openxmlformats.org/drawingml/2006/chart" xmlns:dgm="http://schemas.openxmlformats.org/drawingml/2006/diagram" xmlns:o="urn:schemas-microsoft-com:office:office" xmlns:v="urn:schemas-microsoft-com:vml" xmlns:pvml="urn:schemas-microsoft-com:office:powerpoint" xmlns:com="http://schemas.openxmlformats.org/drawingml/2006/compatibility" xmlns:p14="http://schemas.microsoft.com/office/powerpoint/2010/main" type="tx">
+<p:sldLayout xmlns:a="http://schemas.openxmlformats.org/drawingml/2006/main" xmlns:r="http://schemas.openxmlformats.org/officeDocument/2006/relationships" xmlns:p="http://schemas.openxmlformats.org/presentationml/2006/main" type="tx">
   <p:cSld name="Title and Body">
     <p:spTree>
       <p:nvGrpSpPr>
-        <p:cNvPr id="12" name="Shape 12"/>
+        <p:cNvPr id="1" name="Shape 12"/>
         <p:cNvGrpSpPr/>
         <p:nvPr/>
       </p:nvGrpSpPr>
       <p:grpSpPr>
         <a:xfrm>
-          <a:off y="0" x="0"/>
-          <a:ext cy="0" cx="0"/>
-          <a:chOff y="0" x="0"/>
-          <a:chExt cy="0" cx="0"/>
+          <a:off x="0" y="0"/>
+          <a:ext cx="0" cy="0"/>
+          <a:chOff x="0" y="0"/>
+          <a:chExt cx="0" cy="0"/>
         </a:xfrm>
       </p:grpSpPr>
       <p:sp>
         <p:nvSpPr>
           <p:cNvPr id="13" name="Shape 13"/>
-          <p:cNvSpPr txBox="1"/>
+          <p:cNvSpPr txBox="1">
+            <a:spLocks noGrp="1"/>
+          </p:cNvSpPr>
           <p:nvPr>
             <p:ph type="title"/>
           </p:nvPr>
         </p:nvSpPr>
         <p:spPr>
           <a:xfrm>
-            <a:off y="205978" x="457200"/>
-            <a:ext cy="857400" cx="8229600"/>
+            <a:off x="457200" y="205978"/>
+            <a:ext cx="8229600" cy="857400"/>
           </a:xfrm>
           <a:prstGeom prst="rect">
             <a:avLst/>
           </a:prstGeom>
         </p:spPr>
         <p:txBody>
-          <a:bodyPr bIns="91425" rIns="91425" lIns="91425" tIns="91425" anchor="b" anchorCtr="0"/>
+          <a:bodyPr lIns="91425" tIns="91425" rIns="91425" bIns="91425" anchor="b" anchorCtr="0"/>
           <a:lstStyle>
             <a:lvl1pPr>
               <a:spcBef>
@@ -1734,28 +1914,32 @@
               <a:defRPr/>
             </a:lvl9pPr>
           </a:lstStyle>
-          <a:p/>
+          <a:p>
+            <a:endParaRPr/>
+          </a:p>
         </p:txBody>
       </p:sp>
       <p:sp>
         <p:nvSpPr>
           <p:cNvPr id="14" name="Shape 14"/>
-          <p:cNvSpPr txBox="1"/>
+          <p:cNvSpPr txBox="1">
+            <a:spLocks noGrp="1"/>
+          </p:cNvSpPr>
           <p:nvPr>
-            <p:ph idx="1" type="body"/>
+            <p:ph type="body" idx="1"/>
           </p:nvPr>
         </p:nvSpPr>
         <p:spPr>
           <a:xfrm>
-            <a:off y="1200150" x="457200"/>
-            <a:ext cy="3725699" cx="8229600"/>
+            <a:off x="457200" y="1200150"/>
+            <a:ext cx="8229600" cy="3725699"/>
           </a:xfrm>
           <a:prstGeom prst="rect">
             <a:avLst/>
           </a:prstGeom>
         </p:spPr>
         <p:txBody>
-          <a:bodyPr bIns="91425" rIns="91425" lIns="91425" tIns="91425" anchor="t" anchorCtr="0"/>
+          <a:bodyPr lIns="91425" tIns="91425" rIns="91425" bIns="91425" anchor="t" anchorCtr="0"/>
           <a:lstStyle>
             <a:lvl1pPr>
               <a:spcBef>
@@ -1812,28 +1996,32 @@
               <a:defRPr/>
             </a:lvl9pPr>
           </a:lstStyle>
-          <a:p/>
+          <a:p>
+            <a:endParaRPr/>
+          </a:p>
         </p:txBody>
       </p:sp>
       <p:sp>
         <p:nvSpPr>
           <p:cNvPr id="15" name="Shape 15"/>
-          <p:cNvSpPr txBox="1"/>
+          <p:cNvSpPr txBox="1">
+            <a:spLocks noGrp="1"/>
+          </p:cNvSpPr>
           <p:nvPr>
-            <p:ph idx="12" type="sldNum"/>
+            <p:ph type="sldNum" idx="12"/>
           </p:nvPr>
         </p:nvSpPr>
         <p:spPr>
           <a:xfrm>
-            <a:off y="4749850" x="8556791"/>
-            <a:ext cy="393600" cx="548699"/>
+            <a:off x="8556791" y="4749850"/>
+            <a:ext cx="548699" cy="393600"/>
           </a:xfrm>
           <a:prstGeom prst="rect">
             <a:avLst/>
           </a:prstGeom>
         </p:spPr>
         <p:txBody>
-          <a:bodyPr bIns="91425" rIns="91425" lIns="91425" tIns="91425" anchor="ctr" anchorCtr="0">
+          <a:bodyPr lIns="91425" tIns="91425" rIns="91425" bIns="91425" anchor="ctr" anchorCtr="0">
             <a:noAutofit/>
           </a:bodyPr>
           <a:lstStyle>
@@ -1856,6 +2044,7 @@
               <a:rPr lang="ro"/>
               <a:t>‹#›</a:t>
             </a:fld>
+            <a:endParaRPr lang="ro"/>
           </a:p>
         </p:txBody>
       </p:sp>
@@ -1868,41 +2057,43 @@
 </file>
 
 <file path=ppt/slideLayouts/slideLayout3.xml><?xml version="1.0" encoding="utf-8"?>
-<p:sldLayout xmlns:a="http://schemas.openxmlformats.org/drawingml/2006/main" xmlns:r="http://schemas.openxmlformats.org/officeDocument/2006/relationships" xmlns:mc="http://schemas.openxmlformats.org/markup-compatibility/2006" xmlns:mv="urn:schemas-microsoft-com:mac:vml" xmlns:p="http://schemas.openxmlformats.org/presentationml/2006/main" xmlns:c="http://schemas.openxmlformats.org/drawingml/2006/chart" xmlns:dgm="http://schemas.openxmlformats.org/drawingml/2006/diagram" xmlns:o="urn:schemas-microsoft-com:office:office" xmlns:v="urn:schemas-microsoft-com:vml" xmlns:pvml="urn:schemas-microsoft-com:office:powerpoint" xmlns:com="http://schemas.openxmlformats.org/drawingml/2006/compatibility" xmlns:p14="http://schemas.microsoft.com/office/powerpoint/2010/main" type="twoColTx">
+<p:sldLayout xmlns:a="http://schemas.openxmlformats.org/drawingml/2006/main" xmlns:r="http://schemas.openxmlformats.org/officeDocument/2006/relationships" xmlns:p="http://schemas.openxmlformats.org/presentationml/2006/main" type="twoColTx">
   <p:cSld name="Title and Two Columns">
     <p:spTree>
       <p:nvGrpSpPr>
-        <p:cNvPr id="16" name="Shape 16"/>
+        <p:cNvPr id="1" name="Shape 16"/>
         <p:cNvGrpSpPr/>
         <p:nvPr/>
       </p:nvGrpSpPr>
       <p:grpSpPr>
         <a:xfrm>
-          <a:off y="0" x="0"/>
-          <a:ext cy="0" cx="0"/>
-          <a:chOff y="0" x="0"/>
-          <a:chExt cy="0" cx="0"/>
+          <a:off x="0" y="0"/>
+          <a:ext cx="0" cy="0"/>
+          <a:chOff x="0" y="0"/>
+          <a:chExt cx="0" cy="0"/>
         </a:xfrm>
       </p:grpSpPr>
       <p:sp>
         <p:nvSpPr>
           <p:cNvPr id="17" name="Shape 17"/>
-          <p:cNvSpPr txBox="1"/>
+          <p:cNvSpPr txBox="1">
+            <a:spLocks noGrp="1"/>
+          </p:cNvSpPr>
           <p:nvPr>
             <p:ph type="title"/>
           </p:nvPr>
         </p:nvSpPr>
         <p:spPr>
           <a:xfrm>
-            <a:off y="205978" x="457200"/>
-            <a:ext cy="857400" cx="8229600"/>
+            <a:off x="457200" y="205978"/>
+            <a:ext cx="8229600" cy="857400"/>
           </a:xfrm>
           <a:prstGeom prst="rect">
             <a:avLst/>
           </a:prstGeom>
         </p:spPr>
         <p:txBody>
-          <a:bodyPr bIns="91425" rIns="91425" lIns="91425" tIns="91425" anchor="b" anchorCtr="0"/>
+          <a:bodyPr lIns="91425" tIns="91425" rIns="91425" bIns="91425" anchor="b" anchorCtr="0"/>
           <a:lstStyle>
             <a:lvl1pPr>
               <a:spcBef>
@@ -1959,28 +2150,32 @@
               <a:defRPr/>
             </a:lvl9pPr>
           </a:lstStyle>
-          <a:p/>
+          <a:p>
+            <a:endParaRPr/>
+          </a:p>
         </p:txBody>
       </p:sp>
       <p:sp>
         <p:nvSpPr>
           <p:cNvPr id="18" name="Shape 18"/>
-          <p:cNvSpPr txBox="1"/>
+          <p:cNvSpPr txBox="1">
+            <a:spLocks noGrp="1"/>
+          </p:cNvSpPr>
           <p:nvPr>
-            <p:ph idx="1" type="body"/>
+            <p:ph type="body" idx="1"/>
           </p:nvPr>
         </p:nvSpPr>
         <p:spPr>
           <a:xfrm>
-            <a:off y="1200150" x="457200"/>
-            <a:ext cy="3725699" cx="3994500"/>
+            <a:off x="457200" y="1200150"/>
+            <a:ext cx="3994500" cy="3725699"/>
           </a:xfrm>
           <a:prstGeom prst="rect">
             <a:avLst/>
           </a:prstGeom>
         </p:spPr>
         <p:txBody>
-          <a:bodyPr bIns="91425" rIns="91425" lIns="91425" tIns="91425" anchor="t" anchorCtr="0"/>
+          <a:bodyPr lIns="91425" tIns="91425" rIns="91425" bIns="91425" anchor="t" anchorCtr="0"/>
           <a:lstStyle>
             <a:lvl1pPr>
               <a:spcBef>
@@ -2037,28 +2232,32 @@
               <a:defRPr/>
             </a:lvl9pPr>
           </a:lstStyle>
-          <a:p/>
+          <a:p>
+            <a:endParaRPr/>
+          </a:p>
         </p:txBody>
       </p:sp>
       <p:sp>
         <p:nvSpPr>
           <p:cNvPr id="19" name="Shape 19"/>
-          <p:cNvSpPr txBox="1"/>
+          <p:cNvSpPr txBox="1">
+            <a:spLocks noGrp="1"/>
+          </p:cNvSpPr>
           <p:nvPr>
-            <p:ph idx="2" type="body"/>
+            <p:ph type="body" idx="2"/>
           </p:nvPr>
         </p:nvSpPr>
         <p:spPr>
           <a:xfrm>
-            <a:off y="1200150" x="4692273"/>
-            <a:ext cy="3725699" cx="3994500"/>
+            <a:off x="4692273" y="1200150"/>
+            <a:ext cx="3994500" cy="3725699"/>
           </a:xfrm>
           <a:prstGeom prst="rect">
             <a:avLst/>
           </a:prstGeom>
         </p:spPr>
         <p:txBody>
-          <a:bodyPr bIns="91425" rIns="91425" lIns="91425" tIns="91425" anchor="t" anchorCtr="0"/>
+          <a:bodyPr lIns="91425" tIns="91425" rIns="91425" bIns="91425" anchor="t" anchorCtr="0"/>
           <a:lstStyle>
             <a:lvl1pPr>
               <a:spcBef>
@@ -2115,28 +2314,32 @@
               <a:defRPr/>
             </a:lvl9pPr>
           </a:lstStyle>
-          <a:p/>
+          <a:p>
+            <a:endParaRPr/>
+          </a:p>
         </p:txBody>
       </p:sp>
       <p:sp>
         <p:nvSpPr>
           <p:cNvPr id="20" name="Shape 20"/>
-          <p:cNvSpPr txBox="1"/>
+          <p:cNvSpPr txBox="1">
+            <a:spLocks noGrp="1"/>
+          </p:cNvSpPr>
           <p:nvPr>
-            <p:ph idx="12" type="sldNum"/>
+            <p:ph type="sldNum" idx="12"/>
           </p:nvPr>
         </p:nvSpPr>
         <p:spPr>
           <a:xfrm>
-            <a:off y="4749850" x="8556791"/>
-            <a:ext cy="393600" cx="548699"/>
+            <a:off x="8556791" y="4749850"/>
+            <a:ext cx="548699" cy="393600"/>
           </a:xfrm>
           <a:prstGeom prst="rect">
             <a:avLst/>
           </a:prstGeom>
         </p:spPr>
         <p:txBody>
-          <a:bodyPr bIns="91425" rIns="91425" lIns="91425" tIns="91425" anchor="ctr" anchorCtr="0">
+          <a:bodyPr lIns="91425" tIns="91425" rIns="91425" bIns="91425" anchor="ctr" anchorCtr="0">
             <a:noAutofit/>
           </a:bodyPr>
           <a:lstStyle>
@@ -2159,6 +2362,7 @@
               <a:rPr lang="ro"/>
               <a:t>‹#›</a:t>
             </a:fld>
+            <a:endParaRPr lang="ro"/>
           </a:p>
         </p:txBody>
       </p:sp>
@@ -2171,41 +2375,43 @@
 </file>
 
 <file path=ppt/slideLayouts/slideLayout4.xml><?xml version="1.0" encoding="utf-8"?>
-<p:sldLayout xmlns:a="http://schemas.openxmlformats.org/drawingml/2006/main" xmlns:r="http://schemas.openxmlformats.org/officeDocument/2006/relationships" xmlns:mc="http://schemas.openxmlformats.org/markup-compatibility/2006" xmlns:mv="urn:schemas-microsoft-com:mac:vml" xmlns:p="http://schemas.openxmlformats.org/presentationml/2006/main" xmlns:c="http://schemas.openxmlformats.org/drawingml/2006/chart" xmlns:dgm="http://schemas.openxmlformats.org/drawingml/2006/diagram" xmlns:o="urn:schemas-microsoft-com:office:office" xmlns:v="urn:schemas-microsoft-com:vml" xmlns:pvml="urn:schemas-microsoft-com:office:powerpoint" xmlns:com="http://schemas.openxmlformats.org/drawingml/2006/compatibility" xmlns:p14="http://schemas.microsoft.com/office/powerpoint/2010/main" type="titleOnly">
+<p:sldLayout xmlns:a="http://schemas.openxmlformats.org/drawingml/2006/main" xmlns:r="http://schemas.openxmlformats.org/officeDocument/2006/relationships" xmlns:p="http://schemas.openxmlformats.org/presentationml/2006/main" type="titleOnly">
   <p:cSld name="Title Only">
     <p:spTree>
       <p:nvGrpSpPr>
-        <p:cNvPr id="21" name="Shape 21"/>
+        <p:cNvPr id="1" name="Shape 21"/>
         <p:cNvGrpSpPr/>
         <p:nvPr/>
       </p:nvGrpSpPr>
       <p:grpSpPr>
         <a:xfrm>
-          <a:off y="0" x="0"/>
-          <a:ext cy="0" cx="0"/>
-          <a:chOff y="0" x="0"/>
-          <a:chExt cy="0" cx="0"/>
+          <a:off x="0" y="0"/>
+          <a:ext cx="0" cy="0"/>
+          <a:chOff x="0" y="0"/>
+          <a:chExt cx="0" cy="0"/>
         </a:xfrm>
       </p:grpSpPr>
       <p:sp>
         <p:nvSpPr>
           <p:cNvPr id="22" name="Shape 22"/>
-          <p:cNvSpPr txBox="1"/>
+          <p:cNvSpPr txBox="1">
+            <a:spLocks noGrp="1"/>
+          </p:cNvSpPr>
           <p:nvPr>
             <p:ph type="title"/>
           </p:nvPr>
         </p:nvSpPr>
         <p:spPr>
           <a:xfrm>
-            <a:off y="205978" x="457200"/>
-            <a:ext cy="857400" cx="8229600"/>
+            <a:off x="457200" y="205978"/>
+            <a:ext cx="8229600" cy="857400"/>
           </a:xfrm>
           <a:prstGeom prst="rect">
             <a:avLst/>
           </a:prstGeom>
         </p:spPr>
         <p:txBody>
-          <a:bodyPr bIns="91425" rIns="91425" lIns="91425" tIns="91425" anchor="b" anchorCtr="0"/>
+          <a:bodyPr lIns="91425" tIns="91425" rIns="91425" bIns="91425" anchor="b" anchorCtr="0"/>
           <a:lstStyle>
             <a:lvl1pPr>
               <a:spcBef>
@@ -2262,28 +2468,32 @@
               <a:defRPr/>
             </a:lvl9pPr>
           </a:lstStyle>
-          <a:p/>
+          <a:p>
+            <a:endParaRPr/>
+          </a:p>
         </p:txBody>
       </p:sp>
       <p:sp>
         <p:nvSpPr>
           <p:cNvPr id="23" name="Shape 23"/>
-          <p:cNvSpPr txBox="1"/>
+          <p:cNvSpPr txBox="1">
+            <a:spLocks noGrp="1"/>
+          </p:cNvSpPr>
           <p:nvPr>
-            <p:ph idx="12" type="sldNum"/>
+            <p:ph type="sldNum" idx="12"/>
           </p:nvPr>
         </p:nvSpPr>
         <p:spPr>
           <a:xfrm>
-            <a:off y="4749850" x="8556791"/>
-            <a:ext cy="393600" cx="548699"/>
+            <a:off x="8556791" y="4749850"/>
+            <a:ext cx="548699" cy="393600"/>
           </a:xfrm>
           <a:prstGeom prst="rect">
             <a:avLst/>
           </a:prstGeom>
         </p:spPr>
         <p:txBody>
-          <a:bodyPr bIns="91425" rIns="91425" lIns="91425" tIns="91425" anchor="ctr" anchorCtr="0">
+          <a:bodyPr lIns="91425" tIns="91425" rIns="91425" bIns="91425" anchor="ctr" anchorCtr="0">
             <a:noAutofit/>
           </a:bodyPr>
           <a:lstStyle>
@@ -2306,6 +2516,7 @@
               <a:rPr lang="ro"/>
               <a:t>‹#›</a:t>
             </a:fld>
+            <a:endParaRPr lang="ro"/>
           </a:p>
         </p:txBody>
       </p:sp>
@@ -2318,41 +2529,43 @@
 </file>
 
 <file path=ppt/slideLayouts/slideLayout5.xml><?xml version="1.0" encoding="utf-8"?>
-<p:sldLayout xmlns:a="http://schemas.openxmlformats.org/drawingml/2006/main" xmlns:r="http://schemas.openxmlformats.org/officeDocument/2006/relationships" xmlns:mc="http://schemas.openxmlformats.org/markup-compatibility/2006" xmlns:mv="urn:schemas-microsoft-com:mac:vml" xmlns:p="http://schemas.openxmlformats.org/presentationml/2006/main" xmlns:c="http://schemas.openxmlformats.org/drawingml/2006/chart" xmlns:dgm="http://schemas.openxmlformats.org/drawingml/2006/diagram" xmlns:o="urn:schemas-microsoft-com:office:office" xmlns:v="urn:schemas-microsoft-com:vml" xmlns:pvml="urn:schemas-microsoft-com:office:powerpoint" xmlns:com="http://schemas.openxmlformats.org/drawingml/2006/compatibility" xmlns:p14="http://schemas.microsoft.com/office/powerpoint/2010/main">
+<p:sldLayout xmlns:a="http://schemas.openxmlformats.org/drawingml/2006/main" xmlns:r="http://schemas.openxmlformats.org/officeDocument/2006/relationships" xmlns:p="http://schemas.openxmlformats.org/presentationml/2006/main">
   <p:cSld name="Caption">
     <p:spTree>
       <p:nvGrpSpPr>
-        <p:cNvPr id="24" name="Shape 24"/>
+        <p:cNvPr id="1" name="Shape 24"/>
         <p:cNvGrpSpPr/>
         <p:nvPr/>
       </p:nvGrpSpPr>
       <p:grpSpPr>
         <a:xfrm>
-          <a:off y="0" x="0"/>
-          <a:ext cy="0" cx="0"/>
-          <a:chOff y="0" x="0"/>
-          <a:chExt cy="0" cx="0"/>
+          <a:off x="0" y="0"/>
+          <a:ext cx="0" cy="0"/>
+          <a:chOff x="0" y="0"/>
+          <a:chExt cx="0" cy="0"/>
         </a:xfrm>
       </p:grpSpPr>
       <p:sp>
         <p:nvSpPr>
           <p:cNvPr id="25" name="Shape 25"/>
-          <p:cNvSpPr txBox="1"/>
+          <p:cNvSpPr txBox="1">
+            <a:spLocks noGrp="1"/>
+          </p:cNvSpPr>
           <p:nvPr>
-            <p:ph idx="1" type="body"/>
+            <p:ph type="body" idx="1"/>
           </p:nvPr>
         </p:nvSpPr>
         <p:spPr>
           <a:xfrm>
-            <a:off y="4406309" x="457200"/>
-            <a:ext cy="519599" cx="8229600"/>
+            <a:off x="457200" y="4406309"/>
+            <a:ext cx="8229600" cy="519599"/>
           </a:xfrm>
           <a:prstGeom prst="rect">
             <a:avLst/>
           </a:prstGeom>
         </p:spPr>
         <p:txBody>
-          <a:bodyPr bIns="91425" rIns="91425" lIns="91425" tIns="91425" anchor="t" anchorCtr="0"/>
+          <a:bodyPr lIns="91425" tIns="91425" rIns="91425" bIns="91425" anchor="t" anchorCtr="0"/>
           <a:lstStyle>
             <a:lvl1pPr algn="ctr">
               <a:spcBef>
@@ -2370,28 +2583,32 @@
               </a:defRPr>
             </a:lvl1pPr>
           </a:lstStyle>
-          <a:p/>
+          <a:p>
+            <a:endParaRPr/>
+          </a:p>
         </p:txBody>
       </p:sp>
       <p:sp>
         <p:nvSpPr>
           <p:cNvPr id="26" name="Shape 26"/>
-          <p:cNvSpPr txBox="1"/>
+          <p:cNvSpPr txBox="1">
+            <a:spLocks noGrp="1"/>
+          </p:cNvSpPr>
           <p:nvPr>
-            <p:ph idx="12" type="sldNum"/>
+            <p:ph type="sldNum" idx="12"/>
           </p:nvPr>
         </p:nvSpPr>
         <p:spPr>
           <a:xfrm>
-            <a:off y="4749850" x="8556791"/>
-            <a:ext cy="393600" cx="548699"/>
+            <a:off x="8556791" y="4749850"/>
+            <a:ext cx="548699" cy="393600"/>
           </a:xfrm>
           <a:prstGeom prst="rect">
             <a:avLst/>
           </a:prstGeom>
         </p:spPr>
         <p:txBody>
-          <a:bodyPr bIns="91425" rIns="91425" lIns="91425" tIns="91425" anchor="ctr" anchorCtr="0">
+          <a:bodyPr lIns="91425" tIns="91425" rIns="91425" bIns="91425" anchor="ctr" anchorCtr="0">
             <a:noAutofit/>
           </a:bodyPr>
           <a:lstStyle>
@@ -2414,6 +2631,7 @@
               <a:rPr lang="ro"/>
               <a:t>‹#›</a:t>
             </a:fld>
+            <a:endParaRPr lang="ro"/>
           </a:p>
         </p:txBody>
       </p:sp>
@@ -2426,41 +2644,43 @@
 </file>
 
 <file path=ppt/slideLayouts/slideLayout6.xml><?xml version="1.0" encoding="utf-8"?>
-<p:sldLayout xmlns:a="http://schemas.openxmlformats.org/drawingml/2006/main" xmlns:r="http://schemas.openxmlformats.org/officeDocument/2006/relationships" xmlns:mc="http://schemas.openxmlformats.org/markup-compatibility/2006" xmlns:mv="urn:schemas-microsoft-com:mac:vml" xmlns:p="http://schemas.openxmlformats.org/presentationml/2006/main" xmlns:c="http://schemas.openxmlformats.org/drawingml/2006/chart" xmlns:dgm="http://schemas.openxmlformats.org/drawingml/2006/diagram" xmlns:o="urn:schemas-microsoft-com:office:office" xmlns:v="urn:schemas-microsoft-com:vml" xmlns:pvml="urn:schemas-microsoft-com:office:powerpoint" xmlns:com="http://schemas.openxmlformats.org/drawingml/2006/compatibility" xmlns:p14="http://schemas.microsoft.com/office/powerpoint/2010/main" type="blank">
+<p:sldLayout xmlns:a="http://schemas.openxmlformats.org/drawingml/2006/main" xmlns:r="http://schemas.openxmlformats.org/officeDocument/2006/relationships" xmlns:p="http://schemas.openxmlformats.org/presentationml/2006/main" type="blank">
   <p:cSld name="Blank">
     <p:spTree>
       <p:nvGrpSpPr>
-        <p:cNvPr id="27" name="Shape 27"/>
+        <p:cNvPr id="1" name="Shape 27"/>
         <p:cNvGrpSpPr/>
         <p:nvPr/>
       </p:nvGrpSpPr>
       <p:grpSpPr>
         <a:xfrm>
-          <a:off y="0" x="0"/>
-          <a:ext cy="0" cx="0"/>
-          <a:chOff y="0" x="0"/>
-          <a:chExt cy="0" cx="0"/>
+          <a:off x="0" y="0"/>
+          <a:ext cx="0" cy="0"/>
+          <a:chOff x="0" y="0"/>
+          <a:chExt cx="0" cy="0"/>
         </a:xfrm>
       </p:grpSpPr>
       <p:sp>
         <p:nvSpPr>
           <p:cNvPr id="28" name="Shape 28"/>
-          <p:cNvSpPr txBox="1"/>
+          <p:cNvSpPr txBox="1">
+            <a:spLocks noGrp="1"/>
+          </p:cNvSpPr>
           <p:nvPr>
-            <p:ph idx="12" type="sldNum"/>
+            <p:ph type="sldNum" idx="12"/>
           </p:nvPr>
         </p:nvSpPr>
         <p:spPr>
           <a:xfrm>
-            <a:off y="4749850" x="8556791"/>
-            <a:ext cy="393600" cx="548699"/>
+            <a:off x="8556791" y="4749850"/>
+            <a:ext cx="548699" cy="393600"/>
           </a:xfrm>
           <a:prstGeom prst="rect">
             <a:avLst/>
           </a:prstGeom>
         </p:spPr>
         <p:txBody>
-          <a:bodyPr bIns="91425" rIns="91425" lIns="91425" tIns="91425" anchor="ctr" anchorCtr="0">
+          <a:bodyPr lIns="91425" tIns="91425" rIns="91425" bIns="91425" anchor="ctr" anchorCtr="0">
             <a:noAutofit/>
           </a:bodyPr>
           <a:lstStyle>
@@ -2483,6 +2703,7 @@
               <a:rPr lang="ro"/>
               <a:t>‹#›</a:t>
             </a:fld>
+            <a:endParaRPr lang="ro"/>
           </a:p>
         </p:txBody>
       </p:sp>
@@ -2495,7 +2716,7 @@
 </file>
 
 <file path=ppt/slideMasters/slideMaster1.xml><?xml version="1.0" encoding="utf-8"?>
-<p:sldMaster xmlns:a="http://schemas.openxmlformats.org/drawingml/2006/main" xmlns:r="http://schemas.openxmlformats.org/officeDocument/2006/relationships" xmlns:mc="http://schemas.openxmlformats.org/markup-compatibility/2006" xmlns:mv="urn:schemas-microsoft-com:mac:vml" xmlns:p="http://schemas.openxmlformats.org/presentationml/2006/main" xmlns:c="http://schemas.openxmlformats.org/drawingml/2006/chart" xmlns:dgm="http://schemas.openxmlformats.org/drawingml/2006/diagram" xmlns:o="urn:schemas-microsoft-com:office:office" xmlns:v="urn:schemas-microsoft-com:vml" xmlns:pvml="urn:schemas-microsoft-com:office:powerpoint" xmlns:com="http://schemas.openxmlformats.org/drawingml/2006/compatibility" xmlns:p14="http://schemas.microsoft.com/office/powerpoint/2010/main">
+<p:sldMaster xmlns:a="http://schemas.openxmlformats.org/drawingml/2006/main" xmlns:r="http://schemas.openxmlformats.org/officeDocument/2006/relationships" xmlns:p="http://schemas.openxmlformats.org/presentationml/2006/main">
   <p:cSld>
     <p:bg>
       <p:bgPr>
@@ -2512,38 +2733,41 @@
             </a:gs>
           </a:gsLst>
           <a:path path="circle">
-            <a:fillToRect t="50%" b="50%" r="50%" l="50%"/>
+            <a:fillToRect l="50000" t="50000" r="50000" b="50000"/>
           </a:path>
           <a:tileRect/>
         </a:gradFill>
+        <a:effectLst/>
       </p:bgPr>
     </p:bg>
     <p:spTree>
       <p:nvGrpSpPr>
-        <p:cNvPr id="4" name="Shape 4"/>
+        <p:cNvPr id="1" name="Shape 4"/>
         <p:cNvGrpSpPr/>
         <p:nvPr/>
       </p:nvGrpSpPr>
       <p:grpSpPr>
         <a:xfrm>
-          <a:off y="0" x="0"/>
-          <a:ext cy="0" cx="0"/>
-          <a:chOff y="0" x="0"/>
-          <a:chExt cy="0" cx="0"/>
+          <a:off x="0" y="0"/>
+          <a:ext cx="0" cy="0"/>
+          <a:chOff x="0" y="0"/>
+          <a:chExt cx="0" cy="0"/>
         </a:xfrm>
       </p:grpSpPr>
       <p:sp>
         <p:nvSpPr>
           <p:cNvPr id="5" name="Shape 5"/>
-          <p:cNvSpPr txBox="1"/>
+          <p:cNvSpPr txBox="1">
+            <a:spLocks noGrp="1"/>
+          </p:cNvSpPr>
           <p:nvPr>
             <p:ph type="title"/>
           </p:nvPr>
         </p:nvSpPr>
         <p:spPr>
           <a:xfrm>
-            <a:off y="205978" x="457200"/>
-            <a:ext cy="857400" cx="8229600"/>
+            <a:off x="457200" y="205978"/>
+            <a:ext cx="8229600" cy="857400"/>
           </a:xfrm>
           <a:prstGeom prst="rect">
             <a:avLst/>
@@ -2554,7 +2778,7 @@
           </a:ln>
         </p:spPr>
         <p:txBody>
-          <a:bodyPr bIns="91425" rIns="91425" lIns="91425" tIns="91425" anchor="b" anchorCtr="0"/>
+          <a:bodyPr lIns="91425" tIns="91425" rIns="91425" bIns="91425" anchor="b" anchorCtr="0"/>
           <a:lstStyle>
             <a:lvl1pPr>
               <a:spcBef>
@@ -2565,7 +2789,7 @@
               </a:buClr>
               <a:buSzPct val="100000"/>
               <a:buNone/>
-              <a:defRPr b="1" sz="3600">
+              <a:defRPr sz="3600" b="1">
                 <a:solidFill>
                   <a:schemeClr val="dk1"/>
                 </a:solidFill>
@@ -2580,7 +2804,7 @@
               </a:buClr>
               <a:buSzPct val="100000"/>
               <a:buNone/>
-              <a:defRPr b="1" sz="3600">
+              <a:defRPr sz="3600" b="1">
                 <a:solidFill>
                   <a:schemeClr val="dk1"/>
                 </a:solidFill>
@@ -2595,7 +2819,7 @@
               </a:buClr>
               <a:buSzPct val="100000"/>
               <a:buNone/>
-              <a:defRPr b="1" sz="3600">
+              <a:defRPr sz="3600" b="1">
                 <a:solidFill>
                   <a:schemeClr val="dk1"/>
                 </a:solidFill>
@@ -2610,7 +2834,7 @@
               </a:buClr>
               <a:buSzPct val="100000"/>
               <a:buNone/>
-              <a:defRPr b="1" sz="3600">
+              <a:defRPr sz="3600" b="1">
                 <a:solidFill>
                   <a:schemeClr val="dk1"/>
                 </a:solidFill>
@@ -2625,7 +2849,7 @@
               </a:buClr>
               <a:buSzPct val="100000"/>
               <a:buNone/>
-              <a:defRPr b="1" sz="3600">
+              <a:defRPr sz="3600" b="1">
                 <a:solidFill>
                   <a:schemeClr val="dk1"/>
                 </a:solidFill>
@@ -2640,7 +2864,7 @@
               </a:buClr>
               <a:buSzPct val="100000"/>
               <a:buNone/>
-              <a:defRPr b="1" sz="3600">
+              <a:defRPr sz="3600" b="1">
                 <a:solidFill>
                   <a:schemeClr val="dk1"/>
                 </a:solidFill>
@@ -2655,7 +2879,7 @@
               </a:buClr>
               <a:buSzPct val="100000"/>
               <a:buNone/>
-              <a:defRPr b="1" sz="3600">
+              <a:defRPr sz="3600" b="1">
                 <a:solidFill>
                   <a:schemeClr val="dk1"/>
                 </a:solidFill>
@@ -2670,7 +2894,7 @@
               </a:buClr>
               <a:buSzPct val="100000"/>
               <a:buNone/>
-              <a:defRPr b="1" sz="3600">
+              <a:defRPr sz="3600" b="1">
                 <a:solidFill>
                   <a:schemeClr val="dk1"/>
                 </a:solidFill>
@@ -2685,28 +2909,32 @@
               </a:buClr>
               <a:buSzPct val="100000"/>
               <a:buNone/>
-              <a:defRPr b="1" sz="3600">
+              <a:defRPr sz="3600" b="1">
                 <a:solidFill>
                   <a:schemeClr val="dk1"/>
                 </a:solidFill>
               </a:defRPr>
             </a:lvl9pPr>
           </a:lstStyle>
-          <a:p/>
+          <a:p>
+            <a:endParaRPr/>
+          </a:p>
         </p:txBody>
       </p:sp>
       <p:sp>
         <p:nvSpPr>
           <p:cNvPr id="6" name="Shape 6"/>
-          <p:cNvSpPr txBox="1"/>
+          <p:cNvSpPr txBox="1">
+            <a:spLocks noGrp="1"/>
+          </p:cNvSpPr>
           <p:nvPr>
-            <p:ph idx="1" type="body"/>
+            <p:ph type="body" idx="1"/>
           </p:nvPr>
         </p:nvSpPr>
         <p:spPr>
           <a:xfrm>
-            <a:off y="1200150" x="457200"/>
-            <a:ext cy="3725699" cx="8229600"/>
+            <a:off x="457200" y="1200150"/>
+            <a:ext cx="8229600" cy="3725699"/>
           </a:xfrm>
           <a:prstGeom prst="rect">
             <a:avLst/>
@@ -2717,7 +2945,7 @@
           </a:ln>
         </p:spPr>
         <p:txBody>
-          <a:bodyPr bIns="91425" rIns="91425" lIns="91425" tIns="91425" anchor="t" anchorCtr="0"/>
+          <a:bodyPr lIns="91425" tIns="91425" rIns="91425" bIns="91425" anchor="t" anchorCtr="0"/>
           <a:lstStyle>
             <a:lvl1pPr>
               <a:spcBef>
@@ -2783,21 +3011,25 @@
               <a:defRPr sz="1800"/>
             </a:lvl9pPr>
           </a:lstStyle>
-          <a:p/>
+          <a:p>
+            <a:endParaRPr/>
+          </a:p>
         </p:txBody>
       </p:sp>
       <p:sp>
         <p:nvSpPr>
           <p:cNvPr id="7" name="Shape 7"/>
-          <p:cNvSpPr txBox="1"/>
+          <p:cNvSpPr txBox="1">
+            <a:spLocks noGrp="1"/>
+          </p:cNvSpPr>
           <p:nvPr>
-            <p:ph idx="12" type="sldNum"/>
+            <p:ph type="sldNum" idx="12"/>
           </p:nvPr>
         </p:nvSpPr>
         <p:spPr>
           <a:xfrm>
-            <a:off y="4749850" x="8556791"/>
-            <a:ext cy="393600" cx="548699"/>
+            <a:off x="8556791" y="4749850"/>
+            <a:ext cx="548699" cy="393600"/>
           </a:xfrm>
           <a:prstGeom prst="rect">
             <a:avLst/>
@@ -2808,7 +3040,7 @@
           </a:ln>
         </p:spPr>
         <p:txBody>
-          <a:bodyPr bIns="91425" rIns="91425" lIns="91425" tIns="91425" anchor="ctr" anchorCtr="0">
+          <a:bodyPr lIns="91425" tIns="91425" rIns="91425" bIns="91425" anchor="ctr" anchorCtr="0">
             <a:noAutofit/>
           </a:bodyPr>
           <a:lstStyle>
@@ -2835,12 +3067,13 @@
               <a:rPr lang="ro"/>
               <a:t>‹#›</a:t>
             </a:fld>
+            <a:endParaRPr lang="ro"/>
           </a:p>
         </p:txBody>
       </p:sp>
     </p:spTree>
   </p:cSld>
-  <p:clrMap accent2="accent2" accent3="accent3" accent4="accent4" accent5="accent5" accent6="accent6" hlink="hlink" tx2="lt2" tx1="dk1" bg2="dk2" bg1="lt1" folHlink="folHlink" accent1="accent1"/>
+  <p:clrMap bg1="lt1" tx1="dk1" bg2="dk2" tx2="lt2" accent1="accent1" accent2="accent2" accent3="accent3" accent4="accent4" accent5="accent5" accent6="accent6" hlink="hlink" folHlink="folHlink"/>
   <p:sldLayoutIdLst>
     <p:sldLayoutId id="2147483648" r:id="rId1"/>
     <p:sldLayoutId id="2147483649" r:id="rId2"/>
@@ -2849,10 +3082,10 @@
     <p:sldLayoutId id="2147483652" r:id="rId5"/>
     <p:sldLayoutId id="2147483653" r:id="rId6"/>
   </p:sldLayoutIdLst>
-  <p:hf dt="0" ftr="0" sldNum="0" hdr="0"/>
+  <p:hf sldNum="0" hdr="0" ftr="0" dt="0"/>
   <p:txStyles>
     <p:titleStyle>
-      <a:defPPr algn="l" rtl="0" marR="0">
+      <a:defPPr marR="0" algn="l" rtl="0">
         <a:lnSpc>
           <a:spcPct val="100000"/>
         </a:lnSpc>
@@ -2863,7 +3096,7 @@
           <a:spcPts val="0"/>
         </a:spcAft>
       </a:defPPr>
-      <a:lvl1pPr algn="l" rtl="0" marR="0">
+      <a:lvl1pPr marR="0" algn="l" rtl="0">
         <a:lnSpc>
           <a:spcPct val="100000"/>
         </a:lnSpc>
@@ -2874,7 +3107,7 @@
           <a:spcPts val="0"/>
         </a:spcAft>
         <a:buNone/>
-        <a:defRPr strike="noStrike" u="none" b="0" cap="none" baseline="0" sz="1400" i="0">
+        <a:defRPr sz="1400" b="0" i="0" u="none" strike="noStrike" cap="none" baseline="0">
           <a:solidFill>
             <a:srgbClr val="000000"/>
           </a:solidFill>
@@ -2885,7 +3118,7 @@
           <a:rtl val="0"/>
         </a:defRPr>
       </a:lvl1pPr>
-      <a:lvl2pPr algn="l" rtl="0" marR="0">
+      <a:lvl2pPr marR="0" algn="l" rtl="0">
         <a:lnSpc>
           <a:spcPct val="100000"/>
         </a:lnSpc>
@@ -2896,7 +3129,7 @@
           <a:spcPts val="0"/>
         </a:spcAft>
         <a:buNone/>
-        <a:defRPr strike="noStrike" u="none" b="0" cap="none" baseline="0" sz="1400" i="0">
+        <a:defRPr sz="1400" b="0" i="0" u="none" strike="noStrike" cap="none" baseline="0">
           <a:solidFill>
             <a:srgbClr val="000000"/>
           </a:solidFill>
@@ -2909,7 +3142,7 @@
       </a:lvl2pPr>
     </p:titleStyle>
     <p:bodyStyle>
-      <a:defPPr algn="l" rtl="0" marR="0">
+      <a:defPPr marR="0" algn="l" rtl="0">
         <a:lnSpc>
           <a:spcPct val="100000"/>
         </a:lnSpc>
@@ -2920,7 +3153,7 @@
           <a:spcPts val="0"/>
         </a:spcAft>
       </a:defPPr>
-      <a:lvl1pPr algn="l" rtl="0" marR="0">
+      <a:lvl1pPr marR="0" algn="l" rtl="0">
         <a:lnSpc>
           <a:spcPct val="100000"/>
         </a:lnSpc>
@@ -2931,7 +3164,7 @@
           <a:spcPts val="0"/>
         </a:spcAft>
         <a:buNone/>
-        <a:defRPr strike="noStrike" u="none" b="0" cap="none" baseline="0" sz="1400" i="0">
+        <a:defRPr sz="1400" b="0" i="0" u="none" strike="noStrike" cap="none" baseline="0">
           <a:solidFill>
             <a:srgbClr val="000000"/>
           </a:solidFill>
@@ -2942,7 +3175,7 @@
           <a:rtl val="0"/>
         </a:defRPr>
       </a:lvl1pPr>
-      <a:lvl2pPr algn="l" rtl="0" marR="0">
+      <a:lvl2pPr marR="0" algn="l" rtl="0">
         <a:lnSpc>
           <a:spcPct val="100000"/>
         </a:lnSpc>
@@ -2953,7 +3186,7 @@
           <a:spcPts val="0"/>
         </a:spcAft>
         <a:buNone/>
-        <a:defRPr strike="noStrike" u="none" b="0" cap="none" baseline="0" sz="1400" i="0">
+        <a:defRPr sz="1400" b="0" i="0" u="none" strike="noStrike" cap="none" baseline="0">
           <a:solidFill>
             <a:srgbClr val="000000"/>
           </a:solidFill>
@@ -2964,7 +3197,7 @@
           <a:rtl val="0"/>
         </a:defRPr>
       </a:lvl2pPr>
-      <a:lvl3pPr algn="l" rtl="0" marR="0">
+      <a:lvl3pPr marR="0" algn="l" rtl="0">
         <a:lnSpc>
           <a:spcPct val="100000"/>
         </a:lnSpc>
@@ -2975,7 +3208,7 @@
           <a:spcPts val="0"/>
         </a:spcAft>
         <a:buNone/>
-        <a:defRPr strike="noStrike" u="none" b="0" cap="none" baseline="0" sz="1400" i="0">
+        <a:defRPr sz="1400" b="0" i="0" u="none" strike="noStrike" cap="none" baseline="0">
           <a:solidFill>
             <a:srgbClr val="000000"/>
           </a:solidFill>
@@ -2986,7 +3219,7 @@
           <a:rtl val="0"/>
         </a:defRPr>
       </a:lvl3pPr>
-      <a:lvl4pPr algn="l" rtl="0" marR="0">
+      <a:lvl4pPr marR="0" algn="l" rtl="0">
         <a:lnSpc>
           <a:spcPct val="100000"/>
         </a:lnSpc>
@@ -2997,7 +3230,7 @@
           <a:spcPts val="0"/>
         </a:spcAft>
         <a:buNone/>
-        <a:defRPr strike="noStrike" u="none" b="0" cap="none" baseline="0" sz="1400" i="0">
+        <a:defRPr sz="1400" b="0" i="0" u="none" strike="noStrike" cap="none" baseline="0">
           <a:solidFill>
             <a:srgbClr val="000000"/>
           </a:solidFill>
@@ -3008,7 +3241,7 @@
           <a:rtl val="0"/>
         </a:defRPr>
       </a:lvl4pPr>
-      <a:lvl5pPr algn="l" rtl="0" marR="0">
+      <a:lvl5pPr marR="0" algn="l" rtl="0">
         <a:lnSpc>
           <a:spcPct val="100000"/>
         </a:lnSpc>
@@ -3019,7 +3252,7 @@
           <a:spcPts val="0"/>
         </a:spcAft>
         <a:buNone/>
-        <a:defRPr strike="noStrike" u="none" b="0" cap="none" baseline="0" sz="1400" i="0">
+        <a:defRPr sz="1400" b="0" i="0" u="none" strike="noStrike" cap="none" baseline="0">
           <a:solidFill>
             <a:srgbClr val="000000"/>
           </a:solidFill>
@@ -3030,7 +3263,7 @@
           <a:rtl val="0"/>
         </a:defRPr>
       </a:lvl5pPr>
-      <a:lvl6pPr algn="l" rtl="0" marR="0">
+      <a:lvl6pPr marR="0" algn="l" rtl="0">
         <a:lnSpc>
           <a:spcPct val="100000"/>
         </a:lnSpc>
@@ -3041,7 +3274,7 @@
           <a:spcPts val="0"/>
         </a:spcAft>
         <a:buNone/>
-        <a:defRPr strike="noStrike" u="none" b="0" cap="none" baseline="0" sz="1400" i="0">
+        <a:defRPr sz="1400" b="0" i="0" u="none" strike="noStrike" cap="none" baseline="0">
           <a:solidFill>
             <a:srgbClr val="000000"/>
           </a:solidFill>
@@ -3052,7 +3285,7 @@
           <a:rtl val="0"/>
         </a:defRPr>
       </a:lvl6pPr>
-      <a:lvl7pPr algn="l" rtl="0" marR="0">
+      <a:lvl7pPr marR="0" algn="l" rtl="0">
         <a:lnSpc>
           <a:spcPct val="100000"/>
         </a:lnSpc>
@@ -3063,7 +3296,7 @@
           <a:spcPts val="0"/>
         </a:spcAft>
         <a:buNone/>
-        <a:defRPr strike="noStrike" u="none" b="0" cap="none" baseline="0" sz="1400" i="0">
+        <a:defRPr sz="1400" b="0" i="0" u="none" strike="noStrike" cap="none" baseline="0">
           <a:solidFill>
             <a:srgbClr val="000000"/>
           </a:solidFill>
@@ -3074,7 +3307,7 @@
           <a:rtl val="0"/>
         </a:defRPr>
       </a:lvl7pPr>
-      <a:lvl8pPr algn="l" rtl="0" marR="0">
+      <a:lvl8pPr marR="0" algn="l" rtl="0">
         <a:lnSpc>
           <a:spcPct val="100000"/>
         </a:lnSpc>
@@ -3085,7 +3318,7 @@
           <a:spcPts val="0"/>
         </a:spcAft>
         <a:buNone/>
-        <a:defRPr strike="noStrike" u="none" b="0" cap="none" baseline="0" sz="1400" i="0">
+        <a:defRPr sz="1400" b="0" i="0" u="none" strike="noStrike" cap="none" baseline="0">
           <a:solidFill>
             <a:srgbClr val="000000"/>
           </a:solidFill>
@@ -3096,7 +3329,7 @@
           <a:rtl val="0"/>
         </a:defRPr>
       </a:lvl8pPr>
-      <a:lvl9pPr algn="l" rtl="0" marR="0">
+      <a:lvl9pPr marR="0" algn="l" rtl="0">
         <a:lnSpc>
           <a:spcPct val="100000"/>
         </a:lnSpc>
@@ -3107,7 +3340,7 @@
           <a:spcPts val="0"/>
         </a:spcAft>
         <a:buNone/>
-        <a:defRPr strike="noStrike" u="none" b="0" cap="none" baseline="0" sz="1400" i="0">
+        <a:defRPr sz="1400" b="0" i="0" u="none" strike="noStrike" cap="none" baseline="0">
           <a:solidFill>
             <a:srgbClr val="000000"/>
           </a:solidFill>
@@ -3120,7 +3353,7 @@
       </a:lvl9pPr>
     </p:bodyStyle>
     <p:otherStyle>
-      <a:defPPr algn="l" rtl="0" marR="0">
+      <a:defPPr marR="0" algn="l" rtl="0">
         <a:lnSpc>
           <a:spcPct val="100000"/>
         </a:lnSpc>
@@ -3131,7 +3364,7 @@
           <a:spcPts val="0"/>
         </a:spcAft>
       </a:defPPr>
-      <a:lvl1pPr algn="l" rtl="0" marR="0">
+      <a:lvl1pPr marR="0" algn="l" rtl="0">
         <a:lnSpc>
           <a:spcPct val="100000"/>
         </a:lnSpc>
@@ -3142,7 +3375,7 @@
           <a:spcPts val="0"/>
         </a:spcAft>
         <a:buNone/>
-        <a:defRPr strike="noStrike" u="none" b="0" cap="none" baseline="0" sz="1400" i="0">
+        <a:defRPr sz="1400" b="0" i="0" u="none" strike="noStrike" cap="none" baseline="0">
           <a:solidFill>
             <a:srgbClr val="000000"/>
           </a:solidFill>
@@ -3153,7 +3386,7 @@
           <a:rtl val="0"/>
         </a:defRPr>
       </a:lvl1pPr>
-      <a:lvl2pPr algn="l" rtl="0" marR="0">
+      <a:lvl2pPr marR="0" algn="l" rtl="0">
         <a:lnSpc>
           <a:spcPct val="100000"/>
         </a:lnSpc>
@@ -3164,7 +3397,7 @@
           <a:spcPts val="0"/>
         </a:spcAft>
         <a:buNone/>
-        <a:defRPr strike="noStrike" u="none" b="0" cap="none" baseline="0" sz="1400" i="0">
+        <a:defRPr sz="1400" b="0" i="0" u="none" strike="noStrike" cap="none" baseline="0">
           <a:solidFill>
             <a:srgbClr val="000000"/>
           </a:solidFill>
@@ -3175,7 +3408,7 @@
           <a:rtl val="0"/>
         </a:defRPr>
       </a:lvl2pPr>
-      <a:lvl3pPr algn="l" rtl="0" marR="0">
+      <a:lvl3pPr marR="0" algn="l" rtl="0">
         <a:lnSpc>
           <a:spcPct val="100000"/>
         </a:lnSpc>
@@ -3186,7 +3419,7 @@
           <a:spcPts val="0"/>
         </a:spcAft>
         <a:buNone/>
-        <a:defRPr strike="noStrike" u="none" b="0" cap="none" baseline="0" sz="1400" i="0">
+        <a:defRPr sz="1400" b="0" i="0" u="none" strike="noStrike" cap="none" baseline="0">
           <a:solidFill>
             <a:srgbClr val="000000"/>
           </a:solidFill>
@@ -3197,7 +3430,7 @@
           <a:rtl val="0"/>
         </a:defRPr>
       </a:lvl3pPr>
-      <a:lvl4pPr algn="l" rtl="0" marR="0">
+      <a:lvl4pPr marR="0" algn="l" rtl="0">
         <a:lnSpc>
           <a:spcPct val="100000"/>
         </a:lnSpc>
@@ -3208,7 +3441,7 @@
           <a:spcPts val="0"/>
         </a:spcAft>
         <a:buNone/>
-        <a:defRPr strike="noStrike" u="none" b="0" cap="none" baseline="0" sz="1400" i="0">
+        <a:defRPr sz="1400" b="0" i="0" u="none" strike="noStrike" cap="none" baseline="0">
           <a:solidFill>
             <a:srgbClr val="000000"/>
           </a:solidFill>
@@ -3219,7 +3452,7 @@
           <a:rtl val="0"/>
         </a:defRPr>
       </a:lvl4pPr>
-      <a:lvl5pPr algn="l" rtl="0" marR="0">
+      <a:lvl5pPr marR="0" algn="l" rtl="0">
         <a:lnSpc>
           <a:spcPct val="100000"/>
         </a:lnSpc>
@@ -3230,7 +3463,7 @@
           <a:spcPts val="0"/>
         </a:spcAft>
         <a:buNone/>
-        <a:defRPr strike="noStrike" u="none" b="0" cap="none" baseline="0" sz="1400" i="0">
+        <a:defRPr sz="1400" b="0" i="0" u="none" strike="noStrike" cap="none" baseline="0">
           <a:solidFill>
             <a:srgbClr val="000000"/>
           </a:solidFill>
@@ -3241,7 +3474,7 @@
           <a:rtl val="0"/>
         </a:defRPr>
       </a:lvl5pPr>
-      <a:lvl6pPr algn="l" rtl="0" marR="0">
+      <a:lvl6pPr marR="0" algn="l" rtl="0">
         <a:lnSpc>
           <a:spcPct val="100000"/>
         </a:lnSpc>
@@ -3252,7 +3485,7 @@
           <a:spcPts val="0"/>
         </a:spcAft>
         <a:buNone/>
-        <a:defRPr strike="noStrike" u="none" b="0" cap="none" baseline="0" sz="1400" i="0">
+        <a:defRPr sz="1400" b="0" i="0" u="none" strike="noStrike" cap="none" baseline="0">
           <a:solidFill>
             <a:srgbClr val="000000"/>
           </a:solidFill>
@@ -3263,7 +3496,7 @@
           <a:rtl val="0"/>
         </a:defRPr>
       </a:lvl6pPr>
-      <a:lvl7pPr algn="l" rtl="0" marR="0">
+      <a:lvl7pPr marR="0" algn="l" rtl="0">
         <a:lnSpc>
           <a:spcPct val="100000"/>
         </a:lnSpc>
@@ -3274,7 +3507,7 @@
           <a:spcPts val="0"/>
         </a:spcAft>
         <a:buNone/>
-        <a:defRPr strike="noStrike" u="none" b="0" cap="none" baseline="0" sz="1400" i="0">
+        <a:defRPr sz="1400" b="0" i="0" u="none" strike="noStrike" cap="none" baseline="0">
           <a:solidFill>
             <a:srgbClr val="000000"/>
           </a:solidFill>
@@ -3285,7 +3518,7 @@
           <a:rtl val="0"/>
         </a:defRPr>
       </a:lvl7pPr>
-      <a:lvl8pPr algn="l" rtl="0" marR="0">
+      <a:lvl8pPr marR="0" algn="l" rtl="0">
         <a:lnSpc>
           <a:spcPct val="100000"/>
         </a:lnSpc>
@@ -3296,7 +3529,7 @@
           <a:spcPts val="0"/>
         </a:spcAft>
         <a:buNone/>
-        <a:defRPr strike="noStrike" u="none" b="0" cap="none" baseline="0" sz="1400" i="0">
+        <a:defRPr sz="1400" b="0" i="0" u="none" strike="noStrike" cap="none" baseline="0">
           <a:solidFill>
             <a:srgbClr val="000000"/>
           </a:solidFill>
@@ -3307,7 +3540,7 @@
           <a:rtl val="0"/>
         </a:defRPr>
       </a:lvl8pPr>
-      <a:lvl9pPr algn="l" rtl="0" marR="0">
+      <a:lvl9pPr marR="0" algn="l" rtl="0">
         <a:lnSpc>
           <a:spcPct val="100000"/>
         </a:lnSpc>
@@ -3318,7 +3551,7 @@
           <a:spcPts val="0"/>
         </a:spcAft>
         <a:buNone/>
-        <a:defRPr strike="noStrike" u="none" b="0" cap="none" baseline="0" sz="1400" i="0">
+        <a:defRPr sz="1400" b="0" i="0" u="none" strike="noStrike" cap="none" baseline="0">
           <a:solidFill>
             <a:srgbClr val="000000"/>
           </a:solidFill>
@@ -3335,46 +3568,48 @@
 </file>
 
 <file path=ppt/slides/slide1.xml><?xml version="1.0" encoding="utf-8"?>
-<p:sld xmlns:a="http://schemas.openxmlformats.org/drawingml/2006/main" xmlns:r="http://schemas.openxmlformats.org/officeDocument/2006/relationships" xmlns:mc="http://schemas.openxmlformats.org/markup-compatibility/2006" xmlns:mv="urn:schemas-microsoft-com:mac:vml" xmlns:p="http://schemas.openxmlformats.org/presentationml/2006/main" xmlns:c="http://schemas.openxmlformats.org/drawingml/2006/chart" xmlns:dgm="http://schemas.openxmlformats.org/drawingml/2006/diagram" xmlns:o="urn:schemas-microsoft-com:office:office" xmlns:v="urn:schemas-microsoft-com:vml" xmlns:pvml="urn:schemas-microsoft-com:office:powerpoint" xmlns:com="http://schemas.openxmlformats.org/drawingml/2006/compatibility" xmlns:p14="http://schemas.microsoft.com/office/powerpoint/2010/main">
+<p:sld xmlns:a="http://schemas.openxmlformats.org/drawingml/2006/main" xmlns:r="http://schemas.openxmlformats.org/officeDocument/2006/relationships" xmlns:p="http://schemas.openxmlformats.org/presentationml/2006/main">
   <p:cSld>
     <p:spTree>
       <p:nvGrpSpPr>
-        <p:cNvPr id="29" name="Shape 29"/>
+        <p:cNvPr id="1" name="Shape 29"/>
         <p:cNvGrpSpPr/>
         <p:nvPr/>
       </p:nvGrpSpPr>
       <p:grpSpPr>
         <a:xfrm>
-          <a:off y="0" x="0"/>
-          <a:ext cy="0" cx="0"/>
-          <a:chOff y="0" x="0"/>
-          <a:chExt cy="0" cx="0"/>
+          <a:off x="0" y="0"/>
+          <a:ext cx="0" cy="0"/>
+          <a:chOff x="0" y="0"/>
+          <a:chExt cx="0" cy="0"/>
         </a:xfrm>
       </p:grpSpPr>
       <p:sp>
         <p:nvSpPr>
           <p:cNvPr id="30" name="Shape 30"/>
-          <p:cNvSpPr txBox="1"/>
+          <p:cNvSpPr txBox="1">
+            <a:spLocks noGrp="1"/>
+          </p:cNvSpPr>
           <p:nvPr>
-            <p:ph idx="1" type="subTitle"/>
+            <p:ph type="subTitle" idx="1"/>
           </p:nvPr>
         </p:nvSpPr>
         <p:spPr>
           <a:xfrm>
-            <a:off y="364050" x="3609975"/>
-            <a:ext cy="3863399" cx="5596799"/>
+            <a:off x="3609975" y="364050"/>
+            <a:ext cx="5596799" cy="3863399"/>
           </a:xfrm>
           <a:prstGeom prst="rect">
             <a:avLst/>
           </a:prstGeom>
         </p:spPr>
         <p:txBody>
-          <a:bodyPr bIns="91425" rIns="91425" lIns="91425" tIns="91425" anchor="t" anchorCtr="0">
+          <a:bodyPr lIns="91425" tIns="91425" rIns="91425" bIns="91425" anchor="t" anchorCtr="0">
             <a:noAutofit/>
           </a:bodyPr>
           <a:lstStyle/>
           <a:p>
-            <a:pPr algn="ctr" rtl="0" indent="0" marL="0">
+            <a:pPr marL="0" indent="0" algn="ctr" rtl="0">
               <a:lnSpc>
                 <a:spcPct val="115000"/>
               </a:lnSpc>
@@ -3383,10 +3618,7 @@
               </a:spcBef>
               <a:buNone/>
             </a:pPr>
-            <a:r>
-              <a:t/>
-            </a:r>
-            <a:endParaRPr b="1" sz="1800">
+            <a:endParaRPr sz="1800" b="1">
               <a:solidFill>
                 <a:schemeClr val="dk1"/>
               </a:solidFill>
@@ -3397,7 +3629,7 @@
             </a:endParaRPr>
           </a:p>
           <a:p>
-            <a:pPr algn="ctr" rtl="0" indent="0" marL="0">
+            <a:pPr marL="0" indent="0" algn="ctr" rtl="0">
               <a:lnSpc>
                 <a:spcPct val="115000"/>
               </a:lnSpc>
@@ -3406,10 +3638,7 @@
               </a:spcBef>
               <a:buNone/>
             </a:pPr>
-            <a:r>
-              <a:t/>
-            </a:r>
-            <a:endParaRPr b="1" sz="2400">
+            <a:endParaRPr sz="2400" b="1">
               <a:solidFill>
                 <a:schemeClr val="dk1"/>
               </a:solidFill>
@@ -3420,7 +3649,7 @@
             </a:endParaRPr>
           </a:p>
           <a:p>
-            <a:pPr rtl="0" indent="0" marL="0">
+            <a:pPr marL="0" indent="0" rtl="0">
               <a:lnSpc>
                 <a:spcPct val="115000"/>
               </a:lnSpc>
@@ -3430,7 +3659,7 @@
               <a:buNone/>
             </a:pPr>
             <a:r>
-              <a:rPr b="1" sz="2400" lang="ro">
+              <a:rPr lang="ro" sz="2400" b="1">
                 <a:solidFill>
                   <a:schemeClr val="dk1"/>
                 </a:solidFill>
@@ -3443,7 +3672,7 @@
             </a:r>
           </a:p>
           <a:p>
-            <a:pPr rtl="0" indent="0" marL="0">
+            <a:pPr marL="0" indent="0" rtl="0">
               <a:lnSpc>
                 <a:spcPct val="115000"/>
               </a:lnSpc>
@@ -3453,7 +3682,7 @@
               <a:buNone/>
             </a:pPr>
             <a:r>
-              <a:rPr b="1" sz="2400" lang="ro">
+              <a:rPr lang="ro" sz="2400" b="1">
                 <a:solidFill>
                   <a:schemeClr val="dk1"/>
                 </a:solidFill>
@@ -3466,7 +3695,7 @@
             </a:r>
           </a:p>
           <a:p>
-            <a:pPr rtl="0" indent="0" marL="0">
+            <a:pPr marL="0" indent="0" rtl="0">
               <a:lnSpc>
                 <a:spcPct val="115000"/>
               </a:lnSpc>
@@ -3476,7 +3705,7 @@
               <a:buNone/>
             </a:pPr>
             <a:r>
-              <a:rPr b="1" sz="2400" lang="ro">
+              <a:rPr lang="ro" sz="2400" b="1">
                 <a:solidFill>
                   <a:schemeClr val="dk1"/>
                 </a:solidFill>
@@ -3489,7 +3718,7 @@
             </a:r>
           </a:p>
           <a:p>
-            <a:pPr rtl="0" lvl="0">
+            <a:pPr lvl="0" rtl="0">
               <a:lnSpc>
                 <a:spcPct val="115000"/>
               </a:lnSpc>
@@ -3504,7 +3733,7 @@
               <a:buNone/>
             </a:pPr>
             <a:r>
-              <a:rPr b="1" sz="2400" lang="ro">
+              <a:rPr lang="ro" sz="2400" b="1">
                 <a:solidFill>
                   <a:schemeClr val="dk1"/>
                 </a:solidFill>
@@ -3517,7 +3746,7 @@
             </a:r>
           </a:p>
           <a:p>
-            <a:pPr algn="l" rtl="0" lvl="0" indent="0" marL="0">
+            <a:pPr marL="0" lvl="0" indent="0" algn="l" rtl="0">
               <a:lnSpc>
                 <a:spcPct val="115000"/>
               </a:lnSpc>
@@ -3532,7 +3761,7 @@
               <a:buNone/>
             </a:pPr>
             <a:r>
-              <a:rPr b="1" sz="2400" lang="ro">
+              <a:rPr lang="ro" sz="2400" b="1">
                 <a:solidFill>
                   <a:schemeClr val="dk1"/>
                 </a:solidFill>
@@ -3545,7 +3774,7 @@
             </a:r>
           </a:p>
           <a:p>
-            <a:pPr rtl="0" indent="0" marL="0">
+            <a:pPr marL="0" indent="0" rtl="0">
               <a:lnSpc>
                 <a:spcPct val="115000"/>
               </a:lnSpc>
@@ -3554,10 +3783,7 @@
               </a:spcBef>
               <a:buNone/>
             </a:pPr>
-            <a:r>
-              <a:t/>
-            </a:r>
-            <a:endParaRPr b="1" sz="1400">
+            <a:endParaRPr sz="1400" b="1">
               <a:solidFill>
                 <a:schemeClr val="dk1"/>
               </a:solidFill>
@@ -3568,7 +3794,7 @@
             </a:endParaRPr>
           </a:p>
           <a:p>
-            <a:pPr algn="ctr" rtl="0" indent="0" marL="0">
+            <a:pPr marL="0" indent="0" algn="ctr" rtl="0">
               <a:lnSpc>
                 <a:spcPct val="115000"/>
               </a:lnSpc>
@@ -3577,10 +3803,7 @@
               </a:spcBef>
               <a:buNone/>
             </a:pPr>
-            <a:r>
-              <a:t/>
-            </a:r>
-            <a:endParaRPr b="1" sz="1200">
+            <a:endParaRPr sz="1200" b="1">
               <a:solidFill>
                 <a:schemeClr val="dk1"/>
               </a:solidFill>
@@ -3591,7 +3814,7 @@
             </a:endParaRPr>
           </a:p>
           <a:p>
-            <a:pPr algn="ctr" rtl="0" indent="0" marL="0">
+            <a:pPr marL="0" indent="0" algn="ctr" rtl="0">
               <a:lnSpc>
                 <a:spcPct val="115000"/>
               </a:lnSpc>
@@ -3600,10 +3823,7 @@
               </a:spcBef>
               <a:buNone/>
             </a:pPr>
-            <a:r>
-              <a:t/>
-            </a:r>
-            <a:endParaRPr b="1" sz="1200">
+            <a:endParaRPr sz="1200" b="1">
               <a:solidFill>
                 <a:schemeClr val="dk1"/>
               </a:solidFill>
@@ -3614,7 +3834,7 @@
             </a:endParaRPr>
           </a:p>
           <a:p>
-            <a:pPr algn="ctr" rtl="0" indent="0" marL="0">
+            <a:pPr marL="0" indent="0" algn="ctr" rtl="0">
               <a:lnSpc>
                 <a:spcPct val="115000"/>
               </a:lnSpc>
@@ -3623,10 +3843,7 @@
               </a:spcBef>
               <a:buNone/>
             </a:pPr>
-            <a:r>
-              <a:t/>
-            </a:r>
-            <a:endParaRPr b="1" sz="1200">
+            <a:endParaRPr sz="1200" b="1">
               <a:solidFill>
                 <a:schemeClr val="dk1"/>
               </a:solidFill>
@@ -3637,7 +3854,7 @@
             </a:endParaRPr>
           </a:p>
           <a:p>
-            <a:pPr rtl="0" indent="0" marL="0">
+            <a:pPr marL="0" indent="0" rtl="0">
               <a:lnSpc>
                 <a:spcPct val="115000"/>
               </a:lnSpc>
@@ -3647,7 +3864,7 @@
               <a:buNone/>
             </a:pPr>
             <a:r>
-              <a:rPr b="1" sz="1200" lang="ro">
+              <a:rPr lang="ro" sz="1200" b="1">
                 <a:solidFill>
                   <a:schemeClr val="dk1"/>
                 </a:solidFill>
@@ -3660,7 +3877,7 @@
             </a:r>
           </a:p>
           <a:p>
-            <a:pPr rtl="0" indent="0" marL="0">
+            <a:pPr marL="0" indent="0" rtl="0">
               <a:lnSpc>
                 <a:spcPct val="115000"/>
               </a:lnSpc>
@@ -3670,7 +3887,7 @@
               <a:buNone/>
             </a:pPr>
             <a:r>
-              <a:rPr b="1" sz="1100" lang="ro">
+              <a:rPr lang="ro" sz="1100" b="1">
                 <a:solidFill>
                   <a:schemeClr val="dk1"/>
                 </a:solidFill>
@@ -3683,7 +3900,7 @@
             </a:r>
           </a:p>
           <a:p>
-            <a:pPr algn="r" rtl="0" indent="0" marL="2743200">
+            <a:pPr marL="2743200" indent="0" algn="r" rtl="0">
               <a:lnSpc>
                 <a:spcPct val="115000"/>
               </a:lnSpc>
@@ -3692,10 +3909,7 @@
               </a:spcBef>
               <a:buNone/>
             </a:pPr>
-            <a:r>
-              <a:t/>
-            </a:r>
-            <a:endParaRPr b="1" sz="1200">
+            <a:endParaRPr sz="1200" b="1">
               <a:solidFill>
                 <a:srgbClr val="000000"/>
               </a:solidFill>
@@ -3712,9 +3926,6 @@
               </a:spcBef>
               <a:buNone/>
             </a:pPr>
-            <a:r>
-              <a:t/>
-            </a:r>
             <a:endParaRPr/>
           </a:p>
         </p:txBody>
@@ -3735,8 +3946,8 @@
         </p:blipFill>
         <p:spPr>
           <a:xfrm>
-            <a:off y="0" x="0"/>
-            <a:ext cy="5143500" cx="3609975"/>
+            <a:off x="0" y="0"/>
+            <a:ext cx="3609975" cy="5143500"/>
           </a:xfrm>
           <a:prstGeom prst="rect">
             <a:avLst/>
@@ -3759,41 +3970,43 @@
 </file>
 
 <file path=ppt/slides/slide2.xml><?xml version="1.0" encoding="utf-8"?>
-<p:sld xmlns:a="http://schemas.openxmlformats.org/drawingml/2006/main" xmlns:r="http://schemas.openxmlformats.org/officeDocument/2006/relationships" xmlns:mc="http://schemas.openxmlformats.org/markup-compatibility/2006" xmlns:mv="urn:schemas-microsoft-com:mac:vml" xmlns:p="http://schemas.openxmlformats.org/presentationml/2006/main" xmlns:c="http://schemas.openxmlformats.org/drawingml/2006/chart" xmlns:dgm="http://schemas.openxmlformats.org/drawingml/2006/diagram" xmlns:o="urn:schemas-microsoft-com:office:office" xmlns:v="urn:schemas-microsoft-com:vml" xmlns:pvml="urn:schemas-microsoft-com:office:powerpoint" xmlns:com="http://schemas.openxmlformats.org/drawingml/2006/compatibility" xmlns:p14="http://schemas.microsoft.com/office/powerpoint/2010/main">
+<p:sld xmlns:a="http://schemas.openxmlformats.org/drawingml/2006/main" xmlns:r="http://schemas.openxmlformats.org/officeDocument/2006/relationships" xmlns:p="http://schemas.openxmlformats.org/presentationml/2006/main">
   <p:cSld>
     <p:spTree>
       <p:nvGrpSpPr>
-        <p:cNvPr id="35" name="Shape 35"/>
+        <p:cNvPr id="1" name="Shape 35"/>
         <p:cNvGrpSpPr/>
         <p:nvPr/>
       </p:nvGrpSpPr>
       <p:grpSpPr>
         <a:xfrm>
-          <a:off y="0" x="0"/>
-          <a:ext cy="0" cx="0"/>
-          <a:chOff y="0" x="0"/>
-          <a:chExt cy="0" cx="0"/>
+          <a:off x="0" y="0"/>
+          <a:ext cx="0" cy="0"/>
+          <a:chOff x="0" y="0"/>
+          <a:chExt cx="0" cy="0"/>
         </a:xfrm>
       </p:grpSpPr>
       <p:sp>
         <p:nvSpPr>
           <p:cNvPr id="36" name="Shape 36"/>
-          <p:cNvSpPr txBox="1"/>
+          <p:cNvSpPr txBox="1">
+            <a:spLocks noGrp="1"/>
+          </p:cNvSpPr>
           <p:nvPr>
-            <p:ph idx="1" type="body"/>
+            <p:ph type="body" idx="1"/>
           </p:nvPr>
         </p:nvSpPr>
         <p:spPr>
           <a:xfrm>
-            <a:off y="1200150" x="457200"/>
-            <a:ext cy="3725699" cx="8229600"/>
+            <a:off x="457200" y="1200150"/>
+            <a:ext cx="8229600" cy="3725699"/>
           </a:xfrm>
           <a:prstGeom prst="rect">
             <a:avLst/>
           </a:prstGeom>
         </p:spPr>
         <p:txBody>
-          <a:bodyPr bIns="91425" rIns="91425" lIns="91425" tIns="91425" anchor="t" anchorCtr="0">
+          <a:bodyPr lIns="91425" tIns="91425" rIns="91425" bIns="91425" anchor="t" anchorCtr="0">
             <a:noAutofit/>
           </a:bodyPr>
           <a:lstStyle/>
@@ -3862,22 +4075,24 @@
       <p:sp>
         <p:nvSpPr>
           <p:cNvPr id="37" name="Shape 37"/>
-          <p:cNvSpPr txBox="1"/>
+          <p:cNvSpPr txBox="1">
+            <a:spLocks noGrp="1"/>
+          </p:cNvSpPr>
           <p:nvPr>
             <p:ph type="title"/>
           </p:nvPr>
         </p:nvSpPr>
         <p:spPr>
           <a:xfrm>
-            <a:off y="205978" x="457200"/>
-            <a:ext cy="857400" cx="8229600"/>
+            <a:off x="457200" y="205978"/>
+            <a:ext cx="8229600" cy="857400"/>
           </a:xfrm>
           <a:prstGeom prst="rect">
             <a:avLst/>
           </a:prstGeom>
         </p:spPr>
         <p:txBody>
-          <a:bodyPr bIns="91425" rIns="91425" lIns="91425" tIns="91425" anchor="b" anchorCtr="0">
+          <a:bodyPr lIns="91425" tIns="91425" rIns="91425" bIns="91425" anchor="b" anchorCtr="0">
             <a:noAutofit/>
           </a:bodyPr>
           <a:lstStyle/>
@@ -3907,41 +4122,43 @@
 </file>
 
 <file path=ppt/slides/slide3.xml><?xml version="1.0" encoding="utf-8"?>
-<p:sld xmlns:a="http://schemas.openxmlformats.org/drawingml/2006/main" xmlns:r="http://schemas.openxmlformats.org/officeDocument/2006/relationships" xmlns:mc="http://schemas.openxmlformats.org/markup-compatibility/2006" xmlns:mv="urn:schemas-microsoft-com:mac:vml" xmlns:p="http://schemas.openxmlformats.org/presentationml/2006/main" xmlns:c="http://schemas.openxmlformats.org/drawingml/2006/chart" xmlns:dgm="http://schemas.openxmlformats.org/drawingml/2006/diagram" xmlns:o="urn:schemas-microsoft-com:office:office" xmlns:v="urn:schemas-microsoft-com:vml" xmlns:pvml="urn:schemas-microsoft-com:office:powerpoint" xmlns:com="http://schemas.openxmlformats.org/drawingml/2006/compatibility" xmlns:p14="http://schemas.microsoft.com/office/powerpoint/2010/main">
+<p:sld xmlns:a="http://schemas.openxmlformats.org/drawingml/2006/main" xmlns:r="http://schemas.openxmlformats.org/officeDocument/2006/relationships" xmlns:p="http://schemas.openxmlformats.org/presentationml/2006/main">
   <p:cSld>
     <p:spTree>
       <p:nvGrpSpPr>
-        <p:cNvPr id="41" name="Shape 41"/>
+        <p:cNvPr id="1" name="Shape 41"/>
         <p:cNvGrpSpPr/>
         <p:nvPr/>
       </p:nvGrpSpPr>
       <p:grpSpPr>
         <a:xfrm>
-          <a:off y="0" x="0"/>
-          <a:ext cy="0" cx="0"/>
-          <a:chOff y="0" x="0"/>
-          <a:chExt cy="0" cx="0"/>
+          <a:off x="0" y="0"/>
+          <a:ext cx="0" cy="0"/>
+          <a:chOff x="0" y="0"/>
+          <a:chExt cx="0" cy="0"/>
         </a:xfrm>
       </p:grpSpPr>
       <p:sp>
         <p:nvSpPr>
           <p:cNvPr id="42" name="Shape 42"/>
-          <p:cNvSpPr txBox="1"/>
+          <p:cNvSpPr txBox="1">
+            <a:spLocks noGrp="1"/>
+          </p:cNvSpPr>
           <p:nvPr>
             <p:ph type="title"/>
           </p:nvPr>
         </p:nvSpPr>
         <p:spPr>
           <a:xfrm>
-            <a:off y="205978" x="457200"/>
-            <a:ext cy="857400" cx="8229600"/>
+            <a:off x="457200" y="205978"/>
+            <a:ext cx="8229600" cy="857400"/>
           </a:xfrm>
           <a:prstGeom prst="rect">
             <a:avLst/>
           </a:prstGeom>
         </p:spPr>
         <p:txBody>
-          <a:bodyPr bIns="91425" rIns="91425" lIns="91425" tIns="91425" anchor="b" anchorCtr="0">
+          <a:bodyPr lIns="91425" tIns="91425" rIns="91425" bIns="91425" anchor="b" anchorCtr="0">
             <a:noAutofit/>
           </a:bodyPr>
           <a:lstStyle/>
@@ -3962,22 +4179,24 @@
       <p:sp>
         <p:nvSpPr>
           <p:cNvPr id="43" name="Shape 43"/>
-          <p:cNvSpPr txBox="1"/>
+          <p:cNvSpPr txBox="1">
+            <a:spLocks noGrp="1"/>
+          </p:cNvSpPr>
           <p:nvPr>
-            <p:ph idx="1" type="body"/>
+            <p:ph type="body" idx="1"/>
           </p:nvPr>
         </p:nvSpPr>
         <p:spPr>
           <a:xfrm>
-            <a:off y="1200150" x="457200"/>
-            <a:ext cy="3725699" cx="8229600"/>
+            <a:off x="457200" y="1200150"/>
+            <a:ext cx="8229600" cy="3725699"/>
           </a:xfrm>
           <a:prstGeom prst="rect">
             <a:avLst/>
           </a:prstGeom>
         </p:spPr>
         <p:txBody>
-          <a:bodyPr bIns="91425" rIns="91425" lIns="91425" tIns="91425" anchor="t" anchorCtr="0">
+          <a:bodyPr lIns="91425" tIns="91425" rIns="91425" bIns="91425" anchor="t" anchorCtr="0">
             <a:noAutofit/>
           </a:bodyPr>
           <a:lstStyle/>
@@ -3988,9 +4207,6 @@
               </a:spcBef>
               <a:buNone/>
             </a:pPr>
-            <a:r>
-              <a:t/>
-            </a:r>
             <a:endParaRPr/>
           </a:p>
         </p:txBody>
@@ -4011,8 +4227,8 @@
         </p:blipFill>
         <p:spPr>
           <a:xfrm>
-            <a:off y="931250" x="4949100"/>
-            <a:ext cy="4212249" cx="2418750"/>
+            <a:off x="4949100" y="931250"/>
+            <a:ext cx="2418750" cy="4212249"/>
           </a:xfrm>
           <a:prstGeom prst="rect">
             <a:avLst/>
@@ -4039,8 +4255,8 @@
         </p:blipFill>
         <p:spPr>
           <a:xfrm>
-            <a:off y="931250" x="1199875"/>
-            <a:ext cy="4212249" cx="2418750"/>
+            <a:off x="1199875" y="931250"/>
+            <a:ext cx="2418750" cy="4212249"/>
           </a:xfrm>
           <a:prstGeom prst="rect">
             <a:avLst/>
@@ -4063,41 +4279,43 @@
 </file>
 
 <file path=ppt/slides/slide4.xml><?xml version="1.0" encoding="utf-8"?>
-<p:sld xmlns:a="http://schemas.openxmlformats.org/drawingml/2006/main" xmlns:r="http://schemas.openxmlformats.org/officeDocument/2006/relationships" xmlns:mc="http://schemas.openxmlformats.org/markup-compatibility/2006" xmlns:mv="urn:schemas-microsoft-com:mac:vml" xmlns:p="http://schemas.openxmlformats.org/presentationml/2006/main" xmlns:c="http://schemas.openxmlformats.org/drawingml/2006/chart" xmlns:dgm="http://schemas.openxmlformats.org/drawingml/2006/diagram" xmlns:o="urn:schemas-microsoft-com:office:office" xmlns:v="urn:schemas-microsoft-com:vml" xmlns:pvml="urn:schemas-microsoft-com:office:powerpoint" xmlns:com="http://schemas.openxmlformats.org/drawingml/2006/compatibility" xmlns:p14="http://schemas.microsoft.com/office/powerpoint/2010/main">
+<p:sld xmlns:a="http://schemas.openxmlformats.org/drawingml/2006/main" xmlns:r="http://schemas.openxmlformats.org/officeDocument/2006/relationships" xmlns:p="http://schemas.openxmlformats.org/presentationml/2006/main">
   <p:cSld>
     <p:spTree>
       <p:nvGrpSpPr>
-        <p:cNvPr id="49" name="Shape 49"/>
+        <p:cNvPr id="1" name="Shape 49"/>
         <p:cNvGrpSpPr/>
         <p:nvPr/>
       </p:nvGrpSpPr>
       <p:grpSpPr>
         <a:xfrm>
-          <a:off y="0" x="0"/>
-          <a:ext cy="0" cx="0"/>
-          <a:chOff y="0" x="0"/>
-          <a:chExt cy="0" cx="0"/>
+          <a:off x="0" y="0"/>
+          <a:ext cx="0" cy="0"/>
+          <a:chOff x="0" y="0"/>
+          <a:chExt cx="0" cy="0"/>
         </a:xfrm>
       </p:grpSpPr>
       <p:sp>
         <p:nvSpPr>
           <p:cNvPr id="50" name="Shape 50"/>
-          <p:cNvSpPr txBox="1"/>
+          <p:cNvSpPr txBox="1">
+            <a:spLocks noGrp="1"/>
+          </p:cNvSpPr>
           <p:nvPr>
             <p:ph type="title"/>
           </p:nvPr>
         </p:nvSpPr>
         <p:spPr>
           <a:xfrm>
-            <a:off y="141828" x="457200"/>
-            <a:ext cy="857400" cx="8229600"/>
+            <a:off x="457200" y="141828"/>
+            <a:ext cx="8229600" cy="857400"/>
           </a:xfrm>
           <a:prstGeom prst="rect">
             <a:avLst/>
           </a:prstGeom>
         </p:spPr>
         <p:txBody>
-          <a:bodyPr bIns="91425" rIns="91425" lIns="91425" tIns="91425" anchor="b" anchorCtr="0">
+          <a:bodyPr lIns="91425" tIns="91425" rIns="91425" bIns="91425" anchor="b" anchorCtr="0">
             <a:noAutofit/>
           </a:bodyPr>
           <a:lstStyle/>
@@ -4118,22 +4336,24 @@
       <p:sp>
         <p:nvSpPr>
           <p:cNvPr id="51" name="Shape 51"/>
-          <p:cNvSpPr txBox="1"/>
+          <p:cNvSpPr txBox="1">
+            <a:spLocks noGrp="1"/>
+          </p:cNvSpPr>
           <p:nvPr>
-            <p:ph idx="1" type="body"/>
+            <p:ph type="body" idx="1"/>
           </p:nvPr>
         </p:nvSpPr>
         <p:spPr>
           <a:xfrm>
-            <a:off y="1200150" x="457200"/>
-            <a:ext cy="3725699" cx="8229600"/>
+            <a:off x="457200" y="1200150"/>
+            <a:ext cx="8229600" cy="3725699"/>
           </a:xfrm>
           <a:prstGeom prst="rect">
             <a:avLst/>
           </a:prstGeom>
         </p:spPr>
         <p:txBody>
-          <a:bodyPr bIns="91425" rIns="91425" lIns="91425" tIns="91425" anchor="t" anchorCtr="0">
+          <a:bodyPr lIns="91425" tIns="91425" rIns="91425" bIns="91425" anchor="t" anchorCtr="0">
             <a:noAutofit/>
           </a:bodyPr>
           <a:lstStyle/>
@@ -4167,8 +4387,8 @@
         </p:blipFill>
         <p:spPr>
           <a:xfrm>
-            <a:off y="934150" x="1908450"/>
-            <a:ext cy="4166574" cx="2402199"/>
+            <a:off x="1908450" y="934150"/>
+            <a:ext cx="2402199" cy="4166574"/>
           </a:xfrm>
           <a:prstGeom prst="rect">
             <a:avLst/>
@@ -4195,8 +4415,8 @@
         </p:blipFill>
         <p:spPr>
           <a:xfrm>
-            <a:off y="934150" x="5761375"/>
-            <a:ext cy="4166574" cx="2492374"/>
+            <a:off x="5761375" y="934150"/>
+            <a:ext cx="2492374" cy="4166574"/>
           </a:xfrm>
           <a:prstGeom prst="rect">
             <a:avLst/>
@@ -4219,41 +4439,43 @@
 </file>
 
 <file path=ppt/slides/slide5.xml><?xml version="1.0" encoding="utf-8"?>
-<p:sld xmlns:a="http://schemas.openxmlformats.org/drawingml/2006/main" xmlns:r="http://schemas.openxmlformats.org/officeDocument/2006/relationships" xmlns:mc="http://schemas.openxmlformats.org/markup-compatibility/2006" xmlns:mv="urn:schemas-microsoft-com:mac:vml" xmlns:p="http://schemas.openxmlformats.org/presentationml/2006/main" xmlns:c="http://schemas.openxmlformats.org/drawingml/2006/chart" xmlns:dgm="http://schemas.openxmlformats.org/drawingml/2006/diagram" xmlns:o="urn:schemas-microsoft-com:office:office" xmlns:v="urn:schemas-microsoft-com:vml" xmlns:pvml="urn:schemas-microsoft-com:office:powerpoint" xmlns:com="http://schemas.openxmlformats.org/drawingml/2006/compatibility" xmlns:p14="http://schemas.microsoft.com/office/powerpoint/2010/main">
+<p:sld xmlns:a="http://schemas.openxmlformats.org/drawingml/2006/main" xmlns:r="http://schemas.openxmlformats.org/officeDocument/2006/relationships" xmlns:p="http://schemas.openxmlformats.org/presentationml/2006/main">
   <p:cSld>
     <p:spTree>
       <p:nvGrpSpPr>
-        <p:cNvPr id="57" name="Shape 57"/>
+        <p:cNvPr id="1" name="Shape 57"/>
         <p:cNvGrpSpPr/>
         <p:nvPr/>
       </p:nvGrpSpPr>
       <p:grpSpPr>
         <a:xfrm>
-          <a:off y="0" x="0"/>
-          <a:ext cy="0" cx="0"/>
-          <a:chOff y="0" x="0"/>
-          <a:chExt cy="0" cx="0"/>
+          <a:off x="0" y="0"/>
+          <a:ext cx="0" cy="0"/>
+          <a:chOff x="0" y="0"/>
+          <a:chExt cx="0" cy="0"/>
         </a:xfrm>
       </p:grpSpPr>
       <p:sp>
         <p:nvSpPr>
           <p:cNvPr id="58" name="Shape 58"/>
-          <p:cNvSpPr txBox="1"/>
+          <p:cNvSpPr txBox="1">
+            <a:spLocks noGrp="1"/>
+          </p:cNvSpPr>
           <p:nvPr>
             <p:ph type="title"/>
           </p:nvPr>
         </p:nvSpPr>
         <p:spPr>
           <a:xfrm>
-            <a:off y="205978" x="457200"/>
-            <a:ext cy="857400" cx="8229600"/>
+            <a:off x="457200" y="205978"/>
+            <a:ext cx="8229600" cy="857400"/>
           </a:xfrm>
           <a:prstGeom prst="rect">
             <a:avLst/>
           </a:prstGeom>
         </p:spPr>
         <p:txBody>
-          <a:bodyPr bIns="91425" rIns="91425" lIns="91425" tIns="91425" anchor="b" anchorCtr="0">
+          <a:bodyPr lIns="91425" tIns="91425" rIns="91425" bIns="91425" anchor="b" anchorCtr="0">
             <a:noAutofit/>
           </a:bodyPr>
           <a:lstStyle/>
@@ -4274,22 +4496,24 @@
       <p:sp>
         <p:nvSpPr>
           <p:cNvPr id="59" name="Shape 59"/>
-          <p:cNvSpPr txBox="1"/>
+          <p:cNvSpPr txBox="1">
+            <a:spLocks noGrp="1"/>
+          </p:cNvSpPr>
           <p:nvPr>
-            <p:ph idx="1" type="body"/>
+            <p:ph type="body" idx="1"/>
           </p:nvPr>
         </p:nvSpPr>
         <p:spPr>
           <a:xfrm>
-            <a:off y="1200150" x="457200"/>
-            <a:ext cy="3725699" cx="8229600"/>
+            <a:off x="457200" y="1200150"/>
+            <a:ext cx="8229600" cy="3725699"/>
           </a:xfrm>
           <a:prstGeom prst="rect">
             <a:avLst/>
           </a:prstGeom>
         </p:spPr>
         <p:txBody>
-          <a:bodyPr bIns="91425" rIns="91425" lIns="91425" tIns="91425" anchor="t" anchorCtr="0">
+          <a:bodyPr lIns="91425" tIns="91425" rIns="91425" bIns="91425" anchor="t" anchorCtr="0">
             <a:noAutofit/>
           </a:bodyPr>
           <a:lstStyle/>
@@ -4300,9 +4524,6 @@
               </a:spcBef>
               <a:buNone/>
             </a:pPr>
-            <a:r>
-              <a:t/>
-            </a:r>
             <a:endParaRPr/>
           </a:p>
         </p:txBody>
@@ -4323,8 +4544,8 @@
         </p:blipFill>
         <p:spPr>
           <a:xfrm>
-            <a:off y="1063375" x="3151375"/>
-            <a:ext cy="4127749" cx="2419800"/>
+            <a:off x="3151375" y="1063375"/>
+            <a:ext cx="2419800" cy="4127749"/>
           </a:xfrm>
           <a:prstGeom prst="rect">
             <a:avLst/>
@@ -4347,41 +4568,43 @@
 </file>
 
 <file path=ppt/slides/slide6.xml><?xml version="1.0" encoding="utf-8"?>
-<p:sld xmlns:a="http://schemas.openxmlformats.org/drawingml/2006/main" xmlns:r="http://schemas.openxmlformats.org/officeDocument/2006/relationships" xmlns:mc="http://schemas.openxmlformats.org/markup-compatibility/2006" xmlns:mv="urn:schemas-microsoft-com:mac:vml" xmlns:p="http://schemas.openxmlformats.org/presentationml/2006/main" xmlns:c="http://schemas.openxmlformats.org/drawingml/2006/chart" xmlns:dgm="http://schemas.openxmlformats.org/drawingml/2006/diagram" xmlns:o="urn:schemas-microsoft-com:office:office" xmlns:v="urn:schemas-microsoft-com:vml" xmlns:pvml="urn:schemas-microsoft-com:office:powerpoint" xmlns:com="http://schemas.openxmlformats.org/drawingml/2006/compatibility" xmlns:p14="http://schemas.microsoft.com/office/powerpoint/2010/main">
+<p:sld xmlns:a="http://schemas.openxmlformats.org/drawingml/2006/main" xmlns:r="http://schemas.openxmlformats.org/officeDocument/2006/relationships" xmlns:p="http://schemas.openxmlformats.org/presentationml/2006/main">
   <p:cSld>
     <p:spTree>
       <p:nvGrpSpPr>
-        <p:cNvPr id="64" name="Shape 64"/>
+        <p:cNvPr id="1" name="Shape 64"/>
         <p:cNvGrpSpPr/>
         <p:nvPr/>
       </p:nvGrpSpPr>
       <p:grpSpPr>
         <a:xfrm>
-          <a:off y="0" x="0"/>
-          <a:ext cy="0" cx="0"/>
-          <a:chOff y="0" x="0"/>
-          <a:chExt cy="0" cx="0"/>
+          <a:off x="0" y="0"/>
+          <a:ext cx="0" cy="0"/>
+          <a:chOff x="0" y="0"/>
+          <a:chExt cx="0" cy="0"/>
         </a:xfrm>
       </p:grpSpPr>
       <p:sp>
         <p:nvSpPr>
           <p:cNvPr id="65" name="Shape 65"/>
-          <p:cNvSpPr txBox="1"/>
+          <p:cNvSpPr txBox="1">
+            <a:spLocks noGrp="1"/>
+          </p:cNvSpPr>
           <p:nvPr>
             <p:ph type="title"/>
           </p:nvPr>
         </p:nvSpPr>
         <p:spPr>
           <a:xfrm>
-            <a:off y="205978" x="457200"/>
-            <a:ext cy="857400" cx="8229600"/>
+            <a:off x="457200" y="205978"/>
+            <a:ext cx="8229600" cy="857400"/>
           </a:xfrm>
           <a:prstGeom prst="rect">
             <a:avLst/>
           </a:prstGeom>
         </p:spPr>
         <p:txBody>
-          <a:bodyPr bIns="91425" rIns="91425" lIns="91425" tIns="91425" anchor="b" anchorCtr="0">
+          <a:bodyPr lIns="91425" tIns="91425" rIns="91425" bIns="91425" anchor="b" anchorCtr="0">
             <a:noAutofit/>
           </a:bodyPr>
           <a:lstStyle/>
@@ -4402,22 +4625,24 @@
       <p:sp>
         <p:nvSpPr>
           <p:cNvPr id="66" name="Shape 66"/>
-          <p:cNvSpPr txBox="1"/>
+          <p:cNvSpPr txBox="1">
+            <a:spLocks noGrp="1"/>
+          </p:cNvSpPr>
           <p:nvPr>
-            <p:ph idx="1" type="body"/>
+            <p:ph type="body" idx="1"/>
           </p:nvPr>
         </p:nvSpPr>
         <p:spPr>
           <a:xfrm>
-            <a:off y="1200150" x="457200"/>
-            <a:ext cy="3725699" cx="8229600"/>
+            <a:off x="457200" y="1200150"/>
+            <a:ext cx="8229600" cy="3725699"/>
           </a:xfrm>
           <a:prstGeom prst="rect">
             <a:avLst/>
           </a:prstGeom>
         </p:spPr>
         <p:txBody>
-          <a:bodyPr bIns="91425" rIns="91425" lIns="91425" tIns="91425" anchor="t" anchorCtr="0">
+          <a:bodyPr lIns="91425" tIns="91425" rIns="91425" bIns="91425" anchor="t" anchorCtr="0">
             <a:noAutofit/>
           </a:bodyPr>
           <a:lstStyle/>
@@ -4428,9 +4653,6 @@
               </a:spcBef>
               <a:buNone/>
             </a:pPr>
-            <a:r>
-              <a:t/>
-            </a:r>
             <a:endParaRPr/>
           </a:p>
         </p:txBody>
@@ -4451,8 +4673,8 @@
         </p:blipFill>
         <p:spPr>
           <a:xfrm>
-            <a:off y="1063375" x="2938200"/>
-            <a:ext cy="4080124" cx="2554199"/>
+            <a:off x="2938200" y="1063375"/>
+            <a:ext cx="2554199" cy="4080124"/>
           </a:xfrm>
           <a:prstGeom prst="rect">
             <a:avLst/>
@@ -4475,41 +4697,43 @@
 </file>
 
 <file path=ppt/slides/slide7.xml><?xml version="1.0" encoding="utf-8"?>
-<p:sld xmlns:a="http://schemas.openxmlformats.org/drawingml/2006/main" xmlns:r="http://schemas.openxmlformats.org/officeDocument/2006/relationships" xmlns:mc="http://schemas.openxmlformats.org/markup-compatibility/2006" xmlns:mv="urn:schemas-microsoft-com:mac:vml" xmlns:p="http://schemas.openxmlformats.org/presentationml/2006/main" xmlns:c="http://schemas.openxmlformats.org/drawingml/2006/chart" xmlns:dgm="http://schemas.openxmlformats.org/drawingml/2006/diagram" xmlns:o="urn:schemas-microsoft-com:office:office" xmlns:v="urn:schemas-microsoft-com:vml" xmlns:pvml="urn:schemas-microsoft-com:office:powerpoint" xmlns:com="http://schemas.openxmlformats.org/drawingml/2006/compatibility" xmlns:p14="http://schemas.microsoft.com/office/powerpoint/2010/main">
+<p:sld xmlns:a="http://schemas.openxmlformats.org/drawingml/2006/main" xmlns:r="http://schemas.openxmlformats.org/officeDocument/2006/relationships" xmlns:p="http://schemas.openxmlformats.org/presentationml/2006/main">
   <p:cSld>
     <p:spTree>
       <p:nvGrpSpPr>
-        <p:cNvPr id="71" name="Shape 71"/>
+        <p:cNvPr id="1" name="Shape 71"/>
         <p:cNvGrpSpPr/>
         <p:nvPr/>
       </p:nvGrpSpPr>
       <p:grpSpPr>
         <a:xfrm>
-          <a:off y="0" x="0"/>
-          <a:ext cy="0" cx="0"/>
-          <a:chOff y="0" x="0"/>
-          <a:chExt cy="0" cx="0"/>
+          <a:off x="0" y="0"/>
+          <a:ext cx="0" cy="0"/>
+          <a:chOff x="0" y="0"/>
+          <a:chExt cx="0" cy="0"/>
         </a:xfrm>
       </p:grpSpPr>
       <p:sp>
         <p:nvSpPr>
           <p:cNvPr id="72" name="Shape 72"/>
-          <p:cNvSpPr txBox="1"/>
+          <p:cNvSpPr txBox="1">
+            <a:spLocks noGrp="1"/>
+          </p:cNvSpPr>
           <p:nvPr>
             <p:ph type="title"/>
           </p:nvPr>
         </p:nvSpPr>
         <p:spPr>
           <a:xfrm>
-            <a:off y="205978" x="457200"/>
-            <a:ext cy="857400" cx="8229600"/>
+            <a:off x="457200" y="205978"/>
+            <a:ext cx="8229600" cy="857400"/>
           </a:xfrm>
           <a:prstGeom prst="rect">
             <a:avLst/>
           </a:prstGeom>
         </p:spPr>
         <p:txBody>
-          <a:bodyPr bIns="91425" rIns="91425" lIns="91425" tIns="91425" anchor="b" anchorCtr="0">
+          <a:bodyPr lIns="91425" tIns="91425" rIns="91425" bIns="91425" anchor="b" anchorCtr="0">
             <a:noAutofit/>
           </a:bodyPr>
           <a:lstStyle/>
@@ -4521,31 +4745,38 @@
               <a:buNone/>
             </a:pPr>
             <a:r>
-              <a:rPr lang="ro"/>
-              <a:t>-&gt; ~ 20 sec (swipe/drag)</a:t>
+              <a:rPr lang="ro" dirty="0"/>
+              <a:t>-&gt; ~ </a:t>
             </a:r>
+            <a:r>
+              <a:rPr lang="en-US" dirty="0" smtClean="0"/>
+              <a:t>swipe</a:t>
+            </a:r>
+            <a:endParaRPr lang="ro" dirty="0"/>
           </a:p>
         </p:txBody>
       </p:sp>
       <p:sp>
         <p:nvSpPr>
           <p:cNvPr id="73" name="Shape 73"/>
-          <p:cNvSpPr txBox="1"/>
+          <p:cNvSpPr txBox="1">
+            <a:spLocks noGrp="1"/>
+          </p:cNvSpPr>
           <p:nvPr>
-            <p:ph idx="1" type="body"/>
+            <p:ph type="body" idx="1"/>
           </p:nvPr>
         </p:nvSpPr>
         <p:spPr>
           <a:xfrm>
-            <a:off y="1200150" x="457200"/>
-            <a:ext cy="3725699" cx="8229600"/>
+            <a:off x="457200" y="1200150"/>
+            <a:ext cx="8229600" cy="3725699"/>
           </a:xfrm>
           <a:prstGeom prst="rect">
             <a:avLst/>
           </a:prstGeom>
         </p:spPr>
         <p:txBody>
-          <a:bodyPr bIns="91425" rIns="91425" lIns="91425" tIns="91425" anchor="t" anchorCtr="0">
+          <a:bodyPr lIns="91425" tIns="91425" rIns="91425" bIns="91425" anchor="t" anchorCtr="0">
             <a:noAutofit/>
           </a:bodyPr>
           <a:lstStyle/>
@@ -4556,9 +4787,6 @@
               </a:spcBef>
               <a:buNone/>
             </a:pPr>
-            <a:r>
-              <a:t/>
-            </a:r>
             <a:endParaRPr/>
           </a:p>
         </p:txBody>
@@ -4579,8 +4807,8 @@
         </p:blipFill>
         <p:spPr>
           <a:xfrm>
-            <a:off y="1013875" x="2870925"/>
-            <a:ext cy="4202874" cx="2452650"/>
+            <a:off x="2870925" y="1013875"/>
+            <a:ext cx="2452650" cy="4202874"/>
           </a:xfrm>
           <a:prstGeom prst="rect">
             <a:avLst/>
@@ -4603,41 +4831,43 @@
 </file>
 
 <file path=ppt/slides/slide8.xml><?xml version="1.0" encoding="utf-8"?>
-<p:sld xmlns:a="http://schemas.openxmlformats.org/drawingml/2006/main" xmlns:r="http://schemas.openxmlformats.org/officeDocument/2006/relationships" xmlns:mc="http://schemas.openxmlformats.org/markup-compatibility/2006" xmlns:mv="urn:schemas-microsoft-com:mac:vml" xmlns:p="http://schemas.openxmlformats.org/presentationml/2006/main" xmlns:c="http://schemas.openxmlformats.org/drawingml/2006/chart" xmlns:dgm="http://schemas.openxmlformats.org/drawingml/2006/diagram" xmlns:o="urn:schemas-microsoft-com:office:office" xmlns:v="urn:schemas-microsoft-com:vml" xmlns:pvml="urn:schemas-microsoft-com:office:powerpoint" xmlns:com="http://schemas.openxmlformats.org/drawingml/2006/compatibility" xmlns:p14="http://schemas.microsoft.com/office/powerpoint/2010/main">
+<p:sld xmlns:a="http://schemas.openxmlformats.org/drawingml/2006/main" xmlns:r="http://schemas.openxmlformats.org/officeDocument/2006/relationships" xmlns:p="http://schemas.openxmlformats.org/presentationml/2006/main">
   <p:cSld>
     <p:spTree>
       <p:nvGrpSpPr>
-        <p:cNvPr id="78" name="Shape 78"/>
+        <p:cNvPr id="1" name="Shape 78"/>
         <p:cNvGrpSpPr/>
         <p:nvPr/>
       </p:nvGrpSpPr>
       <p:grpSpPr>
         <a:xfrm>
-          <a:off y="0" x="0"/>
-          <a:ext cy="0" cx="0"/>
-          <a:chOff y="0" x="0"/>
-          <a:chExt cy="0" cx="0"/>
+          <a:off x="0" y="0"/>
+          <a:ext cx="0" cy="0"/>
+          <a:chOff x="0" y="0"/>
+          <a:chExt cx="0" cy="0"/>
         </a:xfrm>
       </p:grpSpPr>
       <p:sp>
         <p:nvSpPr>
           <p:cNvPr id="79" name="Shape 79"/>
-          <p:cNvSpPr txBox="1"/>
+          <p:cNvSpPr txBox="1">
+            <a:spLocks noGrp="1"/>
+          </p:cNvSpPr>
           <p:nvPr>
             <p:ph type="title"/>
           </p:nvPr>
         </p:nvSpPr>
         <p:spPr>
           <a:xfrm>
-            <a:off y="205978" x="457200"/>
-            <a:ext cy="857400" cx="8229600"/>
+            <a:off x="457200" y="205978"/>
+            <a:ext cx="8229600" cy="857400"/>
           </a:xfrm>
           <a:prstGeom prst="rect">
             <a:avLst/>
           </a:prstGeom>
         </p:spPr>
         <p:txBody>
-          <a:bodyPr bIns="91425" rIns="91425" lIns="91425" tIns="91425" anchor="b" anchorCtr="0">
+          <a:bodyPr lIns="91425" tIns="91425" rIns="91425" bIns="91425" anchor="b" anchorCtr="0">
             <a:noAutofit/>
           </a:bodyPr>
           <a:lstStyle/>
@@ -4650,11 +4880,7 @@
             </a:pPr>
             <a:r>
               <a:rPr lang="ro"/>
-              <a:t>-&gt; Gagner</a:t>
-            </a:r>
-            <a:r>
-              <a:rPr lang="ro"/>
-              <a:t> </a:t>
+              <a:t>-&gt; Gagner </a:t>
             </a:r>
           </a:p>
         </p:txBody>
@@ -4662,22 +4888,24 @@
       <p:sp>
         <p:nvSpPr>
           <p:cNvPr id="80" name="Shape 80"/>
-          <p:cNvSpPr txBox="1"/>
+          <p:cNvSpPr txBox="1">
+            <a:spLocks noGrp="1"/>
+          </p:cNvSpPr>
           <p:nvPr>
-            <p:ph idx="1" type="body"/>
+            <p:ph type="body" idx="1"/>
           </p:nvPr>
         </p:nvSpPr>
         <p:spPr>
           <a:xfrm>
-            <a:off y="1200150" x="457200"/>
-            <a:ext cy="3725699" cx="8229600"/>
+            <a:off x="457200" y="1200150"/>
+            <a:ext cx="8229600" cy="3725699"/>
           </a:xfrm>
           <a:prstGeom prst="rect">
             <a:avLst/>
           </a:prstGeom>
         </p:spPr>
         <p:txBody>
-          <a:bodyPr bIns="91425" rIns="91425" lIns="91425" tIns="91425" anchor="t" anchorCtr="0">
+          <a:bodyPr lIns="91425" tIns="91425" rIns="91425" bIns="91425" anchor="t" anchorCtr="0">
             <a:noAutofit/>
           </a:bodyPr>
           <a:lstStyle/>
@@ -4688,9 +4916,6 @@
               </a:spcBef>
               <a:buNone/>
             </a:pPr>
-            <a:r>
-              <a:t/>
-            </a:r>
             <a:endParaRPr/>
           </a:p>
         </p:txBody>
@@ -4711,8 +4936,8 @@
         </p:blipFill>
         <p:spPr>
           <a:xfrm>
-            <a:off y="874825" x="3061350"/>
-            <a:ext cy="4268674" cx="2431050"/>
+            <a:off x="3061350" y="874825"/>
+            <a:ext cx="2431050" cy="4268674"/>
           </a:xfrm>
           <a:prstGeom prst="rect">
             <a:avLst/>
@@ -4735,41 +4960,43 @@
 </file>
 
 <file path=ppt/slides/slide9.xml><?xml version="1.0" encoding="utf-8"?>
-<p:sld xmlns:a="http://schemas.openxmlformats.org/drawingml/2006/main" xmlns:r="http://schemas.openxmlformats.org/officeDocument/2006/relationships" xmlns:mc="http://schemas.openxmlformats.org/markup-compatibility/2006" xmlns:mv="urn:schemas-microsoft-com:mac:vml" xmlns:p="http://schemas.openxmlformats.org/presentationml/2006/main" xmlns:c="http://schemas.openxmlformats.org/drawingml/2006/chart" xmlns:dgm="http://schemas.openxmlformats.org/drawingml/2006/diagram" xmlns:o="urn:schemas-microsoft-com:office:office" xmlns:v="urn:schemas-microsoft-com:vml" xmlns:pvml="urn:schemas-microsoft-com:office:powerpoint" xmlns:com="http://schemas.openxmlformats.org/drawingml/2006/compatibility" xmlns:p14="http://schemas.microsoft.com/office/powerpoint/2010/main">
+<p:sld xmlns:a="http://schemas.openxmlformats.org/drawingml/2006/main" xmlns:r="http://schemas.openxmlformats.org/officeDocument/2006/relationships" xmlns:p="http://schemas.openxmlformats.org/presentationml/2006/main">
   <p:cSld>
     <p:spTree>
       <p:nvGrpSpPr>
-        <p:cNvPr id="85" name="Shape 85"/>
+        <p:cNvPr id="1" name="Shape 85"/>
         <p:cNvGrpSpPr/>
         <p:nvPr/>
       </p:nvGrpSpPr>
       <p:grpSpPr>
         <a:xfrm>
-          <a:off y="0" x="0"/>
-          <a:ext cy="0" cx="0"/>
-          <a:chOff y="0" x="0"/>
-          <a:chExt cy="0" cx="0"/>
+          <a:off x="0" y="0"/>
+          <a:ext cx="0" cy="0"/>
+          <a:chOff x="0" y="0"/>
+          <a:chExt cx="0" cy="0"/>
         </a:xfrm>
       </p:grpSpPr>
       <p:sp>
         <p:nvSpPr>
           <p:cNvPr id="86" name="Shape 86"/>
-          <p:cNvSpPr txBox="1"/>
+          <p:cNvSpPr txBox="1">
+            <a:spLocks noGrp="1"/>
+          </p:cNvSpPr>
           <p:nvPr>
             <p:ph type="title"/>
           </p:nvPr>
         </p:nvSpPr>
         <p:spPr>
           <a:xfrm>
-            <a:off y="1799278" x="457200"/>
-            <a:ext cy="857400" cx="8229600"/>
+            <a:off x="457200" y="1799278"/>
+            <a:ext cx="8229600" cy="857400"/>
           </a:xfrm>
           <a:prstGeom prst="rect">
             <a:avLst/>
           </a:prstGeom>
         </p:spPr>
         <p:txBody>
-          <a:bodyPr bIns="91425" rIns="91425" lIns="91425" tIns="91425" anchor="b" anchorCtr="0">
+          <a:bodyPr lIns="91425" tIns="91425" rIns="91425" bIns="91425" anchor="b" anchorCtr="0">
             <a:noAutofit/>
           </a:bodyPr>
           <a:lstStyle/>
@@ -4799,9 +5026,9 @@
 </file>
 
 <file path=ppt/theme/theme1.xml><?xml version="1.0" encoding="utf-8"?>
-<a:theme xmlns:a="http://schemas.openxmlformats.org/drawingml/2006/main" xmlns:r="http://schemas.openxmlformats.org/officeDocument/2006/relationships" name="Custom Theme">
+<a:theme xmlns:a="http://schemas.openxmlformats.org/drawingml/2006/main" name="light-gradient">
   <a:themeElements>
-    <a:clrScheme name="Default">
+    <a:clrScheme name="Custom 347">
       <a:dk1>
         <a:srgbClr val="000000"/>
       </a:dk1>
@@ -4809,34 +5036,34 @@
         <a:srgbClr val="FFFFFF"/>
       </a:lt1>
       <a:dk2>
-        <a:srgbClr val="158158"/>
+        <a:srgbClr val="666666"/>
       </a:dk2>
       <a:lt2>
-        <a:srgbClr val="F3F3F3"/>
+        <a:srgbClr val="CCCCCC"/>
       </a:lt2>
       <a:accent1>
-        <a:srgbClr val="058DC7"/>
+        <a:srgbClr val="3A81BA"/>
       </a:accent1>
       <a:accent2>
-        <a:srgbClr val="50B432"/>
+        <a:srgbClr val="D89F39"/>
       </a:accent2>
       <a:accent3>
-        <a:srgbClr val="ED561B"/>
+        <a:srgbClr val="8BAB42"/>
       </a:accent3>
       <a:accent4>
-        <a:srgbClr val="EDEF00"/>
+        <a:srgbClr val="57A7B5"/>
       </a:accent4>
       <a:accent5>
-        <a:srgbClr val="24CBE5"/>
+        <a:srgbClr val="8B81D2"/>
       </a:accent5>
       <a:accent6>
-        <a:srgbClr val="64E572"/>
+        <a:srgbClr val="963334"/>
       </a:accent6>
       <a:hlink>
-        <a:srgbClr val="2200CC"/>
+        <a:srgbClr val="1155CC"/>
       </a:hlink>
       <a:folHlink>
-        <a:srgbClr val="551A8B"/>
+        <a:srgbClr val="6611CC"/>
       </a:folHlink>
     </a:clrScheme>
     <a:fontScheme name="Office">
@@ -4844,69 +5071,69 @@
         <a:latin typeface="Arial"/>
         <a:ea typeface=""/>
         <a:cs typeface=""/>
-        <a:font typeface="ＭＳ Ｐゴシック" script="Jpan"/>
-        <a:font typeface="맑은 고딕" script="Hang"/>
-        <a:font typeface="宋体" script="Hans"/>
-        <a:font typeface="新細明體" script="Hant"/>
-        <a:font typeface="Times New Roman" script="Arab"/>
-        <a:font typeface="Times New Roman" script="Hebr"/>
-        <a:font typeface="Angsana New" script="Thai"/>
-        <a:font typeface="Nyala" script="Ethi"/>
-        <a:font typeface="Vrinda" script="Beng"/>
-        <a:font typeface="Shruti" script="Gujr"/>
-        <a:font typeface="MoolBoran" script="Khmr"/>
-        <a:font typeface="Tunga" script="Knda"/>
-        <a:font typeface="Raavi" script="Guru"/>
-        <a:font typeface="Euphemia" script="Cans"/>
-        <a:font typeface="Plantagenet Cherokee" script="Cher"/>
-        <a:font typeface="Microsoft Yi Baiti" script="Yiii"/>
-        <a:font typeface="Microsoft Himalaya" script="Tibt"/>
-        <a:font typeface="MV Boli" script="Thaa"/>
-        <a:font typeface="Mangal" script="Deva"/>
-        <a:font typeface="Gautami" script="Telu"/>
-        <a:font typeface="Latha" script="Taml"/>
-        <a:font typeface="Estrangelo Edessa" script="Syrc"/>
-        <a:font typeface="Kalinga" script="Orya"/>
-        <a:font typeface="Kartika" script="Mlym"/>
-        <a:font typeface="DokChampa" script="Laoo"/>
-        <a:font typeface="Iskoola Pota" script="Sinh"/>
-        <a:font typeface="Mongolian Baiti" script="Mong"/>
-        <a:font typeface="Times New Roman" script="Viet"/>
-        <a:font typeface="Microsoft Uighur" script="Uigh"/>
+        <a:font script="Jpan" typeface="ＭＳ Ｐゴシック"/>
+        <a:font script="Hang" typeface="맑은 고딕"/>
+        <a:font script="Hans" typeface="宋体"/>
+        <a:font script="Hant" typeface="新細明體"/>
+        <a:font script="Arab" typeface="Times New Roman"/>
+        <a:font script="Hebr" typeface="Times New Roman"/>
+        <a:font script="Thai" typeface="Angsana New"/>
+        <a:font script="Ethi" typeface="Nyala"/>
+        <a:font script="Beng" typeface="Vrinda"/>
+        <a:font script="Gujr" typeface="Shruti"/>
+        <a:font script="Khmr" typeface="MoolBoran"/>
+        <a:font script="Knda" typeface="Tunga"/>
+        <a:font script="Guru" typeface="Raavi"/>
+        <a:font script="Cans" typeface="Euphemia"/>
+        <a:font script="Cher" typeface="Plantagenet Cherokee"/>
+        <a:font script="Yiii" typeface="Microsoft Yi Baiti"/>
+        <a:font script="Tibt" typeface="Microsoft Himalaya"/>
+        <a:font script="Thaa" typeface="MV Boli"/>
+        <a:font script="Deva" typeface="Mangal"/>
+        <a:font script="Telu" typeface="Gautami"/>
+        <a:font script="Taml" typeface="Latha"/>
+        <a:font script="Syrc" typeface="Estrangelo Edessa"/>
+        <a:font script="Orya" typeface="Kalinga"/>
+        <a:font script="Mlym" typeface="Kartika"/>
+        <a:font script="Laoo" typeface="DokChampa"/>
+        <a:font script="Sinh" typeface="Iskoola Pota"/>
+        <a:font script="Mong" typeface="Mongolian Baiti"/>
+        <a:font script="Viet" typeface="Times New Roman"/>
+        <a:font script="Uigh" typeface="Microsoft Uighur"/>
       </a:majorFont>
       <a:minorFont>
         <a:latin typeface="Arial"/>
         <a:ea typeface=""/>
         <a:cs typeface=""/>
-        <a:font typeface="ＭＳ Ｐゴシック" script="Jpan"/>
-        <a:font typeface="맑은 고딕" script="Hang"/>
-        <a:font typeface="宋体" script="Hans"/>
-        <a:font typeface="新細明體" script="Hant"/>
-        <a:font typeface="Times New Roman" script="Arab"/>
-        <a:font typeface="Times New Roman" script="Hebr"/>
-        <a:font typeface="Angsana New" script="Thai"/>
-        <a:font typeface="Nyala" script="Ethi"/>
-        <a:font typeface="Vrinda" script="Beng"/>
-        <a:font typeface="Shruti" script="Gujr"/>
-        <a:font typeface="MoolBoran" script="Khmr"/>
-        <a:font typeface="Tunga" script="Knda"/>
-        <a:font typeface="Raavi" script="Guru"/>
-        <a:font typeface="Euphemia" script="Cans"/>
-        <a:font typeface="Plantagenet Cherokee" script="Cher"/>
-        <a:font typeface="Microsoft Yi Baiti" script="Yiii"/>
-        <a:font typeface="Microsoft Himalaya" script="Tibt"/>
-        <a:font typeface="MV Boli" script="Thaa"/>
-        <a:font typeface="Mangal" script="Deva"/>
-        <a:font typeface="Gautami" script="Telu"/>
-        <a:font typeface="Latha" script="Taml"/>
-        <a:font typeface="Estrangelo Edessa" script="Syrc"/>
-        <a:font typeface="Kalinga" script="Orya"/>
-        <a:font typeface="Kartika" script="Mlym"/>
-        <a:font typeface="DokChampa" script="Laoo"/>
-        <a:font typeface="Iskoola Pota" script="Sinh"/>
-        <a:font typeface="Mongolian Baiti" script="Mong"/>
-        <a:font typeface="Times New Roman" script="Viet"/>
-        <a:font typeface="Microsoft Uighur" script="Uigh"/>
+        <a:font script="Jpan" typeface="ＭＳ Ｐゴシック"/>
+        <a:font script="Hang" typeface="맑은 고딕"/>
+        <a:font script="Hans" typeface="宋体"/>
+        <a:font script="Hant" typeface="新細明體"/>
+        <a:font script="Arab" typeface="Times New Roman"/>
+        <a:font script="Hebr" typeface="Times New Roman"/>
+        <a:font script="Thai" typeface="Angsana New"/>
+        <a:font script="Ethi" typeface="Nyala"/>
+        <a:font script="Beng" typeface="Vrinda"/>
+        <a:font script="Gujr" typeface="Shruti"/>
+        <a:font script="Khmr" typeface="MoolBoran"/>
+        <a:font script="Knda" typeface="Tunga"/>
+        <a:font script="Guru" typeface="Raavi"/>
+        <a:font script="Cans" typeface="Euphemia"/>
+        <a:font script="Cher" typeface="Plantagenet Cherokee"/>
+        <a:font script="Yiii" typeface="Microsoft Yi Baiti"/>
+        <a:font script="Tibt" typeface="Microsoft Himalaya"/>
+        <a:font script="Thaa" typeface="MV Boli"/>
+        <a:font script="Deva" typeface="Mangal"/>
+        <a:font script="Telu" typeface="Gautami"/>
+        <a:font script="Taml" typeface="Latha"/>
+        <a:font script="Syrc" typeface="Estrangelo Edessa"/>
+        <a:font script="Orya" typeface="Kalinga"/>
+        <a:font script="Mlym" typeface="Kartika"/>
+        <a:font script="Laoo" typeface="DokChampa"/>
+        <a:font script="Sinh" typeface="Iskoola Pota"/>
+        <a:font script="Mong" typeface="Mongolian Baiti"/>
+        <a:font script="Viet" typeface="Times New Roman"/>
+        <a:font script="Uigh" typeface="Microsoft Uighur"/>
       </a:minorFont>
     </a:fontScheme>
     <a:fmtScheme name="Office">
@@ -4958,7 +5185,7 @@
         </a:gradFill>
       </a:fillStyleLst>
       <a:lnStyleLst>
-        <a:ln w="9525" algn="ctr" cap="flat" cmpd="sng">
+        <a:ln w="9525" cap="flat" cmpd="sng" algn="ctr">
           <a:solidFill>
             <a:schemeClr val="phClr">
               <a:shade val="95000"/>
@@ -4967,13 +5194,13 @@
           </a:solidFill>
           <a:prstDash val="solid"/>
         </a:ln>
-        <a:ln w="25400" algn="ctr" cap="flat" cmpd="sng">
+        <a:ln w="25400" cap="flat" cmpd="sng" algn="ctr">
           <a:solidFill>
             <a:schemeClr val="phClr"/>
           </a:solidFill>
           <a:prstDash val="solid"/>
         </a:ln>
-        <a:ln w="38100" algn="ctr" cap="flat" cmpd="sng">
+        <a:ln w="38100" cap="flat" cmpd="sng" algn="ctr">
           <a:solidFill>
             <a:schemeClr val="phClr"/>
           </a:solidFill>
@@ -4983,7 +5210,7 @@
       <a:effectStyleLst>
         <a:effectStyle>
           <a:effectLst>
-            <a:outerShdw rotWithShape="0" dir="5400000" blurRad="40000" dist="20000">
+            <a:outerShdw blurRad="40000" dist="20000" dir="5400000" rotWithShape="0">
               <a:srgbClr val="000000">
                 <a:alpha val="38000"/>
               </a:srgbClr>
@@ -4992,7 +5219,7 @@
         </a:effectStyle>
         <a:effectStyle>
           <a:effectLst>
-            <a:outerShdw rotWithShape="0" dir="5400000" blurRad="40000" dist="23000">
+            <a:outerShdw blurRad="40000" dist="23000" dir="5400000" rotWithShape="0">
               <a:srgbClr val="000000">
                 <a:alpha val="35000"/>
               </a:srgbClr>
@@ -5001,7 +5228,7 @@
         </a:effectStyle>
         <a:effectStyle>
           <a:effectLst>
-            <a:outerShdw rotWithShape="0" dir="5400000" blurRad="40000" dist="23000">
+            <a:outerShdw blurRad="40000" dist="23000" dir="5400000" rotWithShape="0">
               <a:srgbClr val="000000">
                 <a:alpha val="35000"/>
               </a:srgbClr>
@@ -5009,10 +5236,10 @@
           </a:effectLst>
           <a:scene3d>
             <a:camera prst="orthographicFront">
-              <a:rot rev="0" lon="0" lat="0"/>
+              <a:rot lat="0" lon="0" rev="0"/>
             </a:camera>
-            <a:lightRig dir="t" rig="threePt">
-              <a:rot rev="1200000" lon="0" lat="0"/>
+            <a:lightRig rig="threePt" dir="t">
+              <a:rot lat="0" lon="0" rev="1200000"/>
             </a:lightRig>
           </a:scene3d>
           <a:sp3d>
@@ -5047,7 +5274,7 @@
             </a:gs>
           </a:gsLst>
           <a:path path="circle">
-            <a:fillToRect t="-80000" b="180000" r="50000" l="50000"/>
+            <a:fillToRect l="50000" t="-80000" r="50000" b="180000"/>
           </a:path>
         </a:gradFill>
         <a:gradFill rotWithShape="1">
@@ -5066,54 +5293,56 @@
             </a:gs>
           </a:gsLst>
           <a:path path="circle">
-            <a:fillToRect t="50000" b="50000" r="50000" l="50000"/>
+            <a:fillToRect l="50000" t="50000" r="50000" b="50000"/>
           </a:path>
         </a:gradFill>
       </a:bgFillStyleLst>
     </a:fmtScheme>
   </a:themeElements>
+  <a:objectDefaults/>
+  <a:extraClrSchemeLst/>
 </a:theme>
 </file>
 
 <file path=ppt/theme/theme2.xml><?xml version="1.0" encoding="utf-8"?>
-<a:theme xmlns:a="http://schemas.openxmlformats.org/drawingml/2006/main" xmlns:r="http://schemas.openxmlformats.org/officeDocument/2006/relationships" name="Office Theme">
+<a:theme xmlns:a="http://schemas.openxmlformats.org/drawingml/2006/main" name="Custom Theme">
   <a:themeElements>
-    <a:clrScheme name="Office">
+    <a:clrScheme name="Default">
       <a:dk1>
-        <a:sysClr val="windowText" lastClr="000000"/>
+        <a:srgbClr val="000000"/>
       </a:dk1>
       <a:lt1>
-        <a:sysClr val="window" lastClr="FFFFFF"/>
+        <a:srgbClr val="FFFFFF"/>
       </a:lt1>
       <a:dk2>
-        <a:srgbClr val="1F497D"/>
+        <a:srgbClr val="158158"/>
       </a:dk2>
       <a:lt2>
-        <a:srgbClr val="EEECE1"/>
+        <a:srgbClr val="F3F3F3"/>
       </a:lt2>
       <a:accent1>
-        <a:srgbClr val="4F81BD"/>
+        <a:srgbClr val="058DC7"/>
       </a:accent1>
       <a:accent2>
-        <a:srgbClr val="C0504D"/>
+        <a:srgbClr val="50B432"/>
       </a:accent2>
       <a:accent3>
-        <a:srgbClr val="9BBB59"/>
+        <a:srgbClr val="ED561B"/>
       </a:accent3>
       <a:accent4>
-        <a:srgbClr val="8064A2"/>
+        <a:srgbClr val="EDEF00"/>
       </a:accent4>
       <a:accent5>
-        <a:srgbClr val="4BACC6"/>
+        <a:srgbClr val="24CBE5"/>
       </a:accent5>
       <a:accent6>
-        <a:srgbClr val="F79646"/>
+        <a:srgbClr val="64E572"/>
       </a:accent6>
       <a:hlink>
-        <a:srgbClr val="0000FF"/>
+        <a:srgbClr val="2200CC"/>
       </a:hlink>
       <a:folHlink>
-        <a:srgbClr val="800080"/>
+        <a:srgbClr val="551A8B"/>
       </a:folHlink>
     </a:clrScheme>
     <a:fontScheme name="Office">
@@ -5121,69 +5350,69 @@
         <a:latin typeface="Arial"/>
         <a:ea typeface=""/>
         <a:cs typeface=""/>
-        <a:font typeface="ＭＳ Ｐゴシック" script="Jpan"/>
-        <a:font typeface="맑은 고딕" script="Hang"/>
-        <a:font typeface="宋体" script="Hans"/>
-        <a:font typeface="新細明體" script="Hant"/>
-        <a:font typeface="Times New Roman" script="Arab"/>
-        <a:font typeface="Times New Roman" script="Hebr"/>
-        <a:font typeface="Angsana New" script="Thai"/>
-        <a:font typeface="Nyala" script="Ethi"/>
-        <a:font typeface="Vrinda" script="Beng"/>
-        <a:font typeface="Shruti" script="Gujr"/>
-        <a:font typeface="MoolBoran" script="Khmr"/>
-        <a:font typeface="Tunga" script="Knda"/>
-        <a:font typeface="Raavi" script="Guru"/>
-        <a:font typeface="Euphemia" script="Cans"/>
-        <a:font typeface="Plantagenet Cherokee" script="Cher"/>
-        <a:font typeface="Microsoft Yi Baiti" script="Yiii"/>
-        <a:font typeface="Microsoft Himalaya" script="Tibt"/>
-        <a:font typeface="MV Boli" script="Thaa"/>
-        <a:font typeface="Mangal" script="Deva"/>
-        <a:font typeface="Gautami" script="Telu"/>
-        <a:font typeface="Latha" script="Taml"/>
-        <a:font typeface="Estrangelo Edessa" script="Syrc"/>
-        <a:font typeface="Kalinga" script="Orya"/>
-        <a:font typeface="Kartika" script="Mlym"/>
-        <a:font typeface="DokChampa" script="Laoo"/>
-        <a:font typeface="Iskoola Pota" script="Sinh"/>
-        <a:font typeface="Mongolian Baiti" script="Mong"/>
-        <a:font typeface="Times New Roman" script="Viet"/>
-        <a:font typeface="Microsoft Uighur" script="Uigh"/>
+        <a:font script="Jpan" typeface="ＭＳ Ｐゴシック"/>
+        <a:font script="Hang" typeface="맑은 고딕"/>
+        <a:font script="Hans" typeface="宋体"/>
+        <a:font script="Hant" typeface="新細明體"/>
+        <a:font script="Arab" typeface="Times New Roman"/>
+        <a:font script="Hebr" typeface="Times New Roman"/>
+        <a:font script="Thai" typeface="Angsana New"/>
+        <a:font script="Ethi" typeface="Nyala"/>
+        <a:font script="Beng" typeface="Vrinda"/>
+        <a:font script="Gujr" typeface="Shruti"/>
+        <a:font script="Khmr" typeface="MoolBoran"/>
+        <a:font script="Knda" typeface="Tunga"/>
+        <a:font script="Guru" typeface="Raavi"/>
+        <a:font script="Cans" typeface="Euphemia"/>
+        <a:font script="Cher" typeface="Plantagenet Cherokee"/>
+        <a:font script="Yiii" typeface="Microsoft Yi Baiti"/>
+        <a:font script="Tibt" typeface="Microsoft Himalaya"/>
+        <a:font script="Thaa" typeface="MV Boli"/>
+        <a:font script="Deva" typeface="Mangal"/>
+        <a:font script="Telu" typeface="Gautami"/>
+        <a:font script="Taml" typeface="Latha"/>
+        <a:font script="Syrc" typeface="Estrangelo Edessa"/>
+        <a:font script="Orya" typeface="Kalinga"/>
+        <a:font script="Mlym" typeface="Kartika"/>
+        <a:font script="Laoo" typeface="DokChampa"/>
+        <a:font script="Sinh" typeface="Iskoola Pota"/>
+        <a:font script="Mong" typeface="Mongolian Baiti"/>
+        <a:font script="Viet" typeface="Times New Roman"/>
+        <a:font script="Uigh" typeface="Microsoft Uighur"/>
       </a:majorFont>
       <a:minorFont>
         <a:latin typeface="Arial"/>
         <a:ea typeface=""/>
         <a:cs typeface=""/>
-        <a:font typeface="ＭＳ Ｐゴシック" script="Jpan"/>
-        <a:font typeface="맑은 고딕" script="Hang"/>
-        <a:font typeface="宋体" script="Hans"/>
-        <a:font typeface="新細明體" script="Hant"/>
-        <a:font typeface="Times New Roman" script="Arab"/>
-        <a:font typeface="Times New Roman" script="Hebr"/>
-        <a:font typeface="Angsana New" script="Thai"/>
-        <a:font typeface="Nyala" script="Ethi"/>
-        <a:font typeface="Vrinda" script="Beng"/>
-        <a:font typeface="Shruti" script="Gujr"/>
-        <a:font typeface="MoolBoran" script="Khmr"/>
-        <a:font typeface="Tunga" script="Knda"/>
-        <a:font typeface="Raavi" script="Guru"/>
-        <a:font typeface="Euphemia" script="Cans"/>
-        <a:font typeface="Plantagenet Cherokee" script="Cher"/>
-        <a:font typeface="Microsoft Yi Baiti" script="Yiii"/>
-        <a:font typeface="Microsoft Himalaya" script="Tibt"/>
-        <a:font typeface="MV Boli" script="Thaa"/>
-        <a:font typeface="Mangal" script="Deva"/>
-        <a:font typeface="Gautami" script="Telu"/>
-        <a:font typeface="Latha" script="Taml"/>
-        <a:font typeface="Estrangelo Edessa" script="Syrc"/>
-        <a:font typeface="Kalinga" script="Orya"/>
-        <a:font typeface="Kartika" script="Mlym"/>
-        <a:font typeface="DokChampa" script="Laoo"/>
-        <a:font typeface="Iskoola Pota" script="Sinh"/>
-        <a:font typeface="Mongolian Baiti" script="Mong"/>
-        <a:font typeface="Times New Roman" script="Viet"/>
-        <a:font typeface="Microsoft Uighur" script="Uigh"/>
+        <a:font script="Jpan" typeface="ＭＳ Ｐゴシック"/>
+        <a:font script="Hang" typeface="맑은 고딕"/>
+        <a:font script="Hans" typeface="宋体"/>
+        <a:font script="Hant" typeface="新細明體"/>
+        <a:font script="Arab" typeface="Times New Roman"/>
+        <a:font script="Hebr" typeface="Times New Roman"/>
+        <a:font script="Thai" typeface="Angsana New"/>
+        <a:font script="Ethi" typeface="Nyala"/>
+        <a:font script="Beng" typeface="Vrinda"/>
+        <a:font script="Gujr" typeface="Shruti"/>
+        <a:font script="Khmr" typeface="MoolBoran"/>
+        <a:font script="Knda" typeface="Tunga"/>
+        <a:font script="Guru" typeface="Raavi"/>
+        <a:font script="Cans" typeface="Euphemia"/>
+        <a:font script="Cher" typeface="Plantagenet Cherokee"/>
+        <a:font script="Yiii" typeface="Microsoft Yi Baiti"/>
+        <a:font script="Tibt" typeface="Microsoft Himalaya"/>
+        <a:font script="Thaa" typeface="MV Boli"/>
+        <a:font script="Deva" typeface="Mangal"/>
+        <a:font script="Telu" typeface="Gautami"/>
+        <a:font script="Taml" typeface="Latha"/>
+        <a:font script="Syrc" typeface="Estrangelo Edessa"/>
+        <a:font script="Orya" typeface="Kalinga"/>
+        <a:font script="Mlym" typeface="Kartika"/>
+        <a:font script="Laoo" typeface="DokChampa"/>
+        <a:font script="Sinh" typeface="Iskoola Pota"/>
+        <a:font script="Mong" typeface="Mongolian Baiti"/>
+        <a:font script="Viet" typeface="Times New Roman"/>
+        <a:font script="Uigh" typeface="Microsoft Uighur"/>
       </a:minorFont>
     </a:fontScheme>
     <a:fmtScheme name="Office">
@@ -5235,7 +5464,7 @@
         </a:gradFill>
       </a:fillStyleLst>
       <a:lnStyleLst>
-        <a:ln w="9525" algn="ctr" cap="flat" cmpd="sng">
+        <a:ln w="9525" cap="flat" cmpd="sng" algn="ctr">
           <a:solidFill>
             <a:schemeClr val="phClr">
               <a:shade val="95000"/>
@@ -5244,13 +5473,13 @@
           </a:solidFill>
           <a:prstDash val="solid"/>
         </a:ln>
-        <a:ln w="25400" algn="ctr" cap="flat" cmpd="sng">
+        <a:ln w="25400" cap="flat" cmpd="sng" algn="ctr">
           <a:solidFill>
             <a:schemeClr val="phClr"/>
           </a:solidFill>
           <a:prstDash val="solid"/>
         </a:ln>
-        <a:ln w="38100" algn="ctr" cap="flat" cmpd="sng">
+        <a:ln w="38100" cap="flat" cmpd="sng" algn="ctr">
           <a:solidFill>
             <a:schemeClr val="phClr"/>
           </a:solidFill>
@@ -5260,7 +5489,7 @@
       <a:effectStyleLst>
         <a:effectStyle>
           <a:effectLst>
-            <a:outerShdw rotWithShape="0" dir="5400000" blurRad="40000" dist="20000">
+            <a:outerShdw blurRad="40000" dist="20000" dir="5400000" rotWithShape="0">
               <a:srgbClr val="000000">
                 <a:alpha val="38000"/>
               </a:srgbClr>
@@ -5269,7 +5498,7 @@
         </a:effectStyle>
         <a:effectStyle>
           <a:effectLst>
-            <a:outerShdw rotWithShape="0" dir="5400000" blurRad="40000" dist="23000">
+            <a:outerShdw blurRad="40000" dist="23000" dir="5400000" rotWithShape="0">
               <a:srgbClr val="000000">
                 <a:alpha val="35000"/>
               </a:srgbClr>
@@ -5278,7 +5507,7 @@
         </a:effectStyle>
         <a:effectStyle>
           <a:effectLst>
-            <a:outerShdw rotWithShape="0" dir="5400000" blurRad="40000" dist="23000">
+            <a:outerShdw blurRad="40000" dist="23000" dir="5400000" rotWithShape="0">
               <a:srgbClr val="000000">
                 <a:alpha val="35000"/>
               </a:srgbClr>
@@ -5286,10 +5515,10 @@
           </a:effectLst>
           <a:scene3d>
             <a:camera prst="orthographicFront">
-              <a:rot rev="0" lon="0" lat="0"/>
+              <a:rot lat="0" lon="0" rev="0"/>
             </a:camera>
-            <a:lightRig dir="t" rig="threePt">
-              <a:rot rev="1200000" lon="0" lat="0"/>
+            <a:lightRig rig="threePt" dir="t">
+              <a:rot lat="0" lon="0" rev="1200000"/>
             </a:lightRig>
           </a:scene3d>
           <a:sp3d>
@@ -5324,7 +5553,7 @@
             </a:gs>
           </a:gsLst>
           <a:path path="circle">
-            <a:fillToRect t="-80000" b="180000" r="50000" l="50000"/>
+            <a:fillToRect l="50000" t="-80000" r="50000" b="180000"/>
           </a:path>
         </a:gradFill>
         <a:gradFill rotWithShape="1">
@@ -5343,328 +5572,13 @@
             </a:gs>
           </a:gsLst>
           <a:path path="circle">
-            <a:fillToRect t="50000" b="50000" r="50000" l="50000"/>
+            <a:fillToRect l="50000" t="50000" r="50000" b="50000"/>
           </a:path>
         </a:gradFill>
       </a:bgFillStyleLst>
     </a:fmtScheme>
   </a:themeElements>
-  <a:objectDefaults>
-    <a:spDef>
-      <a:spPr/>
-      <a:bodyPr/>
-      <a:lstStyle/>
-      <a:style>
-        <a:lnRef idx="1">
-          <a:schemeClr val="accent1"/>
-        </a:lnRef>
-        <a:fillRef idx="3">
-          <a:schemeClr val="accent1"/>
-        </a:fillRef>
-        <a:effectRef idx="2">
-          <a:schemeClr val="accent1"/>
-        </a:effectRef>
-        <a:fontRef idx="minor">
-          <a:schemeClr val="lt1"/>
-        </a:fontRef>
-      </a:style>
-    </a:spDef>
-    <a:lnDef>
-      <a:spPr/>
-      <a:bodyPr/>
-      <a:lstStyle/>
-      <a:style>
-        <a:lnRef idx="2">
-          <a:schemeClr val="accent1"/>
-        </a:lnRef>
-        <a:fillRef idx="0">
-          <a:schemeClr val="accent1"/>
-        </a:fillRef>
-        <a:effectRef idx="1">
-          <a:schemeClr val="accent1"/>
-        </a:effectRef>
-        <a:fontRef idx="minor">
-          <a:schemeClr val="tx1"/>
-        </a:fontRef>
-      </a:style>
-    </a:lnDef>
-  </a:objectDefaults>
-</a:theme>
-</file>
-
-<file path=ppt/theme/theme3.xml><?xml version="1.0" encoding="utf-8"?>
-<a:theme xmlns:a="http://schemas.openxmlformats.org/drawingml/2006/main" xmlns:r="http://schemas.openxmlformats.org/officeDocument/2006/relationships" name="light-gradient">
-  <a:themeElements>
-    <a:clrScheme name="Custom 347">
-      <a:dk1>
-        <a:srgbClr val="000000"/>
-      </a:dk1>
-      <a:lt1>
-        <a:srgbClr val="FFFFFF"/>
-      </a:lt1>
-      <a:dk2>
-        <a:srgbClr val="666666"/>
-      </a:dk2>
-      <a:lt2>
-        <a:srgbClr val="CCCCCC"/>
-      </a:lt2>
-      <a:accent1>
-        <a:srgbClr val="3A81BA"/>
-      </a:accent1>
-      <a:accent2>
-        <a:srgbClr val="D89F39"/>
-      </a:accent2>
-      <a:accent3>
-        <a:srgbClr val="8BAB42"/>
-      </a:accent3>
-      <a:accent4>
-        <a:srgbClr val="57A7B5"/>
-      </a:accent4>
-      <a:accent5>
-        <a:srgbClr val="8B81D2"/>
-      </a:accent5>
-      <a:accent6>
-        <a:srgbClr val="963334"/>
-      </a:accent6>
-      <a:hlink>
-        <a:srgbClr val="1155CC"/>
-      </a:hlink>
-      <a:folHlink>
-        <a:srgbClr val="6611CC"/>
-      </a:folHlink>
-    </a:clrScheme>
-    <a:fontScheme name="Office">
-      <a:majorFont>
-        <a:latin typeface="Arial"/>
-        <a:ea typeface=""/>
-        <a:cs typeface=""/>
-        <a:font typeface="ＭＳ Ｐゴシック" script="Jpan"/>
-        <a:font typeface="맑은 고딕" script="Hang"/>
-        <a:font typeface="宋体" script="Hans"/>
-        <a:font typeface="新細明體" script="Hant"/>
-        <a:font typeface="Times New Roman" script="Arab"/>
-        <a:font typeface="Times New Roman" script="Hebr"/>
-        <a:font typeface="Angsana New" script="Thai"/>
-        <a:font typeface="Nyala" script="Ethi"/>
-        <a:font typeface="Vrinda" script="Beng"/>
-        <a:font typeface="Shruti" script="Gujr"/>
-        <a:font typeface="MoolBoran" script="Khmr"/>
-        <a:font typeface="Tunga" script="Knda"/>
-        <a:font typeface="Raavi" script="Guru"/>
-        <a:font typeface="Euphemia" script="Cans"/>
-        <a:font typeface="Plantagenet Cherokee" script="Cher"/>
-        <a:font typeface="Microsoft Yi Baiti" script="Yiii"/>
-        <a:font typeface="Microsoft Himalaya" script="Tibt"/>
-        <a:font typeface="MV Boli" script="Thaa"/>
-        <a:font typeface="Mangal" script="Deva"/>
-        <a:font typeface="Gautami" script="Telu"/>
-        <a:font typeface="Latha" script="Taml"/>
-        <a:font typeface="Estrangelo Edessa" script="Syrc"/>
-        <a:font typeface="Kalinga" script="Orya"/>
-        <a:font typeface="Kartika" script="Mlym"/>
-        <a:font typeface="DokChampa" script="Laoo"/>
-        <a:font typeface="Iskoola Pota" script="Sinh"/>
-        <a:font typeface="Mongolian Baiti" script="Mong"/>
-        <a:font typeface="Times New Roman" script="Viet"/>
-        <a:font typeface="Microsoft Uighur" script="Uigh"/>
-      </a:majorFont>
-      <a:minorFont>
-        <a:latin typeface="Arial"/>
-        <a:ea typeface=""/>
-        <a:cs typeface=""/>
-        <a:font typeface="ＭＳ Ｐゴシック" script="Jpan"/>
-        <a:font typeface="맑은 고딕" script="Hang"/>
-        <a:font typeface="宋体" script="Hans"/>
-        <a:font typeface="新細明體" script="Hant"/>
-        <a:font typeface="Times New Roman" script="Arab"/>
-        <a:font typeface="Times New Roman" script="Hebr"/>
-        <a:font typeface="Angsana New" script="Thai"/>
-        <a:font typeface="Nyala" script="Ethi"/>
-        <a:font typeface="Vrinda" script="Beng"/>
-        <a:font typeface="Shruti" script="Gujr"/>
-        <a:font typeface="MoolBoran" script="Khmr"/>
-        <a:font typeface="Tunga" script="Knda"/>
-        <a:font typeface="Raavi" script="Guru"/>
-        <a:font typeface="Euphemia" script="Cans"/>
-        <a:font typeface="Plantagenet Cherokee" script="Cher"/>
-        <a:font typeface="Microsoft Yi Baiti" script="Yiii"/>
-        <a:font typeface="Microsoft Himalaya" script="Tibt"/>
-        <a:font typeface="MV Boli" script="Thaa"/>
-        <a:font typeface="Mangal" script="Deva"/>
-        <a:font typeface="Gautami" script="Telu"/>
-        <a:font typeface="Latha" script="Taml"/>
-        <a:font typeface="Estrangelo Edessa" script="Syrc"/>
-        <a:font typeface="Kalinga" script="Orya"/>
-        <a:font typeface="Kartika" script="Mlym"/>
-        <a:font typeface="DokChampa" script="Laoo"/>
-        <a:font typeface="Iskoola Pota" script="Sinh"/>
-        <a:font typeface="Mongolian Baiti" script="Mong"/>
-        <a:font typeface="Times New Roman" script="Viet"/>
-        <a:font typeface="Microsoft Uighur" script="Uigh"/>
-      </a:minorFont>
-    </a:fontScheme>
-    <a:fmtScheme name="Office">
-      <a:fillStyleLst>
-        <a:solidFill>
-          <a:schemeClr val="phClr"/>
-        </a:solidFill>
-        <a:gradFill rotWithShape="1">
-          <a:gsLst>
-            <a:gs pos="0">
-              <a:schemeClr val="phClr">
-                <a:tint val="50000"/>
-                <a:satMod val="300000"/>
-              </a:schemeClr>
-            </a:gs>
-            <a:gs pos="35000">
-              <a:schemeClr val="phClr">
-                <a:tint val="37000"/>
-                <a:satMod val="300000"/>
-              </a:schemeClr>
-            </a:gs>
-            <a:gs pos="100000">
-              <a:schemeClr val="phClr">
-                <a:tint val="15000"/>
-                <a:satMod val="350000"/>
-              </a:schemeClr>
-            </a:gs>
-          </a:gsLst>
-          <a:lin ang="16200000" scaled="1"/>
-        </a:gradFill>
-        <a:gradFill rotWithShape="1">
-          <a:gsLst>
-            <a:gs pos="0">
-              <a:schemeClr val="phClr">
-                <a:tint val="100000"/>
-                <a:shade val="100000"/>
-                <a:satMod val="130000"/>
-              </a:schemeClr>
-            </a:gs>
-            <a:gs pos="100000">
-              <a:schemeClr val="phClr">
-                <a:tint val="50000"/>
-                <a:shade val="100000"/>
-                <a:satMod val="350000"/>
-              </a:schemeClr>
-            </a:gs>
-          </a:gsLst>
-          <a:lin ang="16200000" scaled="0"/>
-        </a:gradFill>
-      </a:fillStyleLst>
-      <a:lnStyleLst>
-        <a:ln w="9525" algn="ctr" cap="flat" cmpd="sng">
-          <a:solidFill>
-            <a:schemeClr val="phClr">
-              <a:shade val="95000"/>
-              <a:satMod val="105000"/>
-            </a:schemeClr>
-          </a:solidFill>
-          <a:prstDash val="solid"/>
-        </a:ln>
-        <a:ln w="25400" algn="ctr" cap="flat" cmpd="sng">
-          <a:solidFill>
-            <a:schemeClr val="phClr"/>
-          </a:solidFill>
-          <a:prstDash val="solid"/>
-        </a:ln>
-        <a:ln w="38100" algn="ctr" cap="flat" cmpd="sng">
-          <a:solidFill>
-            <a:schemeClr val="phClr"/>
-          </a:solidFill>
-          <a:prstDash val="solid"/>
-        </a:ln>
-      </a:lnStyleLst>
-      <a:effectStyleLst>
-        <a:effectStyle>
-          <a:effectLst>
-            <a:outerShdw rotWithShape="0" dir="5400000" blurRad="40000" dist="20000">
-              <a:srgbClr val="000000">
-                <a:alpha val="38000"/>
-              </a:srgbClr>
-            </a:outerShdw>
-          </a:effectLst>
-        </a:effectStyle>
-        <a:effectStyle>
-          <a:effectLst>
-            <a:outerShdw rotWithShape="0" dir="5400000" blurRad="40000" dist="23000">
-              <a:srgbClr val="000000">
-                <a:alpha val="35000"/>
-              </a:srgbClr>
-            </a:outerShdw>
-          </a:effectLst>
-        </a:effectStyle>
-        <a:effectStyle>
-          <a:effectLst>
-            <a:outerShdw rotWithShape="0" dir="5400000" blurRad="40000" dist="23000">
-              <a:srgbClr val="000000">
-                <a:alpha val="35000"/>
-              </a:srgbClr>
-            </a:outerShdw>
-          </a:effectLst>
-          <a:scene3d>
-            <a:camera prst="orthographicFront">
-              <a:rot rev="0" lon="0" lat="0"/>
-            </a:camera>
-            <a:lightRig dir="t" rig="threePt">
-              <a:rot rev="1200000" lon="0" lat="0"/>
-            </a:lightRig>
-          </a:scene3d>
-          <a:sp3d>
-            <a:bevelT w="63500" h="25400"/>
-          </a:sp3d>
-        </a:effectStyle>
-      </a:effectStyleLst>
-      <a:bgFillStyleLst>
-        <a:solidFill>
-          <a:schemeClr val="phClr"/>
-        </a:solidFill>
-        <a:gradFill rotWithShape="1">
-          <a:gsLst>
-            <a:gs pos="0">
-              <a:schemeClr val="phClr">
-                <a:tint val="40000"/>
-                <a:satMod val="350000"/>
-              </a:schemeClr>
-            </a:gs>
-            <a:gs pos="40000">
-              <a:schemeClr val="phClr">
-                <a:tint val="45000"/>
-                <a:shade val="99000"/>
-                <a:satMod val="350000"/>
-              </a:schemeClr>
-            </a:gs>
-            <a:gs pos="100000">
-              <a:schemeClr val="phClr">
-                <a:shade val="20000"/>
-                <a:satMod val="255000"/>
-              </a:schemeClr>
-            </a:gs>
-          </a:gsLst>
-          <a:path path="circle">
-            <a:fillToRect t="-80000" b="180000" r="50000" l="50000"/>
-          </a:path>
-        </a:gradFill>
-        <a:gradFill rotWithShape="1">
-          <a:gsLst>
-            <a:gs pos="0">
-              <a:schemeClr val="phClr">
-                <a:tint val="80000"/>
-                <a:satMod val="300000"/>
-              </a:schemeClr>
-            </a:gs>
-            <a:gs pos="100000">
-              <a:schemeClr val="phClr">
-                <a:shade val="30000"/>
-                <a:satMod val="200000"/>
-              </a:schemeClr>
-            </a:gs>
-          </a:gsLst>
-          <a:path path="circle">
-            <a:fillToRect t="50000" b="50000" r="50000" l="50000"/>
-          </a:path>
-        </a:gradFill>
-      </a:bgFillStyleLst>
-    </a:fmtScheme>
-  </a:themeElements>
+  <a:objectDefaults/>
+  <a:extraClrSchemeLst/>
 </a:theme>
 </file>